--- a/lectures/lecture-08/Lecture-Live D00/Lecture 08 - Lecture.pptx
+++ b/lectures/lecture-08/Lecture-Live D00/Lecture 08 - Lecture.pptx
@@ -143,6 +143,1417 @@
     </p:ext>
   </p:extLst>
 </p:presentation>
+</file>
+
+<file path=ppt/ink/ink1.xml><?xml version="1.0" encoding="utf-8"?>
+<inkml:ink xmlns:inkml="http://www.w3.org/2003/InkML">
+  <inkml:definitions>
+    <inkml:context xml:id="ctx0">
+      <inkml:inkSource xml:id="inkSrc0">
+        <inkml:traceFormat>
+          <inkml:channel name="X" type="integer" min="-2.14748E9" max="2.14748E9" units="cm"/>
+          <inkml:channel name="Y" type="integer" min="-2.14748E9" max="2.14748E9" units="cm"/>
+          <inkml:channel name="F" type="integer" max="32767" units="dev"/>
+          <inkml:channel name="OA" type="integer" max="360" units="deg"/>
+          <inkml:channel name="OE" type="integer" max="90" units="deg"/>
+        </inkml:traceFormat>
+        <inkml:channelProperties>
+          <inkml:channelProperty channel="X" name="resolution" value="1000" units="1/cm"/>
+          <inkml:channelProperty channel="Y" name="resolution" value="1000" units="1/cm"/>
+          <inkml:channelProperty channel="F" name="resolution" value="0" units="1/dev"/>
+          <inkml:channelProperty channel="OA" name="resolution" value="1000" units="1/deg"/>
+          <inkml:channelProperty channel="OE" name="resolution" value="1000" units="1/deg"/>
+        </inkml:channelProperties>
+      </inkml:inkSource>
+      <inkml:timestamp xml:id="ts0" timeString="2021-01-22T20:00:30.820"/>
+    </inkml:context>
+    <inkml:brush xml:id="br0">
+      <inkml:brushProperty name="width" value="0.05" units="cm"/>
+      <inkml:brushProperty name="height" value="0.05" units="cm"/>
+      <inkml:brushProperty name="color" value="#004F8B"/>
+    </inkml:brush>
+  </inkml:definitions>
+  <inkml:trace contextRef="#ctx0" brushRef="#br0">16 54 9584 0 0,'0'0'868'0'0,"-2"-1"-714"0"0,-4-2 447 0 0,-2-3 4735 0 0,9 2-1294 0 0,9 0-4702 0 0,1 2 904 0 0,1 1 1 0 0,-1 1 0 0 0,1 0 0 0 0,20 2-1 0 0,14 1 201 0 0,218 2 1793 0 0,-85 3-1066 0 0,33-1-600 0 0,76-11 37 0 0,-1 24 702 0 0,-238-12-1193 0 0,43 4 327 0 0,-59-9 644 0 0,-16-2-955 0 0,32 1 1 0 0,-44-3-88 0 0,0 1 0 0 0,0-1 0 0 0,0 0 1 0 0,0 0-1 0 0,0 0 0 0 0,0-1 0 0 0,0 0 0 0 0,-1 0 1 0 0,1 0-1 0 0,7-5 0 0 0,-8 4 18 0 0,0-1 1 0 0,0 0-1 0 0,0 0 0 0 0,0 0 0 0 0,-1 0 1 0 0,0 0-1 0 0,4-7 0 0 0,2-3 0 0 0,-8 14-62 0 0,-1-1 0 0 0,1 0 0 0 0,-1 0 0 0 0,0 0 0 0 0,1 1 0 0 0,-1-1 0 0 0,0 0 1 0 0,0 0-1 0 0,1 0 0 0 0,-1 0 0 0 0,0 0 0 0 0,0 0 0 0 0,0 1 0 0 0,0-1 0 0 0,0 0 0 0 0,-1-2 0 0 0,1-7-13 0 0,0 9-376 0 0</inkml:trace>
+</inkml:ink>
+</file>
+
+<file path=ppt/ink/ink10.xml><?xml version="1.0" encoding="utf-8"?>
+<inkml:ink xmlns:inkml="http://www.w3.org/2003/InkML">
+  <inkml:definitions>
+    <inkml:context xml:id="ctx0">
+      <inkml:inkSource xml:id="inkSrc0">
+        <inkml:traceFormat>
+          <inkml:channel name="X" type="integer" min="-2.14748E9" max="2.14748E9" units="cm"/>
+          <inkml:channel name="Y" type="integer" min="-2.14748E9" max="2.14748E9" units="cm"/>
+          <inkml:channel name="F" type="integer" max="32767" units="dev"/>
+          <inkml:channel name="OA" type="integer" max="360" units="deg"/>
+          <inkml:channel name="OE" type="integer" max="90" units="deg"/>
+        </inkml:traceFormat>
+        <inkml:channelProperties>
+          <inkml:channelProperty channel="X" name="resolution" value="1000" units="1/cm"/>
+          <inkml:channelProperty channel="Y" name="resolution" value="1000" units="1/cm"/>
+          <inkml:channelProperty channel="F" name="resolution" value="0" units="1/dev"/>
+          <inkml:channelProperty channel="OA" name="resolution" value="1000" units="1/deg"/>
+          <inkml:channelProperty channel="OE" name="resolution" value="1000" units="1/deg"/>
+        </inkml:channelProperties>
+      </inkml:inkSource>
+      <inkml:timestamp xml:id="ts0" timeString="2021-01-22T20:00:47.192"/>
+    </inkml:context>
+    <inkml:brush xml:id="br0">
+      <inkml:brushProperty name="width" value="0.05" units="cm"/>
+      <inkml:brushProperty name="height" value="0.05" units="cm"/>
+      <inkml:brushProperty name="color" value="#004F8B"/>
+    </inkml:brush>
+  </inkml:definitions>
+  <inkml:trace contextRef="#ctx0" brushRef="#br0">21 248 6448 0 0,'-12'-6'696'0'0,"4"-9"7309"0"0,8 15-7738 0 0,0 0 1 0 0,1-1-1 0 0,-1 1 1 0 0,0 0-1 0 0,1 0 1 0 0,-1 0 0 0 0,1 0-1 0 0,-1 0 1 0 0,0 0-1 0 0,1 0 1 0 0,-1 0-1 0 0,0 0 1 0 0,1 0-1 0 0,3-1 158 0 0,15-3 323 0 0,0 1-1 0 0,0 1 0 0 0,22 1 1 0 0,12-2 149 0 0,-1-1-411 0 0,-9 1-188 0 0,0-2 0 0 0,-1-1 0 0 0,60-18 1 0 0,35-21-139 0 0,-113 37-157 0 0,-13 5 18 0 0,-1-1-1 0 0,1 0 1 0 0,-1-1 0 0 0,0 0-1 0 0,0 0 1 0 0,11-9 0 0 0,-21 14-17 0 0,1 0 1 0 0,-1-1 0 0 0,1 1-1 0 0,-1 0 1 0 0,0-1 0 0 0,1 1-1 0 0,-1 0 1 0 0,0-1 0 0 0,1 1 0 0 0,-1 0-1 0 0,0-1 1 0 0,1 1 0 0 0,-1-1-1 0 0,0 1 1 0 0,0-1 0 0 0,0 1-1 0 0,1-1 1 0 0,-1 1 0 0 0,0-1 0 0 0,0 1-1 0 0,0 0 1 0 0,0-1 0 0 0,0 1-1 0 0,0-1 1 0 0,0 1 0 0 0,0-1-1 0 0,0 1 1 0 0,0-1 0 0 0,0 1 0 0 0,0-1-1 0 0,-1 1 1 0 0,1-1 0 0 0,0 1-1 0 0,0-1 1 0 0,0 1 0 0 0,-1-1-1 0 0,1 1 1 0 0,0 0 0 0 0,0-1 0 0 0,-1 1-1 0 0,1-1 1 0 0,0 1 0 0 0,-1 0-1 0 0,1-1 1 0 0,0 1 0 0 0,-1 0 0 0 0,1 0-1 0 0,-1-1 1 0 0,1 1 0 0 0,-1 0-1 0 0,-3-3 28 0 0,-1 1-1 0 0,1 0 0 0 0,-10-4 0 0 0,9 5-10 0 0,-6-3 10 0 0,0 1 1 0 0,-20-3-1 0 0,1 0-21 0 0,-47-6 85 0 0,40 7-62 0 0,32 3 26 0 0,5 2 26 0 0,5-1-57 0 0,0 0 0 0 0,1 0 0 0 0,-1 0 1 0 0,0 0-1 0 0,1 1 0 0 0,-1 0 0 0 0,1 0 0 0 0,-1 1 1 0 0,0 0-1 0 0,7 1 0 0 0,10 1 117 0 0,15-2 76 0 0,-23-2 24 0 0,1 2 1 0 0,14 2 0 0 0,-28-3-241 0 0,0 0-1 0 0,1 0 1 0 0,-1 1 0 0 0,0-1-1 0 0,1 0 1 0 0,-1 1 0 0 0,0-1-1 0 0,1 1 1 0 0,-1-1 0 0 0,0 1-1 0 0,0 0 1 0 0,0-1-1 0 0,0 1 1 0 0,0 0 0 0 0,0 0-1 0 0,0 0 1 0 0,0 0 0 0 0,0 0-1 0 0,0 0 1 0 0,0 0 0 0 0,0 0-1 0 0,-1 0 1 0 0,1 0-1 0 0,0 1 1 0 0,-1-1 0 0 0,1 0-1 0 0,-1 0 1 0 0,0 1 0 0 0,1-1-1 0 0,-1 0 1 0 0,0 1 0 0 0,0-1-1 0 0,1 0 1 0 0,-1 1-1 0 0,0-1 1 0 0,0 0 0 0 0,-1 1-1 0 0,1-1 1 0 0,0 0 0 0 0,0 1-1 0 0,-1-1 1 0 0,1 0 0 0 0,-1 2-1 0 0,-2 5 11 0 0,0 0 1 0 0,-1-1-1 0 0,0 1 0 0 0,0-1 1 0 0,-8 11-1 0 0,-81 99-60 0 0,69-87 18 0 0,19-25-162 0 0,-14 20 357 0 0,18-24-422 0 0,-1 1 0 0 0,1 0 0 0 0,0 0 0 0 0,0 0 0 0 0,0 0 0 0 0,1 0-1 0 0,-1 0 1 0 0,0 0 0 0 0,1 0 0 0 0,-1 4 0 0 0,2-2-2531 0 0</inkml:trace>
+</inkml:ink>
+</file>
+
+<file path=ppt/ink/ink11.xml><?xml version="1.0" encoding="utf-8"?>
+<inkml:ink xmlns:inkml="http://www.w3.org/2003/InkML">
+  <inkml:definitions>
+    <inkml:context xml:id="ctx0">
+      <inkml:inkSource xml:id="inkSrc0">
+        <inkml:traceFormat>
+          <inkml:channel name="X" type="integer" min="-2.14748E9" max="2.14748E9" units="cm"/>
+          <inkml:channel name="Y" type="integer" min="-2.14748E9" max="2.14748E9" units="cm"/>
+          <inkml:channel name="F" type="integer" max="32767" units="dev"/>
+          <inkml:channel name="OA" type="integer" max="360" units="deg"/>
+          <inkml:channel name="OE" type="integer" max="90" units="deg"/>
+        </inkml:traceFormat>
+        <inkml:channelProperties>
+          <inkml:channelProperty channel="X" name="resolution" value="1000" units="1/cm"/>
+          <inkml:channelProperty channel="Y" name="resolution" value="1000" units="1/cm"/>
+          <inkml:channelProperty channel="F" name="resolution" value="0" units="1/dev"/>
+          <inkml:channelProperty channel="OA" name="resolution" value="1000" units="1/deg"/>
+          <inkml:channelProperty channel="OE" name="resolution" value="1000" units="1/deg"/>
+        </inkml:channelProperties>
+      </inkml:inkSource>
+      <inkml:timestamp xml:id="ts0" timeString="2021-01-22T20:00:47.899"/>
+    </inkml:context>
+    <inkml:brush xml:id="br0">
+      <inkml:brushProperty name="width" value="0.05" units="cm"/>
+      <inkml:brushProperty name="height" value="0.05" units="cm"/>
+      <inkml:brushProperty name="color" value="#004F8B"/>
+    </inkml:brush>
+  </inkml:definitions>
+  <inkml:trace contextRef="#ctx0" brushRef="#br0">53 157 6448 0 0,'0'0'10414'0'0,"11"-8"-8421"0"0,15-21 151 0 0,-16 16-1669 0 0,0 2-1 0 0,1-1 1 0 0,1 1-1 0 0,-1 1 1 0 0,16-10-1 0 0,-14 12-181 0 0,1 0-1 0 0,17-6 1 0 0,-25 11-216 0 0,0 1 0 0 0,0 0 1 0 0,1 0-1 0 0,-1 1 0 0 0,0 0 0 0 0,1 0 1 0 0,12 0-1 0 0,-18 1-71 0 0,1 1 0 0 0,0-1 0 0 0,0 1 0 0 0,-1-1 0 0 0,1 1 1 0 0,0 0-1 0 0,-1-1 0 0 0,1 1 0 0 0,0 0 0 0 0,-1 0 0 0 0,1 0 0 0 0,-1 1 0 0 0,0-1 0 0 0,1 0 1 0 0,-1 0-1 0 0,0 1 0 0 0,0-1 0 0 0,0 1 0 0 0,0-1 0 0 0,0 1 0 0 0,0-1 0 0 0,0 1 0 0 0,-1 0 0 0 0,1-1 1 0 0,0 1-1 0 0,-1 0 0 0 0,1-1 0 0 0,-1 4 0 0 0,2 3-36 0 0,-1 0 0 0 0,0 0 1 0 0,0 0-1 0 0,-2 15 0 0 0,-1-3 26 0 0,0 0 1 0 0,-2 0 0 0 0,-1 0-1 0 0,0 0 1 0 0,-1-1-1 0 0,-16 34 1 0 0,-67 102-8 0 0,72-129 11 0 0,4-4-10 0 0,-2-1-1 0 0,-22 24 0 0 0,30-37 7 0 0,-1 0 0 0 0,-1 0 0 0 0,1-1 0 0 0,-1 0 0 0 0,-1-1 0 0 0,1 0 0 0 0,-18 8 0 0 0,26-13 5 0 0,0-1 0 0 0,0 1-1 0 0,0-1 1 0 0,1 0 0 0 0,-1 0-1 0 0,0 1 1 0 0,0-1 0 0 0,0 0-1 0 0,0 0 1 0 0,0 0 0 0 0,0 0-1 0 0,0 0 1 0 0,0 0 0 0 0,0 0 0 0 0,0 0-1 0 0,0 0 1 0 0,0-1 0 0 0,0 1-1 0 0,0 0 1 0 0,0-1 0 0 0,0 1-1 0 0,0-1 1 0 0,-1 0 0 0 0,2 1 3 0 0,-1-1 0 0 0,1 1 0 0 0,0-1 0 0 0,-1 0 1 0 0,1 1-1 0 0,0-1 0 0 0,0 1 0 0 0,0-1 0 0 0,-1 0 1 0 0,1 1-1 0 0,0-1 0 0 0,0 0 0 0 0,0 1 0 0 0,0-1 1 0 0,0 1-1 0 0,0-1 0 0 0,0 0 0 0 0,0 1 0 0 0,1-1 1 0 0,-1 0-1 0 0,0 1 0 0 0,0-1 0 0 0,0 1 0 0 0,1-1 1 0 0,-1 0-1 0 0,0 1 0 0 0,1-1 0 0 0,-1 1 0 0 0,0-1 1 0 0,1 1-1 0 0,-1-1 0 0 0,1 1 0 0 0,-1-1 0 0 0,1 1 1 0 0,-1 0-1 0 0,1-1 0 0 0,0 1 0 0 0,11-12 131 0 0,0 2-1 0 0,1 0 0 0 0,0 0 1 0 0,1 1-1 0 0,0 1 1 0 0,0 0-1 0 0,1 1 0 0 0,0 1 1 0 0,0 0-1 0 0,1 1 1 0 0,-1 1-1 0 0,1 0 0 0 0,0 1 1 0 0,0 1-1 0 0,1 0 1 0 0,-1 1-1 0 0,0 1 0 0 0,0 1 1 0 0,26 3-1 0 0,-33-1-277 0 0,0 0 0 0 0,0 1 1 0 0,0-1-1 0 0,-1 2 0 0 0,0-1 0 0 0,0 1 0 0 0,0 0 0 0 0,8 7 0 0 0,13 8-487 0 0,-27-18 302 0 0,0-1-1 0 0,1 0 0 0 0,-1 0 1 0 0,1 0-1 0 0,-1 0 1 0 0,1 0-1 0 0,0 0 0 0 0,-1-1 1 0 0,1 1-1 0 0,3-1 1 0 0,3-2-1502 0 0</inkml:trace>
+</inkml:ink>
+</file>
+
+<file path=ppt/ink/ink12.xml><?xml version="1.0" encoding="utf-8"?>
+<inkml:ink xmlns:inkml="http://www.w3.org/2003/InkML">
+  <inkml:definitions>
+    <inkml:context xml:id="ctx0">
+      <inkml:inkSource xml:id="inkSrc0">
+        <inkml:traceFormat>
+          <inkml:channel name="X" type="integer" min="-2.14748E9" max="2.14748E9" units="cm"/>
+          <inkml:channel name="Y" type="integer" min="-2.14748E9" max="2.14748E9" units="cm"/>
+          <inkml:channel name="F" type="integer" max="32767" units="dev"/>
+          <inkml:channel name="OA" type="integer" max="360" units="deg"/>
+          <inkml:channel name="OE" type="integer" max="90" units="deg"/>
+        </inkml:traceFormat>
+        <inkml:channelProperties>
+          <inkml:channelProperty channel="X" name="resolution" value="1000" units="1/cm"/>
+          <inkml:channelProperty channel="Y" name="resolution" value="1000" units="1/cm"/>
+          <inkml:channelProperty channel="F" name="resolution" value="0" units="1/dev"/>
+          <inkml:channelProperty channel="OA" name="resolution" value="1000" units="1/deg"/>
+          <inkml:channelProperty channel="OE" name="resolution" value="1000" units="1/deg"/>
+        </inkml:channelProperties>
+      </inkml:inkSource>
+      <inkml:timestamp xml:id="ts0" timeString="2021-01-22T20:00:48.255"/>
+    </inkml:context>
+    <inkml:brush xml:id="br0">
+      <inkml:brushProperty name="width" value="0.05" units="cm"/>
+      <inkml:brushProperty name="height" value="0.05" units="cm"/>
+      <inkml:brushProperty name="color" value="#004F8B"/>
+    </inkml:brush>
+  </inkml:definitions>
+  <inkml:trace contextRef="#ctx0" brushRef="#br0">181 1 10136 0 0,'0'0'777'0'0,"-1"0"-505"0"0,-2 0 100 0 0,1 1 1 0 0,-1-1-1 0 0,1 1 0 0 0,-1-1 1 0 0,1 1-1 0 0,-1 0 0 0 0,1 0 1 0 0,-1 0-1 0 0,1 0 0 0 0,0 0 1 0 0,0 1-1 0 0,0-1 0 0 0,0 1 0 0 0,0 0 1 0 0,-3 2-1 0 0,-5 7-120 0 0,0 1 0 0 0,1 1 0 0 0,0 0-1 0 0,0 0 1 0 0,2 1 0 0 0,0 0 0 0 0,0 0-1 0 0,1 0 1 0 0,1 1 0 0 0,0 0 0 0 0,1 0 0 0 0,-2 20-1 0 0,1 3 28 0 0,2 0 0 0 0,2 0 0 0 0,6 73 0 0 0,-4-102-154 0 0,0-1 0 0 0,1 0-1 0 0,-1 0 1 0 0,2 0-1 0 0,-1-1 1 0 0,1 1 0 0 0,0 0-1 0 0,0-1 1 0 0,1 0-1 0 0,5 8 1 0 0,-7-13-75 0 0,0 1 0 0 0,0-1-1 0 0,0 0 1 0 0,0 0 0 0 0,0 0 0 0 0,1 0 0 0 0,-1 0 0 0 0,1 0 0 0 0,-1-1-1 0 0,1 1 1 0 0,0-1 0 0 0,-1 0 0 0 0,1 0 0 0 0,0 0 0 0 0,0 0 0 0 0,0 0-1 0 0,0 0 1 0 0,0-1 0 0 0,0 0 0 0 0,0 1 0 0 0,0-1 0 0 0,0 0-1 0 0,0-1 1 0 0,0 1 0 0 0,0 0 0 0 0,0-1 0 0 0,0 0 0 0 0,0 1 0 0 0,0-1-1 0 0,3-2 1 0 0,-1 1 58 0 0,0-1-1 0 0,0 0 0 0 0,0 0 0 0 0,0-1 1 0 0,0 1-1 0 0,-1-1 0 0 0,1 0 0 0 0,-1 0 0 0 0,0 0 1 0 0,0-1-1 0 0,5-9 0 0 0,-6 11-35 0 0,-1-1-1 0 0,1 0 1 0 0,-1 0 0 0 0,0 0-1 0 0,-1 0 1 0 0,1-1-1 0 0,-1 1 1 0 0,0 0-1 0 0,0-1 1 0 0,0 1 0 0 0,0-1-1 0 0,-1 1 1 0 0,0-1-1 0 0,0 1 1 0 0,0-1 0 0 0,-1-4-1 0 0,0 7-43 0 0,1 0 1 0 0,-1 0-1 0 0,1 0 0 0 0,-1 0 0 0 0,0 0 1 0 0,0 0-1 0 0,0 1 0 0 0,0-1 0 0 0,-1 0 1 0 0,1 1-1 0 0,0-1 0 0 0,-1 1 0 0 0,1-1 1 0 0,-1 1-1 0 0,1-1 0 0 0,-1 1 0 0 0,-3-2 1 0 0,2 1 0 0 0,0 1 1 0 0,0 0 0 0 0,-1 0 0 0 0,1 0 0 0 0,-1 0-1 0 0,1 0 1 0 0,-1 1 0 0 0,1 0 0 0 0,-7 0 0 0 0,1 0-5 0 0,0 1 0 0 0,0 1 0 0 0,0-1 0 0 0,0 2 1 0 0,0-1-1 0 0,0 1 0 0 0,-11 6 0 0 0,-38 26-673 0 0,30-16-2257 0 0,21-14 1706 0 0</inkml:trace>
+</inkml:ink>
+</file>
+
+<file path=ppt/ink/ink13.xml><?xml version="1.0" encoding="utf-8"?>
+<inkml:ink xmlns:inkml="http://www.w3.org/2003/InkML">
+  <inkml:definitions>
+    <inkml:context xml:id="ctx0">
+      <inkml:inkSource xml:id="inkSrc0">
+        <inkml:traceFormat>
+          <inkml:channel name="X" type="integer" min="-2.14748E9" max="2.14748E9" units="cm"/>
+          <inkml:channel name="Y" type="integer" min="-2.14748E9" max="2.14748E9" units="cm"/>
+          <inkml:channel name="F" type="integer" max="32767" units="dev"/>
+          <inkml:channel name="OA" type="integer" max="360" units="deg"/>
+          <inkml:channel name="OE" type="integer" max="90" units="deg"/>
+        </inkml:traceFormat>
+        <inkml:channelProperties>
+          <inkml:channelProperty channel="X" name="resolution" value="1000" units="1/cm"/>
+          <inkml:channelProperty channel="Y" name="resolution" value="1000" units="1/cm"/>
+          <inkml:channelProperty channel="F" name="resolution" value="0" units="1/dev"/>
+          <inkml:channelProperty channel="OA" name="resolution" value="1000" units="1/deg"/>
+          <inkml:channelProperty channel="OE" name="resolution" value="1000" units="1/deg"/>
+        </inkml:channelProperties>
+      </inkml:inkSource>
+      <inkml:timestamp xml:id="ts0" timeString="2021-01-22T20:00:48.717"/>
+    </inkml:context>
+    <inkml:brush xml:id="br0">
+      <inkml:brushProperty name="width" value="0.05" units="cm"/>
+      <inkml:brushProperty name="height" value="0.05" units="cm"/>
+      <inkml:brushProperty name="color" value="#004F8B"/>
+    </inkml:brush>
+  </inkml:definitions>
+  <inkml:trace contextRef="#ctx0" brushRef="#br0">1 58 7368 0 0,'5'-18'738'0'0,"-1"2"866"0"0,10-8 10142 0 0,-14 24-11645 0 0,4 8 1003 0 0,3 13-1151 0 0,-4 42 576 0 0,-9 116 0 0 0,1-89-114 0 0,4-72-281 0 0,0 37 235 0 0,1-50-300 0 0,1 1 1 0 0,-1 0-1 0 0,1 0 1 0 0,1-1-1 0 0,-1 1 1 0 0,4 10 0 0 0,-4-15-56 0 0,-1 0 0 0 0,1 0 0 0 0,-1 0 0 0 0,1 0 0 0 0,0-1 0 0 0,-1 1 0 0 0,1 0 0 0 0,0 0 0 0 0,0 0 0 0 0,-1 0 0 0 0,1-1 0 0 0,0 1 0 0 0,0 0-1 0 0,0-1 1 0 0,0 1 0 0 0,0-1 0 0 0,0 1 0 0 0,0-1 0 0 0,0 0 0 0 0,0 1 0 0 0,0-1 0 0 0,0 0 0 0 0,0 1 0 0 0,0-1 0 0 0,0 0 0 0 0,1 0 0 0 0,-1 0 0 0 0,0 0 0 0 0,0 0 0 0 0,0 0 0 0 0,0-1 0 0 0,0 1 0 0 0,0 0 0 0 0,0-1 0 0 0,0 1 0 0 0,0 0 0 0 0,2-2 0 0 0,4-1 103 0 0,0-1 0 0 0,0 0-1 0 0,0-1 1 0 0,7-6 0 0 0,-1 1 106 0 0,6-3 47 0 0,-5 3 8 0 0,1 1-1 0 0,18-10 0 0 0,-28 17-237 0 0,-1 0 0 0 0,1 1 0 0 0,0-1 1 0 0,0 1-1 0 0,0 0 0 0 0,-1 0 0 0 0,1 0 0 0 0,0 1 0 0 0,0-1 0 0 0,0 1 0 0 0,0 0 0 0 0,6 2 0 0 0,-8-2-58 0 0,-1 1 1 0 0,1 0 0 0 0,-1 0-1 0 0,1 0 1 0 0,-1 1 0 0 0,0-1-1 0 0,0 0 1 0 0,0 1 0 0 0,1 0-1 0 0,-2-1 1 0 0,1 1 0 0 0,0 0-1 0 0,0 0 1 0 0,0 0 0 0 0,-1 0-1 0 0,1 0 1 0 0,-1 1 0 0 0,0-1-1 0 0,0 0 1 0 0,0 1-1 0 0,2 4 1 0 0,0 4 46 0 0,1 0 0 0 0,-2 1 0 0 0,3 16 0 0 0,-3 4 232 0 0,-2-24-653 0 0,0 1 1 0 0,1-1 0 0 0,0 0-1 0 0,1 0 1 0 0,3 13 0 0 0,-5-20 294 0 0,0-1 0 0 0,0 0 0 0 0,1 1 1 0 0,-1-1-1 0 0,0 0 0 0 0,0 0 1 0 0,0 1-1 0 0,1-1 0 0 0,-1 0 1 0 0,0 1-1 0 0,0-1 0 0 0,1 0 0 0 0,-1 0 1 0 0,0 0-1 0 0,0 1 0 0 0,1-1 1 0 0,-1 0-1 0 0,0 0 0 0 0,1 0 0 0 0,-1 0 1 0 0,0 1-1 0 0,1-1 0 0 0,-1 0 1 0 0,0 0-1 0 0,1 0 0 0 0,-1 0 1 0 0,0 0-1 0 0,1 0 0 0 0,-1 0 0 0 0,1 0 1 0 0,-1 0-1 0 0,0 0 0 0 0,1 0 1 0 0,-1 0-1 0 0,0 0 0 0 0,1 0 0 0 0,-1-1 1 0 0,0 1-1 0 0,1 0 0 0 0,-1 0 1 0 0,0 0-1 0 0,0 0 0 0 0,1-1 1 0 0,-1 1-1 0 0,0 0 0 0 0,1 0 0 0 0,-1-1 1 0 0,0 1-1 0 0</inkml:trace>
+</inkml:ink>
+</file>
+
+<file path=ppt/ink/ink14.xml><?xml version="1.0" encoding="utf-8"?>
+<inkml:ink xmlns:inkml="http://www.w3.org/2003/InkML">
+  <inkml:definitions>
+    <inkml:context xml:id="ctx0">
+      <inkml:inkSource xml:id="inkSrc0">
+        <inkml:traceFormat>
+          <inkml:channel name="X" type="integer" min="-2.14748E9" max="2.14748E9" units="cm"/>
+          <inkml:channel name="Y" type="integer" min="-2.14748E9" max="2.14748E9" units="cm"/>
+          <inkml:channel name="F" type="integer" max="32767" units="dev"/>
+          <inkml:channel name="OA" type="integer" max="360" units="deg"/>
+          <inkml:channel name="OE" type="integer" max="90" units="deg"/>
+        </inkml:traceFormat>
+        <inkml:channelProperties>
+          <inkml:channelProperty channel="X" name="resolution" value="1000" units="1/cm"/>
+          <inkml:channelProperty channel="Y" name="resolution" value="1000" units="1/cm"/>
+          <inkml:channelProperty channel="F" name="resolution" value="0" units="1/dev"/>
+          <inkml:channelProperty channel="OA" name="resolution" value="1000" units="1/deg"/>
+          <inkml:channelProperty channel="OE" name="resolution" value="1000" units="1/deg"/>
+        </inkml:channelProperties>
+      </inkml:inkSource>
+      <inkml:timestamp xml:id="ts0" timeString="2021-01-22T20:00:49.102"/>
+    </inkml:context>
+    <inkml:brush xml:id="br0">
+      <inkml:brushProperty name="width" value="0.05" units="cm"/>
+      <inkml:brushProperty name="height" value="0.05" units="cm"/>
+      <inkml:brushProperty name="color" value="#004F8B"/>
+    </inkml:brush>
+  </inkml:definitions>
+  <inkml:trace contextRef="#ctx0" brushRef="#br0">165 13 14744 0 0,'-11'-12'1599'0'0,"8"12"-1401"0"0,1 0 0 0 0,-1 0 0 0 0,1 0 0 0 0,-1 0-1 0 0,1 0 1 0 0,-1 1 0 0 0,1-1 0 0 0,-1 1 0 0 0,1 0-1 0 0,0-1 1 0 0,-1 1 0 0 0,1 0 0 0 0,0 1-1 0 0,-1-1 1 0 0,1 0 0 0 0,0 1 0 0 0,0-1 0 0 0,0 1-1 0 0,-2 1 1 0 0,-5 6 466 0 0,0-1-1 0 0,-11 16 1 0 0,9-9-201 0 0,1 1-1 0 0,1 0 1 0 0,0 0 0 0 0,2 1-1 0 0,-11 30 1 0 0,17-46-436 0 0,1 1 0 0 0,0-1 0 0 0,-1 0 0 0 0,1 1 0 0 0,0-1 0 0 0,-1 1 0 0 0,1-1 0 0 0,0 0 0 0 0,0 1 0 0 0,0-1 0 0 0,0 1 0 0 0,1-1 0 0 0,-1 1 0 0 0,0-1 0 0 0,1 0 0 0 0,-1 2 0 0 0,1-3-22 0 0,-1 1 0 0 0,0-1 0 0 0,0 1 1 0 0,0-1-1 0 0,0 0 0 0 0,0 0 0 0 0,0 1 1 0 0,0-1-1 0 0,1 0 0 0 0,-1 1 0 0 0,0-1 1 0 0,0 0-1 0 0,1 1 0 0 0,-1-1 0 0 0,0 0 1 0 0,0 0-1 0 0,1 0 0 0 0,-1 1 0 0 0,0-1 1 0 0,0 0-1 0 0,1 0 0 0 0,-1 0 0 0 0,0 0 1 0 0,1 1-1 0 0,-1-1 0 0 0,0 0 0 0 0,1 0 0 0 0,-1 0 1 0 0,0 0-1 0 0,1 0 0 0 0,-1 0 0 0 0,0 0 1 0 0,1 0-1 0 0,-1 0 0 0 0,0 0 0 0 0,1 0 1 0 0,-1 0-1 0 0,0 0 0 0 0,1 0 0 0 0,-1 0 1 0 0,0 0-1 0 0,1-1 0 0 0,-1 1 0 0 0,0 0 1 0 0,1 0-1 0 0,-1 0 0 0 0,1-1 0 0 0,-1 1 30 0 0,4-2 49 0 0,0 1-1 0 0,0-1 1 0 0,0 0 0 0 0,-1-1-1 0 0,1 1 1 0 0,-1 0-1 0 0,0-1 1 0 0,5-4 0 0 0,22-27-17 0 0,-21 23-168 0 0,14-18-1374 0 0,-13 15-295 0 0,2 1 1 0 0,13-14-1 0 0,-6 9-177 0 0,-4 5-4 0 0</inkml:trace>
+</inkml:ink>
+</file>
+
+<file path=ppt/ink/ink15.xml><?xml version="1.0" encoding="utf-8"?>
+<inkml:ink xmlns:inkml="http://www.w3.org/2003/InkML">
+  <inkml:definitions>
+    <inkml:context xml:id="ctx0">
+      <inkml:inkSource xml:id="inkSrc0">
+        <inkml:traceFormat>
+          <inkml:channel name="X" type="integer" min="-2.14748E9" max="2.14748E9" units="cm"/>
+          <inkml:channel name="Y" type="integer" min="-2.14748E9" max="2.14748E9" units="cm"/>
+          <inkml:channel name="F" type="integer" max="32767" units="dev"/>
+          <inkml:channel name="OA" type="integer" max="360" units="deg"/>
+          <inkml:channel name="OE" type="integer" max="90" units="deg"/>
+        </inkml:traceFormat>
+        <inkml:channelProperties>
+          <inkml:channelProperty channel="X" name="resolution" value="1000" units="1/cm"/>
+          <inkml:channelProperty channel="Y" name="resolution" value="1000" units="1/cm"/>
+          <inkml:channelProperty channel="F" name="resolution" value="0" units="1/dev"/>
+          <inkml:channelProperty channel="OA" name="resolution" value="1000" units="1/deg"/>
+          <inkml:channelProperty channel="OE" name="resolution" value="1000" units="1/deg"/>
+        </inkml:channelProperties>
+      </inkml:inkSource>
+      <inkml:timestamp xml:id="ts0" timeString="2021-01-22T20:00:49.497"/>
+    </inkml:context>
+    <inkml:brush xml:id="br0">
+      <inkml:brushProperty name="width" value="0.05" units="cm"/>
+      <inkml:brushProperty name="height" value="0.05" units="cm"/>
+      <inkml:brushProperty name="color" value="#004F8B"/>
+    </inkml:brush>
+  </inkml:definitions>
+  <inkml:trace contextRef="#ctx0" brushRef="#br0">37 1 12784 0 0,'0'0'6570'0'0,"-6"3"-5237"0"0,4 0-1248 0 0,-1 1 0 0 0,1 0 0 0 0,0 0-1 0 0,0 0 1 0 0,0 0 0 0 0,0 0 0 0 0,1 0-1 0 0,0 0 1 0 0,0 1 0 0 0,-1 5 0 0 0,-2 7 440 0 0,1-6-379 0 0,2 0-1 0 0,0 0 1 0 0,0 1 0 0 0,1-1 0 0 0,0 0 0 0 0,1 0-1 0 0,4 22 1 0 0,-5-31-121 0 0,1 0-1 0 0,-1 0 0 0 0,1 0 1 0 0,-1 0-1 0 0,1 0 1 0 0,0 0-1 0 0,-1-1 0 0 0,1 1 1 0 0,0 0-1 0 0,0-1 1 0 0,0 1-1 0 0,1 0 0 0 0,-1-1 1 0 0,0 1-1 0 0,0-1 0 0 0,1 0 1 0 0,-1 1-1 0 0,1-1 1 0 0,0 0-1 0 0,-1 0 0 0 0,1 0 1 0 0,0 0-1 0 0,-1 0 1 0 0,1 0-1 0 0,0-1 0 0 0,0 1 1 0 0,0-1-1 0 0,0 1 0 0 0,0-1 1 0 0,0 0-1 0 0,-1 1 1 0 0,1-1-1 0 0,0 0 0 0 0,4-1 1 0 0,-2 1 67 0 0,1-1 0 0 0,-1-1-1 0 0,1 1 1 0 0,-1 0 0 0 0,0-1 0 0 0,0 0 0 0 0,0 0 0 0 0,0 0 0 0 0,0-1 0 0 0,-1 1 0 0 0,1-1 0 0 0,0 0-1 0 0,-1 0 1 0 0,4-4 0 0 0,24-35 501 0 0,-22 29-123 0 0,0 1-1 0 0,22-22 1 0 0,-31 33-470 0 0,0 1 1 0 0,1 0 0 0 0,-1 0 0 0 0,0-1 0 0 0,0 1 0 0 0,1 0 0 0 0,-1 0 0 0 0,0 0 0 0 0,1 0 0 0 0,-1-1 0 0 0,0 1 0 0 0,1 0-1 0 0,-1 0 1 0 0,1 0 0 0 0,-1 0 0 0 0,0 0 0 0 0,1 0 0 0 0,-1 0 0 0 0,0 0 0 0 0,1 0 0 0 0,-1 0 0 0 0,0 0 0 0 0,1 0 0 0 0,-1 0-1 0 0,1 0 1 0 0,-1 0 0 0 0,0 1 0 0 0,1-1 0 0 0,-1 0 0 0 0,0 0 0 0 0,1 0 0 0 0,-1 1 0 0 0,0-1 0 0 0,0 0 0 0 0,1 0 0 0 0,-1 0 0 0 0,0 1-1 0 0,0-1 1 0 0,1 0 0 0 0,-1 1 0 0 0,0-1 0 0 0,2 2 4 0 0,0 0 1 0 0,0 0-1 0 0,-1 0 0 0 0,1 0 1 0 0,-1 0-1 0 0,0 0 0 0 0,1 0 1 0 0,-1 1-1 0 0,0-1 0 0 0,0 0 0 0 0,0 1 1 0 0,-1-1-1 0 0,2 4 0 0 0,-1 3-235 0 0,1-1 1 0 0,-1 1-1 0 0,-1 11 0 0 0,13-33-2731 0 0,5-23-1409 0 0,-9 15 2130 0 0</inkml:trace>
+</inkml:ink>
+</file>
+
+<file path=ppt/ink/ink16.xml><?xml version="1.0" encoding="utf-8"?>
+<inkml:ink xmlns:inkml="http://www.w3.org/2003/InkML">
+  <inkml:definitions>
+    <inkml:context xml:id="ctx0">
+      <inkml:inkSource xml:id="inkSrc0">
+        <inkml:traceFormat>
+          <inkml:channel name="X" type="integer" min="-2.14748E9" max="2.14748E9" units="cm"/>
+          <inkml:channel name="Y" type="integer" min="-2.14748E9" max="2.14748E9" units="cm"/>
+          <inkml:channel name="F" type="integer" max="32767" units="dev"/>
+          <inkml:channel name="OA" type="integer" max="360" units="deg"/>
+          <inkml:channel name="OE" type="integer" max="90" units="deg"/>
+        </inkml:traceFormat>
+        <inkml:channelProperties>
+          <inkml:channelProperty channel="X" name="resolution" value="1000" units="1/cm"/>
+          <inkml:channelProperty channel="Y" name="resolution" value="1000" units="1/cm"/>
+          <inkml:channelProperty channel="F" name="resolution" value="0" units="1/dev"/>
+          <inkml:channelProperty channel="OA" name="resolution" value="1000" units="1/deg"/>
+          <inkml:channelProperty channel="OE" name="resolution" value="1000" units="1/deg"/>
+        </inkml:channelProperties>
+      </inkml:inkSource>
+      <inkml:timestamp xml:id="ts0" timeString="2021-01-22T20:00:49.867"/>
+    </inkml:context>
+    <inkml:brush xml:id="br0">
+      <inkml:brushProperty name="width" value="0.05" units="cm"/>
+      <inkml:brushProperty name="height" value="0.05" units="cm"/>
+      <inkml:brushProperty name="color" value="#004F8B"/>
+    </inkml:brush>
+  </inkml:definitions>
+  <inkml:trace contextRef="#ctx0" brushRef="#br0">1 0 17503 0 0,'0'0'1759'0'0,"12"7"-1483"0"0,-6 0 207 0 0,0 0-1 0 0,-1-1 1 0 0,0 2 0 0 0,0-1 0 0 0,-1 1-1 0 0,1-1 1 0 0,-2 1 0 0 0,1 0-1 0 0,2 11 1 0 0,2 7 118 0 0,7 46 0 0 0,-12-50-601 0 0,-3-15 0 0 0,1 1 0 0 0,0-1 0 0 0,1 0 0 0 0,2 8 0 0 0,-1 4 0 0 0,-1-19 471 0 0,2-4-93 0 0,2-7 213 0 0,-2-4-536 0 0,1-1 1 0 0,0 1-1 0 0,1 0 0 0 0,1 1 1 0 0,0 0-1 0 0,1 0 0 0 0,1 0 0 0 0,0 1 1 0 0,0 0-1 0 0,22-21 0 0 0,-30 33-120 0 0,-1 1 0 0 0,1-1 0 0 0,-1 0 1 0 0,1 1-1 0 0,0-1 0 0 0,-1 1 0 0 0,1 0 0 0 0,0-1 0 0 0,-1 1 0 0 0,1-1 0 0 0,0 1 0 0 0,-1 0 0 0 0,1 0 0 0 0,0-1 1 0 0,0 1-1 0 0,0 0 0 0 0,-1 0 0 0 0,1 0 0 0 0,0 0 0 0 0,0 0 0 0 0,-1 0 0 0 0,1 0 0 0 0,0 0 0 0 0,0 0 0 0 0,0 0 0 0 0,0 1 1 0 0,2-1-544 0 0</inkml:trace>
+</inkml:ink>
+</file>
+
+<file path=ppt/ink/ink17.xml><?xml version="1.0" encoding="utf-8"?>
+<inkml:ink xmlns:inkml="http://www.w3.org/2003/InkML">
+  <inkml:definitions>
+    <inkml:context xml:id="ctx0">
+      <inkml:inkSource xml:id="inkSrc0">
+        <inkml:traceFormat>
+          <inkml:channel name="X" type="integer" min="-2.14748E9" max="2.14748E9" units="cm"/>
+          <inkml:channel name="Y" type="integer" min="-2.14748E9" max="2.14748E9" units="cm"/>
+          <inkml:channel name="F" type="integer" max="32767" units="dev"/>
+          <inkml:channel name="OA" type="integer" max="360" units="deg"/>
+          <inkml:channel name="OE" type="integer" max="90" units="deg"/>
+        </inkml:traceFormat>
+        <inkml:channelProperties>
+          <inkml:channelProperty channel="X" name="resolution" value="1000" units="1/cm"/>
+          <inkml:channelProperty channel="Y" name="resolution" value="1000" units="1/cm"/>
+          <inkml:channelProperty channel="F" name="resolution" value="0" units="1/dev"/>
+          <inkml:channelProperty channel="OA" name="resolution" value="1000" units="1/deg"/>
+          <inkml:channelProperty channel="OE" name="resolution" value="1000" units="1/deg"/>
+        </inkml:channelProperties>
+      </inkml:inkSource>
+      <inkml:timestamp xml:id="ts0" timeString="2021-01-22T20:01:03.542"/>
+    </inkml:context>
+    <inkml:brush xml:id="br0">
+      <inkml:brushProperty name="width" value="0.05" units="cm"/>
+      <inkml:brushProperty name="height" value="0.05" units="cm"/>
+      <inkml:brushProperty name="color" value="#004F8B"/>
+    </inkml:brush>
+  </inkml:definitions>
+  <inkml:trace contextRef="#ctx0" brushRef="#br0">2 6 10336 0 0,'0'0'1245'0'0,"-2"-5"-560"0"0,20 11-204 0 0,-7-2 102 0 0,1 0 0 0 0,-1-1 0 0 0,1 0 0 0 0,14 1 0 0 0,162 4 1316 0 0,53 18-1532 0 0,-62-5-352 0 0,80-10-95 0 0,141-23 1213 0 0,0 1 44 0 0,-382 11-1133 0 0,269 3 327 0 0,-1 19-81 0 0,-105-5 575 0 0,-83-9-194 0 0,-32-1-267 0 0,-64-7-399 0 0</inkml:trace>
+</inkml:ink>
+</file>
+
+<file path=ppt/ink/ink18.xml><?xml version="1.0" encoding="utf-8"?>
+<inkml:ink xmlns:inkml="http://www.w3.org/2003/InkML">
+  <inkml:definitions>
+    <inkml:context xml:id="ctx0">
+      <inkml:inkSource xml:id="inkSrc0">
+        <inkml:traceFormat>
+          <inkml:channel name="X" type="integer" min="-2.14748E9" max="2.14748E9" units="cm"/>
+          <inkml:channel name="Y" type="integer" min="-2.14748E9" max="2.14748E9" units="cm"/>
+          <inkml:channel name="F" type="integer" max="32767" units="dev"/>
+          <inkml:channel name="OA" type="integer" max="360" units="deg"/>
+          <inkml:channel name="OE" type="integer" max="90" units="deg"/>
+        </inkml:traceFormat>
+        <inkml:channelProperties>
+          <inkml:channelProperty channel="X" name="resolution" value="1000" units="1/cm"/>
+          <inkml:channelProperty channel="Y" name="resolution" value="1000" units="1/cm"/>
+          <inkml:channelProperty channel="F" name="resolution" value="0" units="1/dev"/>
+          <inkml:channelProperty channel="OA" name="resolution" value="1000" units="1/deg"/>
+          <inkml:channelProperty channel="OE" name="resolution" value="1000" units="1/deg"/>
+        </inkml:channelProperties>
+      </inkml:inkSource>
+      <inkml:timestamp xml:id="ts0" timeString="2021-01-22T20:01:08.459"/>
+    </inkml:context>
+    <inkml:brush xml:id="br0">
+      <inkml:brushProperty name="width" value="0.05" units="cm"/>
+      <inkml:brushProperty name="height" value="0.05" units="cm"/>
+      <inkml:brushProperty name="color" value="#004F8B"/>
+    </inkml:brush>
+  </inkml:definitions>
+  <inkml:trace contextRef="#ctx0" brushRef="#br0">22 10 13104 0 0,'-13'-6'731'0'0,"5"3"5403"0"0,15 9-3009 0 0,-3-2-3018 0 0,0-1 0 0 0,0 2 0 0 0,0-1 0 0 0,0 0 0 0 0,-1 1 1 0 0,0-1-1 0 0,0 1 0 0 0,4 8 0 0 0,-2-1-4 0 0,0-1 0 0 0,5 23 0 0 0,8 60 171 0 0,11 163-1 0 0,-2-6 244 0 0,-22-233-406 0 0,-4-15-32 0 0,0 0 0 0 0,0 0 1 0 0,0 1-1 0 0,0-1 0 0 0,-1 0 0 0 0,1 0 0 0 0,-1 4 0 0 0,4-7 5 0 0,0-1-1 0 0,0-1 0 0 0,-1 1 0 0 0,1 0 1 0 0,0-1-1 0 0,-1 0 0 0 0,1 0 1 0 0,-1 0-1 0 0,1 0 0 0 0,-1-1 1 0 0,0 1-1 0 0,0-1 0 0 0,3-3 1 0 0,6-4 52 0 0,2-1-95 0 0,1 1 1 0 0,0 1-1 0 0,0 0 1 0 0,0 1-1 0 0,1 0 0 0 0,1 2 1 0 0,-1 0-1 0 0,1 0 1 0 0,0 2-1 0 0,0 0 1 0 0,29-2-1 0 0,-28 6-17 0 0,33 4 0 0 0,-18-1-8 0 0,14 9 60 0 0,-46-12 215 0 0,-21-12 35 0 0,-10-5-215 0 0,-33-14 0 0 0,-9-4 7 0 0,54 23 305 0 0,18 11-418 0 0,0 1-1 0 0,0 0 1 0 0,0 0 0 0 0,0 0 0 0 0,0 0 0 0 0,0 0 0 0 0,0 0 0 0 0,0 0 0 0 0,0 0-1 0 0,0 0 1 0 0,0 0 0 0 0,0 0 0 0 0,0-1 0 0 0,0 1 0 0 0,0 0 0 0 0,0 0-1 0 0,0 0 1 0 0,0 0 0 0 0,0 0 0 0 0,0 0 0 0 0,0 0 0 0 0,0 0 0 0 0,0 0-1 0 0,0-1 1 0 0,0 1 0 0 0,0 0 0 0 0,0 0 0 0 0,0 0 0 0 0,0 0 0 0 0,0 0 0 0 0,0 0-1 0 0,0 0 1 0 0,0 0 0 0 0,0 0 0 0 0,0 0 0 0 0,0 0 0 0 0,0-1 0 0 0,0 1-1 0 0,1 0 1 0 0,-1 0 0 0 0,0 0 0 0 0,0 0 0 0 0,0 0 0 0 0,0 0 0 0 0,0 0 0 0 0,0 0-1 0 0,0 0 1 0 0,11-1 1 0 0,42 3 233 0 0,87 15 0 0 0,-134-16-218 0 0,-1 0 0 0 0,0 1-1 0 0,0-1 1 0 0,0 1-1 0 0,0 0 1 0 0,0 0 0 0 0,6 3-1 0 0,-10-4-13 0 0,0 0-1 0 0,0 0 1 0 0,0 0 0 0 0,1 0-1 0 0,-1 0 1 0 0,0 0-1 0 0,0 0 1 0 0,0 0-1 0 0,0 0 1 0 0,-1 0-1 0 0,1 1 1 0 0,0-1-1 0 0,0 0 1 0 0,-1 1-1 0 0,1-1 1 0 0,-1 0 0 0 0,1 1-1 0 0,-1-1 1 0 0,0 1-1 0 0,1-1 1 0 0,-1 1-1 0 0,0-1 1 0 0,0 1-1 0 0,0-1 1 0 0,0 1-1 0 0,0-1 1 0 0,-1 1 0 0 0,1 2-1 0 0,-3 4 22 0 0,0 1-1 0 0,-1-1 1 0 0,1 0-1 0 0,-2 0 1 0 0,1 0 0 0 0,-1 0-1 0 0,0-1 1 0 0,-1 0-1 0 0,1 0 1 0 0,-10 9-1 0 0,-9 5 15 0 0,-40 30 0 0 0,52-42-45 0 0,-21 13-702 0 0,0-1-1 0 0,-42 20 1 0 0,57-36-4055 0 0,12-4 823 0 0</inkml:trace>
+</inkml:ink>
+</file>
+
+<file path=ppt/ink/ink19.xml><?xml version="1.0" encoding="utf-8"?>
+<inkml:ink xmlns:inkml="http://www.w3.org/2003/InkML">
+  <inkml:definitions>
+    <inkml:context xml:id="ctx0">
+      <inkml:inkSource xml:id="inkSrc0">
+        <inkml:traceFormat>
+          <inkml:channel name="X" type="integer" min="-2.14748E9" max="2.14748E9" units="cm"/>
+          <inkml:channel name="Y" type="integer" min="-2.14748E9" max="2.14748E9" units="cm"/>
+          <inkml:channel name="F" type="integer" max="32767" units="dev"/>
+          <inkml:channel name="OA" type="integer" max="360" units="deg"/>
+          <inkml:channel name="OE" type="integer" max="90" units="deg"/>
+        </inkml:traceFormat>
+        <inkml:channelProperties>
+          <inkml:channelProperty channel="X" name="resolution" value="1000" units="1/cm"/>
+          <inkml:channelProperty channel="Y" name="resolution" value="1000" units="1/cm"/>
+          <inkml:channelProperty channel="F" name="resolution" value="0" units="1/dev"/>
+          <inkml:channelProperty channel="OA" name="resolution" value="1000" units="1/deg"/>
+          <inkml:channelProperty channel="OE" name="resolution" value="1000" units="1/deg"/>
+        </inkml:channelProperties>
+      </inkml:inkSource>
+      <inkml:timestamp xml:id="ts0" timeString="2021-01-22T20:01:13.165"/>
+    </inkml:context>
+    <inkml:brush xml:id="br0">
+      <inkml:brushProperty name="width" value="0.05" units="cm"/>
+      <inkml:brushProperty name="height" value="0.05" units="cm"/>
+      <inkml:brushProperty name="color" value="#004F8B"/>
+    </inkml:brush>
+  </inkml:definitions>
+  <inkml:trace contextRef="#ctx0" brushRef="#br0">204 1 7368 0 0,'-7'2'-182'0'0,"-2"0"882"0"0,0 1 1 0 0,0 0-1 0 0,-10 5 0 0 0,15-6 323 0 0,1 0 0 0 0,-1 0-1 0 0,1 1 1 0 0,0 0 0 0 0,0-1-1 0 0,0 1 1 0 0,0 0 0 0 0,1 0-1 0 0,-1 0 1 0 0,-3 6 0 0 0,0 3-305 0 0,0-1 0 0 0,1 1 0 0 0,0 0 0 0 0,-5 21 0 0 0,-8 54-173 0 0,13-55-308 0 0,-32 201 1753 0 0,29-192-2284 0 0,2 1-1 0 0,2 0 1 0 0,1 1-1 0 0,3-1 1 0 0,6 58 0 0 0,-3-79-716 0 0</inkml:trace>
+</inkml:ink>
+</file>
+
+<file path=ppt/ink/ink2.xml><?xml version="1.0" encoding="utf-8"?>
+<inkml:ink xmlns:inkml="http://www.w3.org/2003/InkML">
+  <inkml:definitions>
+    <inkml:context xml:id="ctx0">
+      <inkml:inkSource xml:id="inkSrc0">
+        <inkml:traceFormat>
+          <inkml:channel name="X" type="integer" min="-2.14748E9" max="2.14748E9" units="cm"/>
+          <inkml:channel name="Y" type="integer" min="-2.14748E9" max="2.14748E9" units="cm"/>
+          <inkml:channel name="F" type="integer" max="32767" units="dev"/>
+          <inkml:channel name="OA" type="integer" max="360" units="deg"/>
+          <inkml:channel name="OE" type="integer" max="90" units="deg"/>
+        </inkml:traceFormat>
+        <inkml:channelProperties>
+          <inkml:channelProperty channel="X" name="resolution" value="1000" units="1/cm"/>
+          <inkml:channelProperty channel="Y" name="resolution" value="1000" units="1/cm"/>
+          <inkml:channelProperty channel="F" name="resolution" value="0" units="1/dev"/>
+          <inkml:channelProperty channel="OA" name="resolution" value="1000" units="1/deg"/>
+          <inkml:channelProperty channel="OE" name="resolution" value="1000" units="1/deg"/>
+        </inkml:channelProperties>
+      </inkml:inkSource>
+      <inkml:timestamp xml:id="ts0" timeString="2021-01-22T20:00:33.638"/>
+    </inkml:context>
+    <inkml:brush xml:id="br0">
+      <inkml:brushProperty name="width" value="0.05" units="cm"/>
+      <inkml:brushProperty name="height" value="0.05" units="cm"/>
+      <inkml:brushProperty name="color" value="#004F8B"/>
+    </inkml:brush>
+  </inkml:definitions>
+  <inkml:trace contextRef="#ctx0" brushRef="#br0">3 135 9560 0 0,'0'0'1496'0'0,"-3"-10"2034"0"0,6 5-2975 0 0,-2 3-425 0 0,0 1 0 0 0,-1 0-1 0 0,1-1 1 0 0,0 1 0 0 0,0 0 0 0 0,0-1-1 0 0,0 1 1 0 0,1 0 0 0 0,-1 0-1 0 0,0 0 1 0 0,0 0 0 0 0,1 0-1 0 0,-1 0 1 0 0,0 0 0 0 0,1 1-1 0 0,2-2 1 0 0,3-1 103 0 0,0 1-1 0 0,0 0 1 0 0,0 0 0 0 0,0 1-1 0 0,0-1 1 0 0,10 1 0 0 0,48 1 779 0 0,-25 1-590 0 0,267-6 1986 0 0,-186 2-1802 0 0,110-14 582 0 0,-91 4-561 0 0,24 0-71 0 0,216-8 457 0 0,-301 19-861 0 0,-30 0 49 0 0,66 6 0 0 0,79 12 405 0 0,44-18 998 0 0,-86-3-1240 0 0,-125 5-222 0 0,-1-1 0 0 0,0-1 0 0 0,31-7 0 0 0,-45 8-82 0 0,-7-1-48 0 0,-2 1-23 0 0,19-7-4366 0 0</inkml:trace>
+</inkml:ink>
+</file>
+
+<file path=ppt/ink/ink20.xml><?xml version="1.0" encoding="utf-8"?>
+<inkml:ink xmlns:inkml="http://www.w3.org/2003/InkML">
+  <inkml:definitions>
+    <inkml:context xml:id="ctx0">
+      <inkml:inkSource xml:id="inkSrc0">
+        <inkml:traceFormat>
+          <inkml:channel name="X" type="integer" min="-2.14748E9" max="2.14748E9" units="cm"/>
+          <inkml:channel name="Y" type="integer" min="-2.14748E9" max="2.14748E9" units="cm"/>
+          <inkml:channel name="F" type="integer" max="32767" units="dev"/>
+          <inkml:channel name="OA" type="integer" max="360" units="deg"/>
+          <inkml:channel name="OE" type="integer" max="90" units="deg"/>
+        </inkml:traceFormat>
+        <inkml:channelProperties>
+          <inkml:channelProperty channel="X" name="resolution" value="1000" units="1/cm"/>
+          <inkml:channelProperty channel="Y" name="resolution" value="1000" units="1/cm"/>
+          <inkml:channelProperty channel="F" name="resolution" value="0" units="1/dev"/>
+          <inkml:channelProperty channel="OA" name="resolution" value="1000" units="1/deg"/>
+          <inkml:channelProperty channel="OE" name="resolution" value="1000" units="1/deg"/>
+        </inkml:channelProperties>
+      </inkml:inkSource>
+      <inkml:timestamp xml:id="ts0" timeString="2021-01-22T20:01:13.512"/>
+    </inkml:context>
+    <inkml:brush xml:id="br0">
+      <inkml:brushProperty name="width" value="0.05" units="cm"/>
+      <inkml:brushProperty name="height" value="0.05" units="cm"/>
+      <inkml:brushProperty name="color" value="#004F8B"/>
+    </inkml:brush>
+  </inkml:definitions>
+  <inkml:trace contextRef="#ctx0" brushRef="#br0">1 113 23039 0 0,'0'-6'512'0'0,"3"2"96"0"0,-3-1 32 0 0,5 0 0 0 0,3 0-512 0 0,4-3-128 0 0,2 3 0 0 0,3-4 0 0 0,0-2 0 0 0,-1 4 0 0 0,4-1 0 0 0,-2-2 0 0 0,1 5-328 0 0,0-5-88 0 0,1 2-24 0 0,6 1-9359 0 0</inkml:trace>
+</inkml:ink>
+</file>
+
+<file path=ppt/ink/ink21.xml><?xml version="1.0" encoding="utf-8"?>
+<inkml:ink xmlns:inkml="http://www.w3.org/2003/InkML">
+  <inkml:definitions>
+    <inkml:context xml:id="ctx0">
+      <inkml:inkSource xml:id="inkSrc0">
+        <inkml:traceFormat>
+          <inkml:channel name="X" type="integer" min="-2.14748E9" max="2.14748E9" units="cm"/>
+          <inkml:channel name="Y" type="integer" min="-2.14748E9" max="2.14748E9" units="cm"/>
+          <inkml:channel name="F" type="integer" max="32767" units="dev"/>
+          <inkml:channel name="OA" type="integer" max="360" units="deg"/>
+          <inkml:channel name="OE" type="integer" max="90" units="deg"/>
+        </inkml:traceFormat>
+        <inkml:channelProperties>
+          <inkml:channelProperty channel="X" name="resolution" value="1000" units="1/cm"/>
+          <inkml:channelProperty channel="Y" name="resolution" value="1000" units="1/cm"/>
+          <inkml:channelProperty channel="F" name="resolution" value="0" units="1/dev"/>
+          <inkml:channelProperty channel="OA" name="resolution" value="1000" units="1/deg"/>
+          <inkml:channelProperty channel="OE" name="resolution" value="1000" units="1/deg"/>
+        </inkml:channelProperties>
+      </inkml:inkSource>
+      <inkml:timestamp xml:id="ts0" timeString="2021-01-22T20:01:13.904"/>
+    </inkml:context>
+    <inkml:brush xml:id="br0">
+      <inkml:brushProperty name="width" value="0.05" units="cm"/>
+      <inkml:brushProperty name="height" value="0.05" units="cm"/>
+      <inkml:brushProperty name="color" value="#004F8B"/>
+    </inkml:brush>
+  </inkml:definitions>
+  <inkml:trace contextRef="#ctx0" brushRef="#br0">338 25 15200 0 0,'-27'0'891'0'0,"1"2"0"0"0,0 1 0 0 0,-1 1 0 0 0,1 1 0 0 0,1 1 0 0 0,-1 1 0 0 0,1 2 0 0 0,-34 15 0 0 0,46-18-525 0 0,5-3-126 0 0,1 1-1 0 0,0-1 0 0 0,-12 10 1 0 0,17-13-186 0 0,1 1-1 0 0,0 0 1 0 0,0 0 0 0 0,0 0 0 0 0,0 0-1 0 0,0 1 1 0 0,0-1 0 0 0,0 0 0 0 0,0 0 0 0 0,0 0-1 0 0,1 1 1 0 0,-1-1 0 0 0,0 1 0 0 0,1-1 0 0 0,-1 0-1 0 0,1 1 1 0 0,-1-1 0 0 0,1 1 0 0 0,0-1 0 0 0,0 1-1 0 0,0-1 1 0 0,0 1 0 0 0,0-1 0 0 0,0 1 0 0 0,0-1-1 0 0,1 3 1 0 0,-1-2 28 0 0,1 0 1 0 0,0 0-1 0 0,1 0 0 0 0,-1 0 0 0 0,0-1 1 0 0,1 1-1 0 0,-1 0 0 0 0,1 0 0 0 0,-1-1 1 0 0,1 1-1 0 0,0-1 0 0 0,-1 0 0 0 0,1 1 1 0 0,0-1-1 0 0,2 1 0 0 0,34 16 208 0 0,-32-16-319 0 0,23 9 115 0 0,1-3-1 0 0,50 9 0 0 0,-49-11 128 0 0,1 1 0 0 0,43 16 0 0 0,-66-19-180 0 0,1 0-1 0 0,-1 1 1 0 0,0 0-1 0 0,0 1 1 0 0,0 0 0 0 0,-1 0-1 0 0,0 1 1 0 0,0 0-1 0 0,0 0 1 0 0,-1 1-1 0 0,10 13 1 0 0,-14-16-18 0 0,-1-1 0 0 0,1 0 0 0 0,-1 1 0 0 0,0-1 0 0 0,0 1 0 0 0,-1 0 0 0 0,1 0 0 0 0,-1 0 0 0 0,0 0 0 0 0,-1 0 0 0 0,1 0 0 0 0,-1 0 0 0 0,0 0 0 0 0,0 0 0 0 0,0 0 0 0 0,-1 0 0 0 0,0 0 0 0 0,0 0 0 0 0,0-1 0 0 0,0 1 0 0 0,-1 0 0 0 0,0 0 0 0 0,0-1 0 0 0,0 1 0 0 0,-5 6 0 0 0,3-5-6 0 0,-1 1 1 0 0,0-1-1 0 0,0 1 0 0 0,-1-2 1 0 0,0 1-1 0 0,0 0 0 0 0,0-1 0 0 0,0 0 1 0 0,-1-1-1 0 0,0 1 0 0 0,0-1 0 0 0,0-1 1 0 0,0 1-1 0 0,-1-1 0 0 0,-9 2 0 0 0,12-3 6 0 0,0-1-1 0 0,0 0 1 0 0,-1-1 0 0 0,1 1-1 0 0,0-1 1 0 0,0 0-1 0 0,0 0 1 0 0,-1-1-1 0 0,-8-1 1 0 0,13 1-7 0 0,-1 1-1 0 0,1-1 1 0 0,-1 0 0 0 0,1 1 0 0 0,-1-1 0 0 0,1 0-1 0 0,-1 0 1 0 0,1 0 0 0 0,0 0 0 0 0,-1 0 0 0 0,1-1-1 0 0,0 1 1 0 0,0 0 0 0 0,0-1 0 0 0,0 1-1 0 0,0 0 1 0 0,0-1 0 0 0,0 1 0 0 0,1-1 0 0 0,-1 0-1 0 0,0 1 1 0 0,1-1 0 0 0,-1 1 0 0 0,1-1 0 0 0,0 0-1 0 0,0 1 1 0 0,-1-1 0 0 0,1 0 0 0 0,0 0 0 0 0,0 1-1 0 0,1-1 1 0 0,-1-3 0 0 0,2-4 16 0 0,0 0-1 0 0,1 1 1 0 0,0-1 0 0 0,0 0 0 0 0,0 1-1 0 0,8-13 1 0 0,2-4 2 0 0,8-18 12 0 0,2 2-1 0 0,38-52 1 0 0,66-70-1619 0 0,-84 110 168 0 0,-15 21-8322 0 0</inkml:trace>
+</inkml:ink>
+</file>
+
+<file path=ppt/ink/ink22.xml><?xml version="1.0" encoding="utf-8"?>
+<inkml:ink xmlns:inkml="http://www.w3.org/2003/InkML">
+  <inkml:definitions>
+    <inkml:context xml:id="ctx0">
+      <inkml:inkSource xml:id="inkSrc0">
+        <inkml:traceFormat>
+          <inkml:channel name="X" type="integer" min="-2.14748E9" max="2.14748E9" units="cm"/>
+          <inkml:channel name="Y" type="integer" min="-2.14748E9" max="2.14748E9" units="cm"/>
+          <inkml:channel name="F" type="integer" max="32767" units="dev"/>
+          <inkml:channel name="OA" type="integer" max="360" units="deg"/>
+          <inkml:channel name="OE" type="integer" max="90" units="deg"/>
+        </inkml:traceFormat>
+        <inkml:channelProperties>
+          <inkml:channelProperty channel="X" name="resolution" value="1000" units="1/cm"/>
+          <inkml:channelProperty channel="Y" name="resolution" value="1000" units="1/cm"/>
+          <inkml:channelProperty channel="F" name="resolution" value="0" units="1/dev"/>
+          <inkml:channelProperty channel="OA" name="resolution" value="1000" units="1/deg"/>
+          <inkml:channelProperty channel="OE" name="resolution" value="1000" units="1/deg"/>
+        </inkml:channelProperties>
+      </inkml:inkSource>
+      <inkml:timestamp xml:id="ts0" timeString="2021-01-22T20:01:21.505"/>
+    </inkml:context>
+    <inkml:brush xml:id="br0">
+      <inkml:brushProperty name="width" value="0.05" units="cm"/>
+      <inkml:brushProperty name="height" value="0.05" units="cm"/>
+      <inkml:brushProperty name="color" value="#004F8B"/>
+    </inkml:brush>
+  </inkml:definitions>
+  <inkml:trace contextRef="#ctx0" brushRef="#br0">0 122 10624 0 0,'3'-14'488'0'0,"-3"11"322"0"0,7 1 2441 0 0,-7 2-3055 0 0,1-1 1 0 0,-1 1-1 0 0,1 0 1 0 0,0-1-1 0 0,-1 1 1 0 0,1 0-1 0 0,-1 0 1 0 0,1 0-1 0 0,-1 0 1 0 0,1-1-1 0 0,-1 1 1 0 0,1 0-1 0 0,0 0 1 0 0,-1 0-1 0 0,1 0 1 0 0,-1 0-1 0 0,1 0 0 0 0,0 0 1 0 0,-1 1-1 0 0,1-1 1 0 0,0 0-1 0 0,2 2 24 0 0,-1-1 0 0 0,1 1-1 0 0,-1 0 1 0 0,1 0 0 0 0,-1 0 0 0 0,0 0-1 0 0,0 1 1 0 0,0-1 0 0 0,0 1-1 0 0,0-1 1 0 0,0 1 0 0 0,-1-1-1 0 0,0 1 1 0 0,1 0 0 0 0,-1 0-1 0 0,2 5 1 0 0,1 8 77 0 0,0-1 0 0 0,1 18 1 0 0,-2-15-61 0 0,4 39 135 0 0,-3-1 0 0 0,-5 92 0 0 0,0-52 64 0 0,-8 44 699 0 0,9-139-1006 0 0,0-10 31 0 0,-3-18-67 0 0,2-1 0 0 0,3-47 0 0 0,0 8-12 0 0,-1 25 76 0 0,1-1 0 0 0,15-73-1 0 0,-12 91-73 0 0,2 1-1 0 0,0 0 0 0 0,2 1 1 0 0,0 0-1 0 0,2 0 0 0 0,14-24 1 0 0,-13 29 196 0 0,28-32-1 0 0,-33 42-209 0 0,0 1 0 0 0,0 0 0 0 0,1 1 0 0 0,0-1 0 0 0,0 2 0 0 0,14-8 0 0 0,-19 11-59 0 0,0 1-1 0 0,0 0 1 0 0,0 0 0 0 0,0 0 0 0 0,0 0-1 0 0,1 1 1 0 0,-1-1 0 0 0,0 1 0 0 0,0 0-1 0 0,0 0 1 0 0,1 0 0 0 0,-1 0 0 0 0,0 1 0 0 0,0-1-1 0 0,1 1 1 0 0,-1 0 0 0 0,4 1 0 0 0,-6-1-9 0 0,1 0 1 0 0,0 0 0 0 0,-1 0 0 0 0,1 0 0 0 0,-1 0 0 0 0,0 0 0 0 0,1 0 0 0 0,-1 1-1 0 0,0-1 1 0 0,1 0 0 0 0,-1 1 0 0 0,0-1 0 0 0,0 1 0 0 0,0 0 0 0 0,-1-1-1 0 0,1 1 1 0 0,0 0 0 0 0,0-1 0 0 0,-1 1 0 0 0,1 0 0 0 0,-1 0 0 0 0,0-1-1 0 0,0 1 1 0 0,1 0 0 0 0,-1 0 0 0 0,0 0 0 0 0,0 0 0 0 0,-1-1 0 0 0,1 1 0 0 0,0 0-1 0 0,-1 0 1 0 0,0 1 0 0 0,-2 9 17 0 0,-1 0 1 0 0,0 0-1 0 0,-1-1 0 0 0,0 0 1 0 0,-1 0-1 0 0,-11 16 0 0 0,-3-1 40 0 0,-28 31-1 0 0,-41 31-840 0 0,71-73 476 0 0,-1 0 0 0 0,0-1 0 0 0,-26 14-1 0 0,43-27-213 0 0,-1 1 462 0 0</inkml:trace>
+</inkml:ink>
+</file>
+
+<file path=ppt/ink/ink23.xml><?xml version="1.0" encoding="utf-8"?>
+<inkml:ink xmlns:inkml="http://www.w3.org/2003/InkML">
+  <inkml:definitions>
+    <inkml:context xml:id="ctx0">
+      <inkml:inkSource xml:id="inkSrc0">
+        <inkml:traceFormat>
+          <inkml:channel name="X" type="integer" min="-2.14748E9" max="2.14748E9" units="cm"/>
+          <inkml:channel name="Y" type="integer" min="-2.14748E9" max="2.14748E9" units="cm"/>
+          <inkml:channel name="F" type="integer" max="32767" units="dev"/>
+          <inkml:channel name="OA" type="integer" max="360" units="deg"/>
+          <inkml:channel name="OE" type="integer" max="90" units="deg"/>
+        </inkml:traceFormat>
+        <inkml:channelProperties>
+          <inkml:channelProperty channel="X" name="resolution" value="1000" units="1/cm"/>
+          <inkml:channelProperty channel="Y" name="resolution" value="1000" units="1/cm"/>
+          <inkml:channelProperty channel="F" name="resolution" value="0" units="1/dev"/>
+          <inkml:channelProperty channel="OA" name="resolution" value="1000" units="1/deg"/>
+          <inkml:channelProperty channel="OE" name="resolution" value="1000" units="1/deg"/>
+        </inkml:channelProperties>
+      </inkml:inkSource>
+      <inkml:timestamp xml:id="ts0" timeString="2021-01-22T20:01:21.852"/>
+    </inkml:context>
+    <inkml:brush xml:id="br0">
+      <inkml:brushProperty name="width" value="0.05" units="cm"/>
+      <inkml:brushProperty name="height" value="0.05" units="cm"/>
+      <inkml:brushProperty name="color" value="#004F8B"/>
+    </inkml:brush>
+  </inkml:definitions>
+  <inkml:trace contextRef="#ctx0" brushRef="#br0">6 574 7368 0 0,'-5'11'15682'0'0,"6"-21"-12870"0"0,3-15-3241 0 0,18-78 2018 0 0,40-157-884 0 0,-46 196-536 0 0,-10 38 487 0 0,17-47 0 0 0,-23 72-639 0 0,1-1-1 0 0,-1 1 0 0 0,1 0 1 0 0,0-1-1 0 0,-1 1 0 0 0,1 0 0 0 0,0 0 1 0 0,0 0-1 0 0,0-1 0 0 0,-1 1 1 0 0,1 0-1 0 0,0 0 0 0 0,1 0 1 0 0,-1 0-1 0 0,0 1 0 0 0,0-1 0 0 0,0 0 1 0 0,1 0-1 0 0,-1 1 0 0 0,0-1 1 0 0,0 1-1 0 0,1-1 0 0 0,-1 1 0 0 0,3-1 1 0 0,-2 1-19 0 0,0 0 1 0 0,-1 1 0 0 0,1-1 0 0 0,0 1-1 0 0,0-1 1 0 0,0 1 0 0 0,-1 0-1 0 0,1-1 1 0 0,0 1 0 0 0,-1 0-1 0 0,1 0 1 0 0,-1 0 0 0 0,1 0 0 0 0,-1 0-1 0 0,1 1 1 0 0,-1-1 0 0 0,0 0-1 0 0,2 3 1 0 0,3 4 5 0 0,0 1 0 0 0,0-1 0 0 0,-1 1 0 0 0,0 0 0 0 0,5 15 0 0 0,14 53 31 0 0,-15-45-30 0 0,8 29-83 0 0,-4 1 1 0 0,-2 0-1 0 0,4 79 0 0 0,-15-132-67 0 0,1 5-504 0 0,0 0 0 0 0,-1 1 0 0 0,0-1 0 0 0,-5 28 0 0 0,-1-30-1488 0 0,-2-2-3935 0 0</inkml:trace>
+</inkml:ink>
+</file>
+
+<file path=ppt/ink/ink24.xml><?xml version="1.0" encoding="utf-8"?>
+<inkml:ink xmlns:inkml="http://www.w3.org/2003/InkML">
+  <inkml:definitions>
+    <inkml:context xml:id="ctx0">
+      <inkml:inkSource xml:id="inkSrc0">
+        <inkml:traceFormat>
+          <inkml:channel name="X" type="integer" min="-2.14748E9" max="2.14748E9" units="cm"/>
+          <inkml:channel name="Y" type="integer" min="-2.14748E9" max="2.14748E9" units="cm"/>
+          <inkml:channel name="F" type="integer" max="32767" units="dev"/>
+          <inkml:channel name="OA" type="integer" max="360" units="deg"/>
+          <inkml:channel name="OE" type="integer" max="90" units="deg"/>
+        </inkml:traceFormat>
+        <inkml:channelProperties>
+          <inkml:channelProperty channel="X" name="resolution" value="1000" units="1/cm"/>
+          <inkml:channelProperty channel="Y" name="resolution" value="1000" units="1/cm"/>
+          <inkml:channelProperty channel="F" name="resolution" value="0" units="1/dev"/>
+          <inkml:channelProperty channel="OA" name="resolution" value="1000" units="1/deg"/>
+          <inkml:channelProperty channel="OE" name="resolution" value="1000" units="1/deg"/>
+        </inkml:channelProperties>
+      </inkml:inkSource>
+      <inkml:timestamp xml:id="ts0" timeString="2021-01-22T20:01:22.188"/>
+    </inkml:context>
+    <inkml:brush xml:id="br0">
+      <inkml:brushProperty name="width" value="0.05" units="cm"/>
+      <inkml:brushProperty name="height" value="0.05" units="cm"/>
+      <inkml:brushProperty name="color" value="#004F8B"/>
+    </inkml:brush>
+  </inkml:definitions>
+  <inkml:trace contextRef="#ctx0" brushRef="#br0">4 89 21887 0 0,'0'0'498'0'0,"-4"-5"1384"0"0,12 5-1303 0 0,1-2 0 0 0,15-3-1 0 0,6-1 465 0 0,-27 6-1021 0 0,234-32 168 0 0,-224 29-1044 0 0,22-8 0 0 0,-4-1-5629 0 0,-3 0-1720 0 0</inkml:trace>
+</inkml:ink>
+</file>
+
+<file path=ppt/ink/ink25.xml><?xml version="1.0" encoding="utf-8"?>
+<inkml:ink xmlns:inkml="http://www.w3.org/2003/InkML">
+  <inkml:definitions>
+    <inkml:context xml:id="ctx0">
+      <inkml:inkSource xml:id="inkSrc0">
+        <inkml:traceFormat>
+          <inkml:channel name="X" type="integer" min="-2.14748E9" max="2.14748E9" units="cm"/>
+          <inkml:channel name="Y" type="integer" min="-2.14748E9" max="2.14748E9" units="cm"/>
+          <inkml:channel name="F" type="integer" max="32767" units="dev"/>
+          <inkml:channel name="OA" type="integer" max="360" units="deg"/>
+          <inkml:channel name="OE" type="integer" max="90" units="deg"/>
+        </inkml:traceFormat>
+        <inkml:channelProperties>
+          <inkml:channelProperty channel="X" name="resolution" value="1000" units="1/cm"/>
+          <inkml:channelProperty channel="Y" name="resolution" value="1000" units="1/cm"/>
+          <inkml:channelProperty channel="F" name="resolution" value="0" units="1/dev"/>
+          <inkml:channelProperty channel="OA" name="resolution" value="1000" units="1/deg"/>
+          <inkml:channelProperty channel="OE" name="resolution" value="1000" units="1/deg"/>
+        </inkml:channelProperties>
+      </inkml:inkSource>
+      <inkml:timestamp xml:id="ts0" timeString="2021-01-22T20:01:22.549"/>
+    </inkml:context>
+    <inkml:brush xml:id="br0">
+      <inkml:brushProperty name="width" value="0.05" units="cm"/>
+      <inkml:brushProperty name="height" value="0.05" units="cm"/>
+      <inkml:brushProperty name="color" value="#004F8B"/>
+    </inkml:brush>
+  </inkml:definitions>
+  <inkml:trace contextRef="#ctx0" brushRef="#br0">6 86 14280 0 0,'-2'-2'229'0'0,"-2"-6"839"0"0,5 7-843 0 0,0 0 0 0 0,-1 0 0 0 0,1 0 0 0 0,0 0 1 0 0,0 1-1 0 0,0-1 0 0 0,0 0 0 0 0,0 0 0 0 0,0 1 0 0 0,0-1 1 0 0,0 1-1 0 0,0-1 0 0 0,0 1 0 0 0,0-1 0 0 0,0 1 0 0 0,2-1 0 0 0,-1 0 573 0 0,59-25 5611 0 0,-31 17-5782 0 0,0 0 1 0 0,1 2 0 0 0,31-3 0 0 0,-57 9-589 0 0,1 1 1 0 0,-1 0-1 0 0,0 0 1 0 0,0 0-1 0 0,0 0 1 0 0,10 3-1 0 0,-13-2-33 0 0,0-1 0 0 0,-1 1 0 0 0,1-1 0 0 0,0 1 0 0 0,-1 0 0 0 0,1 0 0 0 0,-1-1 0 0 0,0 1 0 0 0,1 0 0 0 0,-1 0 0 0 0,0 1 0 0 0,1-1 0 0 0,-1 0 0 0 0,0 0 0 0 0,0 1 0 0 0,0-1 0 0 0,0 1 0 0 0,0-1 0 0 0,0 0 0 0 0,-1 1 0 0 0,1 0 0 0 0,0-1 0 0 0,-1 1 0 0 0,1-1 0 0 0,-1 3 0 0 0,1 5-10 0 0,0 0 1 0 0,-1 0-1 0 0,0 0 1 0 0,-1 0-1 0 0,0 0 1 0 0,-1 0-1 0 0,1 0 1 0 0,-2 0-1 0 0,-4 13 1 0 0,-2 0-47 0 0,-1 1 1 0 0,-17 26 0 0 0,21-38 35 0 0,0-1 0 0 0,-1 0 0 0 0,0 0 0 0 0,-1 0 0 0 0,-13 12 0 0 0,14-15 2 0 0,7-7 11 0 0,0 0 0 0 0,0 0 0 0 0,0 0 0 0 0,0 0 0 0 0,0 0 0 0 0,0 0 0 0 0,0 0 0 0 0,0 0 0 0 0,0 0 0 0 0,0 1 0 0 0,0-1 0 0 0,0 0 0 0 0,0 0 0 0 0,0 0 0 0 0,0 0 0 0 0,0 0 0 0 0,0 0 0 0 0,0 0 0 0 0,0 0 0 0 0,0 0 0 0 0,0 0 0 0 0,0 0 0 0 0,0 0 0 0 0,1 1-1 0 0,-1-1 1 0 0,0 0 0 0 0,0 0 0 0 0,0 0 0 0 0,0 0 0 0 0,0 0 0 0 0,0 0 0 0 0,0 0 0 0 0,0 0 0 0 0,0 0 0 0 0,0 0 0 0 0,0 0 0 0 0,0 0 0 0 0,0 0 0 0 0,0 0 0 0 0,0 0 0 0 0,1 0 0 0 0,-1 0 0 0 0,0 0 0 0 0,0 0 0 0 0,0 0 0 0 0,0 0 0 0 0,0 0 0 0 0,0 0 0 0 0,0 0 0 0 0,0 0 0 0 0,0 0 0 0 0,0 0 0 0 0,0 0 0 0 0,1 0 0 0 0,7 0-8 0 0,7-2 14 0 0,-8 1 24 0 0,15-3 307 0 0,33-2 1 0 0,-49 5-187 0 0,-1 1 0 0 0,1 0 0 0 0,0 1 0 0 0,0-1 0 0 0,0 1 1 0 0,0 1-1 0 0,0-1 0 0 0,-1 1 0 0 0,1 0 0 0 0,8 4 0 0 0,-12-5-143 0 0,-1 0 1 0 0,1 0-1 0 0,0 0 0 0 0,-1 0 0 0 0,1 1 0 0 0,-1-1 0 0 0,0 0 0 0 0,1 1 0 0 0,-1 0 1 0 0,0-1-1 0 0,0 1 0 0 0,0-1 0 0 0,0 1 0 0 0,0 0 0 0 0,-1 0 0 0 0,1 0 0 0 0,0-1 0 0 0,-1 1 1 0 0,1 0-1 0 0,-1 0 0 0 0,0 0 0 0 0,1 0 0 0 0,-1 0 0 0 0,0 0 0 0 0,0 0 0 0 0,-1 0 0 0 0,1 0 1 0 0,0 0-1 0 0,0 0 0 0 0,-2 2 0 0 0,-1 6 49 0 0,-1 0 0 0 0,0 0 1 0 0,0-1-1 0 0,-9 14 0 0 0,5-9 8 0 0,0-1-25 0 0,0 0 0 0 0,-1-1 0 0 0,0 0 0 0 0,-1-1 0 0 0,-20 18 0 0 0,-62 43-455 0 0,46-38-641 0 0,5-6-1052 0 0,26-16 354 0 0</inkml:trace>
+</inkml:ink>
+</file>
+
+<file path=ppt/ink/ink26.xml><?xml version="1.0" encoding="utf-8"?>
+<inkml:ink xmlns:inkml="http://www.w3.org/2003/InkML">
+  <inkml:definitions>
+    <inkml:context xml:id="ctx0">
+      <inkml:inkSource xml:id="inkSrc0">
+        <inkml:traceFormat>
+          <inkml:channel name="X" type="integer" min="-2.14748E9" max="2.14748E9" units="cm"/>
+          <inkml:channel name="Y" type="integer" min="-2.14748E9" max="2.14748E9" units="cm"/>
+          <inkml:channel name="F" type="integer" max="32767" units="dev"/>
+          <inkml:channel name="OA" type="integer" max="360" units="deg"/>
+          <inkml:channel name="OE" type="integer" max="90" units="deg"/>
+        </inkml:traceFormat>
+        <inkml:channelProperties>
+          <inkml:channelProperty channel="X" name="resolution" value="1000" units="1/cm"/>
+          <inkml:channelProperty channel="Y" name="resolution" value="1000" units="1/cm"/>
+          <inkml:channelProperty channel="F" name="resolution" value="0" units="1/dev"/>
+          <inkml:channelProperty channel="OA" name="resolution" value="1000" units="1/deg"/>
+          <inkml:channelProperty channel="OE" name="resolution" value="1000" units="1/deg"/>
+        </inkml:channelProperties>
+      </inkml:inkSource>
+      <inkml:timestamp xml:id="ts0" timeString="2021-01-22T20:01:18.766"/>
+    </inkml:context>
+    <inkml:brush xml:id="br0">
+      <inkml:brushProperty name="width" value="0.05" units="cm"/>
+      <inkml:brushProperty name="height" value="0.05" units="cm"/>
+      <inkml:brushProperty name="color" value="#004F8B"/>
+    </inkml:brush>
+  </inkml:definitions>
+  <inkml:trace contextRef="#ctx0" brushRef="#br0">54 169 10136 0 0,'0'-21'583'0'0,"-1"12"-304"0"0,0 0 0 0 0,1 0 0 0 0,0 0 0 0 0,1 0 0 0 0,0 0 0 0 0,3-9 0 0 0,-1 5 639 0 0,-2 11-707 0 0,-1 0 0 0 0,1 0-1 0 0,-1 0 1 0 0,1 0 0 0 0,0 0 0 0 0,0 0 0 0 0,0 0 0 0 0,1-2 0 0 0,1 0 225 0 0,1 0 1 0 0,-1 0-1 0 0,1 0 1 0 0,0 1 0 0 0,0 0-1 0 0,1-1 1 0 0,-1 1 0 0 0,1 0-1 0 0,4-2 1 0 0,-8 5-393 0 0,0-1 0 0 0,0 1 0 0 0,-1-1 0 0 0,1 1 0 0 0,0-1 0 0 0,0 1 1 0 0,0-1-1 0 0,-1 1 0 0 0,1 0 0 0 0,0-1 0 0 0,0 1 0 0 0,0 0 0 0 0,0 0 0 0 0,0 0 0 0 0,0 0 0 0 0,0 0 0 0 0,0 0 0 0 0,0 0 0 0 0,0 0 0 0 0,0 0 0 0 0,-1 0 1 0 0,1 1-1 0 0,0-1 0 0 0,0 0 0 0 0,0 0 0 0 0,0 1 0 0 0,0-1 0 0 0,0 1 0 0 0,-1-1 0 0 0,1 1 0 0 0,0-1 0 0 0,0 1 0 0 0,-1 0 0 0 0,1-1 0 0 0,0 1 0 0 0,-1 0 1 0 0,1-1-1 0 0,-1 1 0 0 0,1 0 0 0 0,-1 0 0 0 0,1-1 0 0 0,-1 1 0 0 0,1 0 0 0 0,-1 0 0 0 0,0 0 0 0 0,0 0 0 0 0,1 0 0 0 0,-1 0 0 0 0,0 0 0 0 0,0 1 0 0 0,1 4-8 0 0,0 0-1 0 0,-1 0 1 0 0,0 0-1 0 0,0 0 1 0 0,0 0-1 0 0,-2 8 1 0 0,-9 33 77 0 0,-25 66 0 0 0,5-18-79 0 0,1-5 378 0 0,-7 27 200 0 0,36-114-559 0 0,0 1-1 0 0,0-1 1 0 0,1 1 0 0 0,-1-1-1 0 0,1 1 1 0 0,0 0 0 0 0,0-1 0 0 0,1 7-1 0 0,-1-8-18 0 0,1-1 1 0 0,-1 0-1 0 0,0 0 0 0 0,1 0 0 0 0,-1 0 0 0 0,1 0 0 0 0,0-1 0 0 0,-1 1 0 0 0,1 0 0 0 0,0 0 0 0 0,0 0 0 0 0,-1 0 1 0 0,1-1-1 0 0,0 1 0 0 0,0 0 0 0 0,0-1 0 0 0,0 1 0 0 0,0-1 0 0 0,0 1 0 0 0,0-1 0 0 0,0 1 0 0 0,0-1 0 0 0,0 0 1 0 0,0 1-1 0 0,0-1 0 0 0,0 0 0 0 0,0 0 0 0 0,0 0 0 0 0,0 0 0 0 0,1 0 0 0 0,1 0 0 0 0,19-1 302 0 0,0-2 1 0 0,31-6-1 0 0,11-2 111 0 0,-31 5-365 0 0,-24 4-57 0 0,0 0 0 0 0,16-1-1 0 0,-3 0-72 0 0,-19 2-152 0 0,0 1-1 0 0,0-1 0 0 0,0 1 1 0 0,0 0-1 0 0,5 0 0 0 0,1 0-1021 0 0,0-2-60 0 0</inkml:trace>
+</inkml:ink>
+</file>
+
+<file path=ppt/ink/ink27.xml><?xml version="1.0" encoding="utf-8"?>
+<inkml:ink xmlns:inkml="http://www.w3.org/2003/InkML">
+  <inkml:definitions>
+    <inkml:context xml:id="ctx0">
+      <inkml:inkSource xml:id="inkSrc0">
+        <inkml:traceFormat>
+          <inkml:channel name="X" type="integer" min="-2.14748E9" max="2.14748E9" units="cm"/>
+          <inkml:channel name="Y" type="integer" min="-2.14748E9" max="2.14748E9" units="cm"/>
+          <inkml:channel name="F" type="integer" max="32767" units="dev"/>
+          <inkml:channel name="OA" type="integer" max="360" units="deg"/>
+          <inkml:channel name="OE" type="integer" max="90" units="deg"/>
+        </inkml:traceFormat>
+        <inkml:channelProperties>
+          <inkml:channelProperty channel="X" name="resolution" value="1000" units="1/cm"/>
+          <inkml:channelProperty channel="Y" name="resolution" value="1000" units="1/cm"/>
+          <inkml:channelProperty channel="F" name="resolution" value="0" units="1/dev"/>
+          <inkml:channelProperty channel="OA" name="resolution" value="1000" units="1/deg"/>
+          <inkml:channelProperty channel="OE" name="resolution" value="1000" units="1/deg"/>
+        </inkml:channelProperties>
+      </inkml:inkSource>
+      <inkml:timestamp xml:id="ts0" timeString="2021-01-22T20:01:19.119"/>
+    </inkml:context>
+    <inkml:brush xml:id="br0">
+      <inkml:brushProperty name="width" value="0.05" units="cm"/>
+      <inkml:brushProperty name="height" value="0.05" units="cm"/>
+      <inkml:brushProperty name="color" value="#004F8B"/>
+    </inkml:brush>
+  </inkml:definitions>
+  <inkml:trace contextRef="#ctx0" brushRef="#br0">0 221 13824 0 0,'9'10'1470'0'0,"-5"-9"-1335"0"0,0 0 0 0 0,0-1-1 0 0,-1 1 1 0 0,1-1 0 0 0,0 1 0 0 0,0-1-1 0 0,0 0 1 0 0,0-1 0 0 0,0 1-1 0 0,0-1 1 0 0,5-1 0 0 0,-7 2 101 0 0,13-3 436 0 0,0-1 0 0 0,0 0-1 0 0,0-1 1 0 0,-1 0-1 0 0,16-9 1 0 0,-18 7-519 0 0,0 0 0 0 0,0 0 1 0 0,-1-1-1 0 0,0-1 0 0 0,-1 0 0 0 0,0 0 0 0 0,0-1 0 0 0,-1 0 1 0 0,0 0-1 0 0,8-14 0 0 0,-14 18-101 0 0,0 0 0 0 0,0 0 0 0 0,0 0 1 0 0,0 0-1 0 0,-1 0 0 0 0,0-1 0 0 0,-1 1 0 0 0,1-1 0 0 0,0-10 0 0 0,-2 17-44 0 0,0-1-1 0 0,0 1 0 0 0,0-1 1 0 0,0 1-1 0 0,0-1 0 0 0,0 1 1 0 0,0-1-1 0 0,-1 1 0 0 0,1-1 1 0 0,0 1-1 0 0,0 0 0 0 0,0-1 1 0 0,0 1-1 0 0,-1-1 0 0 0,1 1 1 0 0,0-1-1 0 0,0 1 0 0 0,-1 0 1 0 0,1-1-1 0 0,0 1 0 0 0,-1-1 1 0 0,1 1-1 0 0,0 0 0 0 0,-1-1 1 0 0,1 1-1 0 0,-1 0 0 0 0,0-1 1 0 0,0 1 14 0 0,0 0 1 0 0,0 0-1 0 0,0 0 1 0 0,0 0 0 0 0,0 0-1 0 0,0 0 1 0 0,0 0-1 0 0,0 0 1 0 0,0 0-1 0 0,0 0 1 0 0,0 0 0 0 0,-1 1-1 0 0,-3 1 58 0 0,1-1-1 0 0,-1 1 0 0 0,1 1 1 0 0,-5 2-1 0 0,-5 7 27 0 0,1 0 1 0 0,0 0-1 0 0,1 1 0 0 0,0 1 0 0 0,1 0 0 0 0,1 0 1 0 0,0 1-1 0 0,1 0 0 0 0,0 1 0 0 0,-8 22 0 0 0,-1 13-23 0 0,16-45-83 0 0,0 0-1 0 0,1 0 1 0 0,0 0-1 0 0,1 0 1 0 0,-1 0 0 0 0,1 10-1 0 0,0-15 16 0 0,1 1-1 0 0,-1 0 0 0 0,0-1 1 0 0,1 1-1 0 0,-1 0 1 0 0,1-1-1 0 0,0 1 0 0 0,-1 0 1 0 0,1-1-1 0 0,0 1 0 0 0,0-1 1 0 0,0 1-1 0 0,0-1 1 0 0,0 0-1 0 0,0 1 0 0 0,0-1 1 0 0,3 2-1 0 0,-1-2-18 0 0,-1 1 0 0 0,1-1 0 0 0,-1 0 0 0 0,1 1 0 0 0,0-1 0 0 0,-1-1 0 0 0,1 1 0 0 0,0 0 0 0 0,5 0 0 0 0,0 0-403 0 0,0-1 0 0 0,0-1 1 0 0,0 1-1 0 0,0-1 1 0 0,-1 0-1 0 0,1-1 0 0 0,8-2 1 0 0,8-6-5237 0 0,1-2-1631 0 0</inkml:trace>
+</inkml:ink>
+</file>
+
+<file path=ppt/ink/ink28.xml><?xml version="1.0" encoding="utf-8"?>
+<inkml:ink xmlns:inkml="http://www.w3.org/2003/InkML">
+  <inkml:definitions>
+    <inkml:context xml:id="ctx0">
+      <inkml:inkSource xml:id="inkSrc0">
+        <inkml:traceFormat>
+          <inkml:channel name="X" type="integer" min="-2.14748E9" max="2.14748E9" units="cm"/>
+          <inkml:channel name="Y" type="integer" min="-2.14748E9" max="2.14748E9" units="cm"/>
+          <inkml:channel name="F" type="integer" max="32767" units="dev"/>
+          <inkml:channel name="OA" type="integer" max="360" units="deg"/>
+          <inkml:channel name="OE" type="integer" max="90" units="deg"/>
+        </inkml:traceFormat>
+        <inkml:channelProperties>
+          <inkml:channelProperty channel="X" name="resolution" value="1000" units="1/cm"/>
+          <inkml:channelProperty channel="Y" name="resolution" value="1000" units="1/cm"/>
+          <inkml:channelProperty channel="F" name="resolution" value="0" units="1/dev"/>
+          <inkml:channelProperty channel="OA" name="resolution" value="1000" units="1/deg"/>
+          <inkml:channelProperty channel="OE" name="resolution" value="1000" units="1/deg"/>
+        </inkml:channelProperties>
+      </inkml:inkSource>
+      <inkml:timestamp xml:id="ts0" timeString="2021-01-22T20:01:19.474"/>
+    </inkml:context>
+    <inkml:brush xml:id="br0">
+      <inkml:brushProperty name="width" value="0.05" units="cm"/>
+      <inkml:brushProperty name="height" value="0.05" units="cm"/>
+      <inkml:brushProperty name="color" value="#004F8B"/>
+    </inkml:brush>
+  </inkml:definitions>
+  <inkml:trace contextRef="#ctx0" brushRef="#br0">145 330 6912 0 0,'0'0'528'0'0,"-11"5"16"0"0,3 0 1490 0 0,0 1 0 0 0,0 0 0 0 0,1 1 1 0 0,-7 7-1 0 0,6-5-861 0 0,0 1 1 0 0,-10 17-1 0 0,6-5-401 0 0,2-1-1 0 0,-15 42 1 0 0,23-57-660 0 0,0 0 0 0 0,1 0 1 0 0,0 0-1 0 0,0 0 0 0 0,0 1 0 0 0,1-1 0 0 0,0 9 0 0 0,1-12-94 0 0,-1 0 0 0 0,0 0 0 0 0,1 0 0 0 0,0-1-1 0 0,0 1 1 0 0,0 0 0 0 0,0 0 0 0 0,0 0 0 0 0,0-1-1 0 0,1 1 1 0 0,-1 0 0 0 0,1-1 0 0 0,0 1 0 0 0,0-1-1 0 0,0 0 1 0 0,4 4 0 0 0,-4-5-36 0 0,0 0 0 0 0,0 0 0 0 0,0 0 0 0 0,0 0 0 0 0,0 0 0 0 0,0-1 0 0 0,1 1 0 0 0,-1-1 0 0 0,0 0 0 0 0,0 0 0 0 0,1 0 0 0 0,-1 0 0 0 0,0 0-1 0 0,0 0 1 0 0,1 0 0 0 0,-1-1 0 0 0,0 1 0 0 0,4-2 0 0 0,2-1-320 0 0,0 1 0 0 0,0-2 0 0 0,12-5 0 0 0,3-7-940 0 0,0-3-60 0 0</inkml:trace>
+  <inkml:trace contextRef="#ctx0" brushRef="#br0" timeOffset="1">551 0 13360 0 0,'0'0'1026'0'0,"-9"3"-419"0"0,8 0-260 0 0,-1-1-1 0 0,1 0 1 0 0,-1 1 0 0 0,1-1 0 0 0,0 1-1 0 0,0-1 1 0 0,0 1 0 0 0,0 0 0 0 0,1 0 0 0 0,-1-1-1 0 0,1 1 1 0 0,-1 0 0 0 0,1 4 0 0 0,-1 2 188 0 0,-20 338 3736 0 0,21-310-4184 0 0,-2 21-454 0 0,3-1 0 0 0,2 1 1 0 0,17 85-1 0 0,-15-124-5302 0 0,1-8-1896 0 0</inkml:trace>
+</inkml:ink>
+</file>
+
+<file path=ppt/ink/ink29.xml><?xml version="1.0" encoding="utf-8"?>
+<inkml:ink xmlns:inkml="http://www.w3.org/2003/InkML">
+  <inkml:definitions>
+    <inkml:context xml:id="ctx0">
+      <inkml:inkSource xml:id="inkSrc0">
+        <inkml:traceFormat>
+          <inkml:channel name="X" type="integer" min="-2.14748E9" max="2.14748E9" units="cm"/>
+          <inkml:channel name="Y" type="integer" min="-2.14748E9" max="2.14748E9" units="cm"/>
+          <inkml:channel name="F" type="integer" max="32767" units="dev"/>
+          <inkml:channel name="OA" type="integer" max="360" units="deg"/>
+          <inkml:channel name="OE" type="integer" max="90" units="deg"/>
+        </inkml:traceFormat>
+        <inkml:channelProperties>
+          <inkml:channelProperty channel="X" name="resolution" value="1000" units="1/cm"/>
+          <inkml:channelProperty channel="Y" name="resolution" value="1000" units="1/cm"/>
+          <inkml:channelProperty channel="F" name="resolution" value="0" units="1/dev"/>
+          <inkml:channelProperty channel="OA" name="resolution" value="1000" units="1/deg"/>
+          <inkml:channelProperty channel="OE" name="resolution" value="1000" units="1/deg"/>
+        </inkml:channelProperties>
+      </inkml:inkSource>
+      <inkml:timestamp xml:id="ts0" timeString="2021-01-22T20:01:19.834"/>
+    </inkml:context>
+    <inkml:brush xml:id="br0">
+      <inkml:brushProperty name="width" value="0.05" units="cm"/>
+      <inkml:brushProperty name="height" value="0.05" units="cm"/>
+      <inkml:brushProperty name="color" value="#004F8B"/>
+    </inkml:brush>
+  </inkml:definitions>
+  <inkml:trace contextRef="#ctx0" brushRef="#br0">4 6 14280 0 0,'-4'-1'1297'0'0,"31"-4"4984"0"0,-5 6-4715 0 0,43 7 1 0 0,21 10-2276 0 0,-26-4-1100 0 0,-29-9-289 0 0</inkml:trace>
+</inkml:ink>
+</file>
+
+<file path=ppt/ink/ink3.xml><?xml version="1.0" encoding="utf-8"?>
+<inkml:ink xmlns:inkml="http://www.w3.org/2003/InkML">
+  <inkml:definitions>
+    <inkml:context xml:id="ctx0">
+      <inkml:inkSource xml:id="inkSrc0">
+        <inkml:traceFormat>
+          <inkml:channel name="X" type="integer" min="-2.14748E9" max="2.14748E9" units="cm"/>
+          <inkml:channel name="Y" type="integer" min="-2.14748E9" max="2.14748E9" units="cm"/>
+          <inkml:channel name="F" type="integer" max="32767" units="dev"/>
+          <inkml:channel name="OA" type="integer" max="360" units="deg"/>
+          <inkml:channel name="OE" type="integer" max="90" units="deg"/>
+        </inkml:traceFormat>
+        <inkml:channelProperties>
+          <inkml:channelProperty channel="X" name="resolution" value="1000" units="1/cm"/>
+          <inkml:channelProperty channel="Y" name="resolution" value="1000" units="1/cm"/>
+          <inkml:channelProperty channel="F" name="resolution" value="0" units="1/dev"/>
+          <inkml:channelProperty channel="OA" name="resolution" value="1000" units="1/deg"/>
+          <inkml:channelProperty channel="OE" name="resolution" value="1000" units="1/deg"/>
+        </inkml:channelProperties>
+      </inkml:inkSource>
+      <inkml:timestamp xml:id="ts0" timeString="2021-01-22T20:00:36.735"/>
+    </inkml:context>
+    <inkml:brush xml:id="br0">
+      <inkml:brushProperty name="width" value="0.05" units="cm"/>
+      <inkml:brushProperty name="height" value="0.05" units="cm"/>
+      <inkml:brushProperty name="color" value="#004F8B"/>
+    </inkml:brush>
+  </inkml:definitions>
+  <inkml:trace contextRef="#ctx0" brushRef="#br0">25 81 9184 0 0,'-2'-1'79'0'0,"1"1"0"0"0,0 0-1 0 0,0-1 1 0 0,-1 1 0 0 0,1 0 0 0 0,0 0 0 0 0,0 0 0 0 0,-1 0 0 0 0,1 0 0 0 0,0 0 0 0 0,-2 1 0 0 0,-3 0 2732 0 0,5-3-2557 0 0,1 0 0 0 0,0 1 0 0 0,0-1-1 0 0,-1 1 1 0 0,1-1 0 0 0,0 0 0 0 0,0 1-1 0 0,1-4 1 0 0,0 3 318 0 0,-1 0 0 0 0,1 0-1 0 0,0 0 1 0 0,0 0 0 0 0,0 0 0 0 0,0 0 0 0 0,0 1-1 0 0,0-1 1 0 0,0 0 0 0 0,1 1 0 0 0,1-3-1 0 0,-2 3 221 0 0,9 1-252 0 0,0 3-183 0 0,1 0-1 0 0,-1-1 1 0 0,1 0-1 0 0,0-1 0 0 0,19 0 1 0 0,-20 0-216 0 0,0 0-1 0 0,0 1 1 0 0,-1 0 0 0 0,15 5-1 0 0,14 3 126 0 0,11 1 74 0 0,18 3 32 0 0,-51-12-323 0 0,30 5 311 0 0,63 16 0 0 0,-10-1 41 0 0,-48-11-311 0 0,5 0 75 0 0,78 8-1 0 0,124-7 167 0 0,-166-5-266 0 0,77 2 115 0 0,-93-12-59 0 0,76-14 0 0 0,-19 2 11 0 0,12-8 35 0 0,-11 1-81 0 0,158-3 166 0 0,-29 21-64 0 0,-217 0-37 0 0,1-3 1 0 0,-1-2-1 0 0,58-19 0 0 0,-38 10 15 0 0,-26 9 51 0 0,75-8 0 0 0,-64 10-78 0 0,-23 1-86 0 0,-22 4-42 0 0,-1 0 0 0 0,-4 1-87 0 0,0 1 1 0 0,1 0-1 0 0,-1-1 1 0 0,0 1-1 0 0,0 0 1 0 0,0 0-1 0 0,0 0 0 0 0,0 0 1 0 0,0 0-1 0 0,0 0 1 0 0,0 0-1 0 0,0 0 1 0 0,0 1-1 0 0,0-1 1 0 0,0 0-1 0 0,0 1 1 0 0,0-1-1 0 0,1 1 1 0 0,8 6-4739 0 0</inkml:trace>
+</inkml:ink>
+</file>
+
+<file path=ppt/ink/ink30.xml><?xml version="1.0" encoding="utf-8"?>
+<inkml:ink xmlns:inkml="http://www.w3.org/2003/InkML">
+  <inkml:definitions>
+    <inkml:context xml:id="ctx0">
+      <inkml:inkSource xml:id="inkSrc0">
+        <inkml:traceFormat>
+          <inkml:channel name="X" type="integer" min="-2.14748E9" max="2.14748E9" units="cm"/>
+          <inkml:channel name="Y" type="integer" min="-2.14748E9" max="2.14748E9" units="cm"/>
+          <inkml:channel name="F" type="integer" max="32767" units="dev"/>
+          <inkml:channel name="OA" type="integer" max="360" units="deg"/>
+          <inkml:channel name="OE" type="integer" max="90" units="deg"/>
+        </inkml:traceFormat>
+        <inkml:channelProperties>
+          <inkml:channelProperty channel="X" name="resolution" value="1000" units="1/cm"/>
+          <inkml:channelProperty channel="Y" name="resolution" value="1000" units="1/cm"/>
+          <inkml:channelProperty channel="F" name="resolution" value="0" units="1/dev"/>
+          <inkml:channelProperty channel="OA" name="resolution" value="1000" units="1/deg"/>
+          <inkml:channelProperty channel="OE" name="resolution" value="1000" units="1/deg"/>
+        </inkml:channelProperties>
+      </inkml:inkSource>
+      <inkml:timestamp xml:id="ts0" timeString="2021-01-22T20:01:20.188"/>
+    </inkml:context>
+    <inkml:brush xml:id="br0">
+      <inkml:brushProperty name="width" value="0.05" units="cm"/>
+      <inkml:brushProperty name="height" value="0.05" units="cm"/>
+      <inkml:brushProperty name="color" value="#004F8B"/>
+    </inkml:brush>
+  </inkml:definitions>
+  <inkml:trace contextRef="#ctx0" brushRef="#br0">89 0 1840 0 0,'-2'12'10480'0'0,"-7"-6"-8343"0"0,1 2-1281 0 0,2 1 0 0 0,-1 0 0 0 0,1 0 1 0 0,0 1-1 0 0,1-1 0 0 0,-8 19 0 0 0,9-17-601 0 0,0-1-1 0 0,0 0 1 0 0,1 1 0 0 0,1 0-1 0 0,-3 16 1 0 0,3-1-14 0 0,1-17-153 0 0,0 0 0 0 0,1 0 0 0 0,0 0 0 0 0,0 0 0 0 0,1 1 0 0 0,2 9 0 0 0,0 2 70 0 0,-2-14-99 0 0,0 0 1 0 0,1 0-1 0 0,-1 0 1 0 0,5 11 0 0 0,-5-17-48 0 0,-1 0 0 0 0,1 0 0 0 0,0 1 0 0 0,0-1 0 0 0,-1 0 0 0 0,1 0 0 0 0,0 0 0 0 0,0 0 0 0 0,0 0 0 0 0,0 0 0 0 0,0 0 0 0 0,0 0 1 0 0,1 0-1 0 0,-1 0 0 0 0,0 0 0 0 0,0-1 0 0 0,1 1 0 0 0,-1-1 0 0 0,0 1 0 0 0,1-1 0 0 0,-1 1 0 0 0,0-1 0 0 0,1 0 0 0 0,-1 1 0 0 0,1-1 0 0 0,-1 0 0 0 0,1 0 1 0 0,1-1-1 0 0,3 1 26 0 0,-4 0-23 0 0,0 0-1 0 0,0 0 1 0 0,-1 0-1 0 0,1 0 0 0 0,0-1 1 0 0,0 1-1 0 0,0 0 1 0 0,0-1-1 0 0,0 0 0 0 0,0 1 1 0 0,0-1-1 0 0,-1 0 1 0 0,1 0-1 0 0,0 0 0 0 0,-1 0 1 0 0,1 0-1 0 0,-1 0 0 0 0,1-1 1 0 0,1-1-1 0 0,9-13-50 0 0,-6 8-43 0 0,0-1 1 0 0,10-9-1 0 0,-6 7 213 0 0,-1-1 1 0 0,0 1-1 0 0,-1-2 0 0 0,-1 1 0 0 0,9-19 0 0 0,4-7 272 0 0,27-36 1095 0 0,-47 73-1462 0 0,0 1-1 0 0,0 0 0 0 0,0-1 1 0 0,1 1-1 0 0,-1 0 1 0 0,0-1-1 0 0,0 1 0 0 0,0 0 1 0 0,0 0-1 0 0,0-1 1 0 0,1 1-1 0 0,-1 0 1 0 0,0 0-1 0 0,0-1 0 0 0,0 1 1 0 0,1 0-1 0 0,-1 0 1 0 0,0-1-1 0 0,0 1 0 0 0,1 0 1 0 0,-1 0-1 0 0,0 0 1 0 0,0 0-1 0 0,1 0 0 0 0,-1-1 1 0 0,0 1-1 0 0,1 0 1 0 0,-1 0-1 0 0,0 0 0 0 0,1 0 1 0 0,-1 0-1 0 0,0 0 1 0 0,1 0-1 0 0,-1 0 1 0 0,3 13 376 0 0,-2-9-379 0 0,0 9 50 0 0,3 16 48 0 0,-3-23-165 0 0,0 0-1 0 0,0 1 1 0 0,-1-1-1 0 0,1 1 1 0 0,-2 5-1 0 0,2 19-291 0 0,0-22 293 0 0,1 0 0 0 0,1 0 0 0 0,0-1-1 0 0,0 1 1 0 0,1-1 0 0 0,0 0 0 0 0,9 14 0 0 0,-12-21-106 0 0,-1 0 1 0 0,1 0 0 0 0,0 0-1 0 0,-1 0 1 0 0,1-1 0 0 0,0 1-1 0 0,0 0 1 0 0,0 0 0 0 0,0-1-1 0 0,-1 1 1 0 0,1 0-1 0 0,0-1 1 0 0,0 1 0 0 0,0-1-1 0 0,0 1 1 0 0,1-1 0 0 0,-1 0-1 0 0,0 1 1 0 0,0-1 0 0 0,0 0-1 0 0,0 0 1 0 0,0 0-1 0 0,0 0 1 0 0,0 0 0 0 0,1 0-1 0 0,-1 0 1 0 0,0 0 0 0 0,0 0-1 0 0,0 0 1 0 0,0-1 0 0 0,0 1-1 0 0,0 0 1 0 0,0-1-1 0 0,0 1 1 0 0,0-1 0 0 0,0 1-1 0 0,0-1 1 0 0,0 0 0 0 0,1 0-1 0 0,6-9-1744 0 0</inkml:trace>
+</inkml:ink>
+</file>
+
+<file path=ppt/ink/ink31.xml><?xml version="1.0" encoding="utf-8"?>
+<inkml:ink xmlns:inkml="http://www.w3.org/2003/InkML">
+  <inkml:definitions>
+    <inkml:context xml:id="ctx0">
+      <inkml:inkSource xml:id="inkSrc0">
+        <inkml:traceFormat>
+          <inkml:channel name="X" type="integer" min="-2.14748E9" max="2.14748E9" units="cm"/>
+          <inkml:channel name="Y" type="integer" min="-2.14748E9" max="2.14748E9" units="cm"/>
+          <inkml:channel name="F" type="integer" max="32767" units="dev"/>
+          <inkml:channel name="OA" type="integer" max="360" units="deg"/>
+          <inkml:channel name="OE" type="integer" max="90" units="deg"/>
+        </inkml:traceFormat>
+        <inkml:channelProperties>
+          <inkml:channelProperty channel="X" name="resolution" value="1000" units="1/cm"/>
+          <inkml:channelProperty channel="Y" name="resolution" value="1000" units="1/cm"/>
+          <inkml:channelProperty channel="F" name="resolution" value="0" units="1/dev"/>
+          <inkml:channelProperty channel="OA" name="resolution" value="1000" units="1/deg"/>
+          <inkml:channelProperty channel="OE" name="resolution" value="1000" units="1/deg"/>
+        </inkml:channelProperties>
+      </inkml:inkSource>
+      <inkml:timestamp xml:id="ts0" timeString="2021-01-22T20:01:20.568"/>
+    </inkml:context>
+    <inkml:brush xml:id="br0">
+      <inkml:brushProperty name="width" value="0.05" units="cm"/>
+      <inkml:brushProperty name="height" value="0.05" units="cm"/>
+      <inkml:brushProperty name="color" value="#004F8B"/>
+    </inkml:brush>
+  </inkml:definitions>
+  <inkml:trace contextRef="#ctx0" brushRef="#br0">0 12 8752 0 0,'0'0'673'0'0,"7"-12"9588"0"0,-4 14-10119 0 0,0 1-1 0 0,-1-1 1 0 0,1 1 0 0 0,-1-1-1 0 0,0 1 1 0 0,0 0 0 0 0,0 0 0 0 0,0 0-1 0 0,0 0 1 0 0,-1 0 0 0 0,1 0-1 0 0,-1 0 1 0 0,0 0 0 0 0,0 1-1 0 0,0-1 1 0 0,0 1 0 0 0,0 4-1 0 0,1 9 50 0 0,-1 1-1 0 0,0 20 1 0 0,-1-29-96 0 0,-8 164 2728 0 0,8-181-2470 0 0,7-19-188 0 0,1 1 0 0 0,2 1 0 0 0,0-1-1 0 0,19-32 1 0 0,-26 54-150 0 0,-1 0 0 0 0,1 0 0 0 0,0 1 0 0 0,1-1 0 0 0,-1 1-1 0 0,1 0 1 0 0,-1 0 0 0 0,1 0 0 0 0,0 0 0 0 0,0 1 0 0 0,0-1 0 0 0,0 1 0 0 0,1 0-1 0 0,7-2 1 0 0,-1 1 24 0 0,-1 0 0 0 0,1 1 0 0 0,0 1 0 0 0,0 0 0 0 0,13 0 1 0 0,51 7 88 0 0,-56-3-97 0 0,-1-2 1 0 0,1 0 0 0 0,34-2-1 0 0,-23-9-55 0 0,-31 10 22 0 0,1 0 0 0 0,0 0-1 0 0,0 0 1 0 0,0 0 0 0 0,0 0 0 0 0,0 0 0 0 0,0 0-1 0 0,0 0 1 0 0,0 0 0 0 0,0 0 0 0 0,0 0-1 0 0,-1 0 1 0 0,1-1 0 0 0,0 1 0 0 0,0 0 0 0 0,0 0-1 0 0,0 0 1 0 0,0 0 0 0 0,0 0 0 0 0,0 0-1 0 0,0 0 1 0 0,0 0 0 0 0,0 0 0 0 0,0-1-1 0 0,0 1 1 0 0,0 0 0 0 0,0 0 0 0 0,0 0 0 0 0,0 0-1 0 0,0 0 1 0 0,0 0 0 0 0,0 0 0 0 0,0-1-1 0 0,0 1 1 0 0,0 0 0 0 0,0 0 0 0 0,0 0 0 0 0,0 0-1 0 0,0 0 1 0 0,0 0 0 0 0,0 0 0 0 0,0 0-1 0 0,0-1 1 0 0,0 1 0 0 0,1 0 0 0 0,-1 0 0 0 0,0 0-1 0 0,0 0 1 0 0,0 0 0 0 0,0 0 0 0 0,0 0-1 0 0,0 0 1 0 0,0 0 0 0 0,0 0 0 0 0,0 0-1 0 0,1 0 1 0 0,-1 0 0 0 0,0 0 0 0 0,0 0 0 0 0,0 0-1 0 0,0 0 1 0 0,0 0 0 0 0,0 0 0 0 0,0 0-1 0 0,1 0 1 0 0,-1 0 0 0 0,0 0 0 0 0,0 0 0 0 0,-9-3 162 0 0,5 4-159 0 0,0 1 1 0 0,-1-1 0 0 0,1 1-1 0 0,0-1 1 0 0,0 2 0 0 0,1-1-1 0 0,-1 0 1 0 0,0 1 0 0 0,1-1-1 0 0,-1 1 1 0 0,1 0 0 0 0,-4 5-1 0 0,1-2-1 0 0,0 2-1 0 0,0-1 0 0 0,1 1 0 0 0,-9 15 0 0 0,9-12-55 0 0,2-7-127 0 0,1 1 1 0 0,0-1-1 0 0,0 1 1 0 0,0 0-1 0 0,-2 9 1 0 0,4-12 85 0 0,0-1 1 0 0,0 1 0 0 0,0-1 0 0 0,0 0 0 0 0,0 1 0 0 0,0-1-1 0 0,1 1 1 0 0,-1-1 0 0 0,0 0 0 0 0,1 1 0 0 0,-1-1 0 0 0,1 0 0 0 0,-1 0-1 0 0,1 1 1 0 0,0-1 0 0 0,0 0 0 0 0,-1 0 0 0 0,1 0 0 0 0,0 0-1 0 0,0 0 1 0 0,0 0 0 0 0,0 0 0 0 0,0 0 0 0 0,1 0 0 0 0,-1 0-1 0 0,2 0 1 0 0,11 5-5892 0 0,5-3-1723 0 0</inkml:trace>
+</inkml:ink>
+</file>
+
+<file path=ppt/ink/ink32.xml><?xml version="1.0" encoding="utf-8"?>
+<inkml:ink xmlns:inkml="http://www.w3.org/2003/InkML">
+  <inkml:definitions>
+    <inkml:context xml:id="ctx0">
+      <inkml:inkSource xml:id="inkSrc0">
+        <inkml:traceFormat>
+          <inkml:channel name="X" type="integer" min="-2.14748E9" max="2.14748E9" units="cm"/>
+          <inkml:channel name="Y" type="integer" min="-2.14748E9" max="2.14748E9" units="cm"/>
+          <inkml:channel name="F" type="integer" max="32767" units="dev"/>
+          <inkml:channel name="OA" type="integer" max="360" units="deg"/>
+          <inkml:channel name="OE" type="integer" max="90" units="deg"/>
+        </inkml:traceFormat>
+        <inkml:channelProperties>
+          <inkml:channelProperty channel="X" name="resolution" value="1000" units="1/cm"/>
+          <inkml:channelProperty channel="Y" name="resolution" value="1000" units="1/cm"/>
+          <inkml:channelProperty channel="F" name="resolution" value="0" units="1/dev"/>
+          <inkml:channelProperty channel="OA" name="resolution" value="1000" units="1/deg"/>
+          <inkml:channelProperty channel="OE" name="resolution" value="1000" units="1/deg"/>
+        </inkml:channelProperties>
+      </inkml:inkSource>
+      <inkml:timestamp xml:id="ts0" timeString="2021-01-22T20:01:20.917"/>
+    </inkml:context>
+    <inkml:brush xml:id="br0">
+      <inkml:brushProperty name="width" value="0.05" units="cm"/>
+      <inkml:brushProperty name="height" value="0.05" units="cm"/>
+      <inkml:brushProperty name="color" value="#004F8B"/>
+    </inkml:brush>
+  </inkml:definitions>
+  <inkml:trace contextRef="#ctx0" brushRef="#br0">152 0 19351 0 0,'-5'2'248'0'0,"0"0"0"0"0,0 0 0 0 0,1 0-1 0 0,-1 0 1 0 0,0 1 0 0 0,1 0 0 0 0,-1 0 0 0 0,1 0-1 0 0,0 1 1 0 0,0-1 0 0 0,0 1 0 0 0,1 0-1 0 0,-1 0 1 0 0,1 0 0 0 0,0 1 0 0 0,0-1-1 0 0,1 1 1 0 0,-1-1 0 0 0,1 1 0 0 0,0 0-1 0 0,0 0 1 0 0,0 0 0 0 0,1 0 0 0 0,0 1 0 0 0,0-1-1 0 0,0 0 1 0 0,1 0 0 0 0,0 1 0 0 0,0-1-1 0 0,0 0 1 0 0,0 1 0 0 0,1-1 0 0 0,0 0-1 0 0,3 10 1 0 0,-2-8 47 0 0,1 0-1 0 0,0 0 0 0 0,0 0 1 0 0,1 0-1 0 0,8 12 1 0 0,-8-13-265 0 0,-1 0 1 0 0,1 1-1 0 0,-1-1 0 0 0,-1 0 1 0 0,1 1-1 0 0,-1 0 0 0 0,0 0 1 0 0,1 8-1 0 0,-3-11-65 0 0,0-1 1 0 0,0 0-1 0 0,0 1 0 0 0,-1-1 1 0 0,1 0-1 0 0,-1 0 0 0 0,0 0 1 0 0,0 1-1 0 0,-2 4 1 0 0,-15 27 64 0 0,17-32-42 0 0,-7 8-532 0 0,-1 0 0 0 0,0 0 0 0 0,0 0 0 0 0,-1-2 0 0 0,-18 15 0 0 0,3-3-9008 0 0</inkml:trace>
+</inkml:ink>
+</file>
+
+<file path=ppt/ink/ink33.xml><?xml version="1.0" encoding="utf-8"?>
+<inkml:ink xmlns:inkml="http://www.w3.org/2003/InkML">
+  <inkml:definitions>
+    <inkml:context xml:id="ctx0">
+      <inkml:inkSource xml:id="inkSrc0">
+        <inkml:traceFormat>
+          <inkml:channel name="X" type="integer" min="-2.14748E9" max="2.14748E9" units="cm"/>
+          <inkml:channel name="Y" type="integer" min="-2.14748E9" max="2.14748E9" units="cm"/>
+          <inkml:channel name="F" type="integer" max="32767" units="dev"/>
+          <inkml:channel name="OA" type="integer" max="360" units="deg"/>
+          <inkml:channel name="OE" type="integer" max="90" units="deg"/>
+        </inkml:traceFormat>
+        <inkml:channelProperties>
+          <inkml:channelProperty channel="X" name="resolution" value="1000" units="1/cm"/>
+          <inkml:channelProperty channel="Y" name="resolution" value="1000" units="1/cm"/>
+          <inkml:channelProperty channel="F" name="resolution" value="0" units="1/dev"/>
+          <inkml:channelProperty channel="OA" name="resolution" value="1000" units="1/deg"/>
+          <inkml:channelProperty channel="OE" name="resolution" value="1000" units="1/deg"/>
+        </inkml:channelProperties>
+      </inkml:inkSource>
+      <inkml:timestamp xml:id="ts0" timeString="2021-01-22T20:01:34.375"/>
+    </inkml:context>
+    <inkml:brush xml:id="br0">
+      <inkml:brushProperty name="width" value="0.05" units="cm"/>
+      <inkml:brushProperty name="height" value="0.05" units="cm"/>
+      <inkml:brushProperty name="color" value="#004F8B"/>
+    </inkml:brush>
+  </inkml:definitions>
+  <inkml:trace contextRef="#ctx0" brushRef="#br0">32 270 9384 0 0,'0'0'852'0'0,"0"0"-704"0"0,-2 0-47 0 0,1-1 6 0 0,0 1 0 0 0,1 0 0 0 0,-1-1 0 0 0,1 1-1 0 0,-1 0 1 0 0,1-1 0 0 0,-1 1 0 0 0,1-1 0 0 0,0 1 0 0 0,-1-1 0 0 0,1 1 0 0 0,-1-1-1 0 0,1 1 1 0 0,0-1 0 0 0,-1 1 0 0 0,1-1 0 0 0,0 0 0 0 0,0 1 0 0 0,0-1 0 0 0,-1 1 0 0 0,1-1-1 0 0,0 0 1 0 0,0 1 0 0 0,0-1 0 0 0,-2-18 2024 0 0,-5-16 2836 0 0,7 33-4614 0 0,0 0-1 0 0,0 1 0 0 0,-1-1 0 0 0,1 1 1 0 0,-1-1-1 0 0,1 0 0 0 0,-1 1 0 0 0,0-1 0 0 0,-1-1 1 0 0,2 2-254 0 0,-1 0 1 0 0,0 0-1 0 0,1 0 1 0 0,-1 1-1 0 0,1-1 1 0 0,0 0-1 0 0,-1 0 1 0 0,1 0-1 0 0,0 0 1 0 0,-1 0-1 0 0,1 0 1 0 0,0 0 0 0 0,0 0-1 0 0,0 0 1 0 0,0 0-1 0 0,0 0 1 0 0,0 0-1 0 0,0 0 1 0 0,0 0-1 0 0,0 0 1 0 0,1 0-1 0 0,-1 0 1 0 0,0 0-1 0 0,1 0 1 0 0,-1 0-1 0 0,0 0 1 0 0,2-1 0 0 0,6-12 282 0 0,-5 10-286 0 0,-1 0 1 0 0,1-1-1 0 0,0 1 1 0 0,0 0-1 0 0,8-6 1 0 0,0-1 31 0 0,-9 9-108 0 0,0 0-1 0 0,1-1 0 0 0,-1 1 1 0 0,1 0-1 0 0,0 0 0 0 0,-1 0 0 0 0,1 1 1 0 0,0-1-1 0 0,6-1 0 0 0,-5 1 5 0 0,0 0 0 0 0,1 1 0 0 0,-1-2 0 0 0,0 1 0 0 0,7-5 0 0 0,-7 4 22 0 0,0 1 0 0 0,0-1 0 0 0,1 1 0 0 0,-1 0 0 0 0,0 0 0 0 0,1 0 0 0 0,5-1 0 0 0,7 1 20 0 0,25 0 0 0 0,9-1-17 0 0,-40 2-13 0 0,-1 1 0 0 0,0 0 0 0 0,16 3-1 0 0,13 0 25 0 0,127-11 79 0 0,-123 8-49 0 0,0 2-1 0 0,76 14 1 0 0,-109-15-42 0 0,1 0 0 0 0,15 0-1 0 0,1 0 35 0 0,63-1 138 0 0,-67 0-154 0 0,42-4-1 0 0,5-1 100 0 0,9-1 94 0 0,-61 4-238 0 0,29-8 0 0 0,6 0 9 0 0,141-7 98 0 0,-134 16-110 0 0,53 2 28 0 0,-11-1-46 0 0,-8 0 0 0 0,186 4 244 0 0,-19-1-5 0 0,-209-1-205 0 0,149 14 145 0 0,-123-8-137 0 0,39 9 55 0 0,-111-16-47 0 0,-1 0 1 0 0,1 0 0 0 0,0 0-1 0 0,7-1 1 0 0,-26-9-14 0 0,12 8-99 0 0,-1 0-1 0 0,1 1 1 0 0,-1 0-1 0 0,1-1 0 0 0,-1 1 1 0 0,1 0-1 0 0,-1-1 0 0 0,1 1 1 0 0,-1 0-1 0 0,1 0 1 0 0,-1 0-1 0 0,1 1 0 0 0,-1-1 1 0 0,1 0-1 0 0,-1 1 0 0 0,1-1 1 0 0,-3 1-1 0 0,-5 3-2783 0 0,1 0-3530 0 0</inkml:trace>
+</inkml:ink>
+</file>
+
+<file path=ppt/ink/ink34.xml><?xml version="1.0" encoding="utf-8"?>
+<inkml:ink xmlns:inkml="http://www.w3.org/2003/InkML">
+  <inkml:definitions>
+    <inkml:context xml:id="ctx0">
+      <inkml:inkSource xml:id="inkSrc0">
+        <inkml:traceFormat>
+          <inkml:channel name="X" type="integer" min="-2.14748E9" max="2.14748E9" units="cm"/>
+          <inkml:channel name="Y" type="integer" min="-2.14748E9" max="2.14748E9" units="cm"/>
+          <inkml:channel name="F" type="integer" max="32767" units="dev"/>
+          <inkml:channel name="OA" type="integer" max="360" units="deg"/>
+          <inkml:channel name="OE" type="integer" max="90" units="deg"/>
+        </inkml:traceFormat>
+        <inkml:channelProperties>
+          <inkml:channelProperty channel="X" name="resolution" value="1000" units="1/cm"/>
+          <inkml:channelProperty channel="Y" name="resolution" value="1000" units="1/cm"/>
+          <inkml:channelProperty channel="F" name="resolution" value="0" units="1/dev"/>
+          <inkml:channelProperty channel="OA" name="resolution" value="1000" units="1/deg"/>
+          <inkml:channelProperty channel="OE" name="resolution" value="1000" units="1/deg"/>
+        </inkml:channelProperties>
+      </inkml:inkSource>
+      <inkml:timestamp xml:id="ts0" timeString="2021-01-22T20:00:54.449"/>
+    </inkml:context>
+    <inkml:brush xml:id="br0">
+      <inkml:brushProperty name="width" value="0.05" units="cm"/>
+      <inkml:brushProperty name="height" value="0.05" units="cm"/>
+      <inkml:brushProperty name="color" value="#004F8B"/>
+    </inkml:brush>
+  </inkml:definitions>
+  <inkml:trace contextRef="#ctx0" brushRef="#br0">148 21 8288 0 0,'0'0'756'0'0,"-1"-18"5576"0"0,0 18-6254 0 0,0-1 1 0 0,0 1 0 0 0,0 0 0 0 0,0-1 0 0 0,-1 1 0 0 0,1 0 0 0 0,0-1 0 0 0,0 1 0 0 0,0 0 0 0 0,0 0 0 0 0,0 0 0 0 0,0 0 0 0 0,0 0 0 0 0,-1 0 0 0 0,1 0 0 0 0,0 1 0 0 0,0-1 0 0 0,0 0 0 0 0,0 1-1 0 0,0-1 1 0 0,0 1 0 0 0,0-1 0 0 0,0 1 0 0 0,0-1 0 0 0,0 1 0 0 0,0-1 0 0 0,0 1 0 0 0,0 0 0 0 0,1 0 0 0 0,-1 0 0 0 0,0-1 0 0 0,0 1 0 0 0,1 0 0 0 0,-1 0 0 0 0,0 1 0 0 0,-4 5-25 0 0,0 1 0 0 0,1 0 1 0 0,-5 13-1 0 0,4-11 116 0 0,-13 33 58 0 0,3 0 0 0 0,-19 81 0 0 0,28-96 226 0 0,2 0 0 0 0,1 0 0 0 0,1 0 0 0 0,2 40 0 0 0,1-59-294 0 0,0 0 0 0 0,0-1-1 0 0,0 1 1 0 0,1-1 0 0 0,0 1 0 0 0,1-1-1 0 0,0 0 1 0 0,0 0 0 0 0,7 11-1 0 0,-8-16-122 0 0,0 0-1 0 0,0 0 0 0 0,0-1 0 0 0,1 1 0 0 0,-1 0 1 0 0,1-1-1 0 0,0 0 0 0 0,0 0 0 0 0,0 1 1 0 0,0-2-1 0 0,0 1 0 0 0,0 0 0 0 0,0-1 0 0 0,0 1 1 0 0,1-1-1 0 0,-1 0 0 0 0,1 0 0 0 0,-1 0 1 0 0,1-1-1 0 0,-1 1 0 0 0,1-1 0 0 0,-1 0 0 0 0,1 0 1 0 0,7-1-1 0 0,-6 1 11 0 0,1-2 1 0 0,-1 1-1 0 0,1-1 1 0 0,-1 1-1 0 0,0-2 1 0 0,0 1-1 0 0,0 0 1 0 0,0-1-1 0 0,0 0 1 0 0,0 0-1 0 0,-1-1 1 0 0,1 1-1 0 0,-1-1 1 0 0,0 0-1 0 0,4-5 1 0 0,-3 3 16 0 0,0 0 1 0 0,-1-1 0 0 0,1 1 0 0 0,-2-1 0 0 0,1 0 0 0 0,-1 0 0 0 0,0 0 0 0 0,0 0-1 0 0,-1-1 1 0 0,2-10 0 0 0,-3 17-39 0 0,-1-1 0 0 0,0 1 0 0 0,0-1 0 0 0,1 1 0 0 0,-1 0-1 0 0,-1-1 1 0 0,1 1 0 0 0,0-1 0 0 0,0 1 0 0 0,0 0 0 0 0,-1-1 0 0 0,1 1-1 0 0,0 0 1 0 0,-1-1 0 0 0,0 1 0 0 0,1 0 0 0 0,-1-1 0 0 0,0 1 0 0 0,1 0 0 0 0,-1 0-1 0 0,0 0 1 0 0,0 0 0 0 0,0 0 0 0 0,0 0 0 0 0,0 0 0 0 0,0 0 0 0 0,0 0-1 0 0,-1 0 1 0 0,1 1 0 0 0,0-1 0 0 0,0 0 0 0 0,-1 1 0 0 0,1-1 0 0 0,0 1 0 0 0,-1-1-1 0 0,1 1 1 0 0,0 0 0 0 0,-1 0 0 0 0,1 0 0 0 0,-1-1 0 0 0,1 1 0 0 0,0 0-1 0 0,-1 1 1 0 0,1-1 0 0 0,-1 0 0 0 0,1 0 0 0 0,0 1 0 0 0,-1-1 0 0 0,1 0 0 0 0,0 1-1 0 0,-1 0 1 0 0,1-1 0 0 0,0 1 0 0 0,-2 1 0 0 0,-12 7 12 0 0,1 1 1 0 0,1 1-1 0 0,-1 0 1 0 0,2 1-1 0 0,0 0 1 0 0,0 1-1 0 0,-17 26 1 0 0,29-39-62 0 0,0 0-1 0 0,0 0 1 0 0,0 0 0 0 0,0 0 0 0 0,0 0 0 0 0,0 0 0 0 0,0 0-1 0 0,0 0 1 0 0,1 0 0 0 0,-1 0 0 0 0,0 0 0 0 0,0 0-1 0 0,0 0 1 0 0,0 0 0 0 0,0 0 0 0 0,0 0 0 0 0,0 0-1 0 0,0 0 1 0 0,0 0 0 0 0,0 0 0 0 0,0 0 0 0 0,0 0-1 0 0,1 0 1 0 0,-1 0 0 0 0,0 0 0 0 0,0 0 0 0 0,0 0 0 0 0,0 0-1 0 0,0 1 1 0 0,0-1 0 0 0,0 0 0 0 0,0 0 0 0 0,0 0-1 0 0,0 0 1 0 0,0 0 0 0 0,0 0 0 0 0,0 0 0 0 0,0 0-1 0 0,0 0 1 0 0,0 0 0 0 0,0 0 0 0 0,0 1 0 0 0,0-1 0 0 0,0 0-1 0 0,0 0 1 0 0,0 0 0 0 0,0 0 0 0 0,0 0 0 0 0,0 0-1 0 0,0 0 1 0 0,0 0 0 0 0,0 0 0 0 0,0 0 0 0 0,0 0-1 0 0,0 1 1 0 0,0-1 0 0 0,0 0 0 0 0,0 0 0 0 0,0 0 0 0 0,0 0-1 0 0,-1 0 1 0 0,1 0 0 0 0,0 0 0 0 0,0 0 0 0 0,0 0-1 0 0,12-3-1855 0 0,14-10-5142 0 0,-9 1-262 0 0</inkml:trace>
+</inkml:ink>
+</file>
+
+<file path=ppt/ink/ink35.xml><?xml version="1.0" encoding="utf-8"?>
+<inkml:ink xmlns:inkml="http://www.w3.org/2003/InkML">
+  <inkml:definitions>
+    <inkml:context xml:id="ctx0">
+      <inkml:inkSource xml:id="inkSrc0">
+        <inkml:traceFormat>
+          <inkml:channel name="X" type="integer" min="-2.14748E9" max="2.14748E9" units="cm"/>
+          <inkml:channel name="Y" type="integer" min="-2.14748E9" max="2.14748E9" units="cm"/>
+          <inkml:channel name="F" type="integer" max="32767" units="dev"/>
+          <inkml:channel name="OA" type="integer" max="360" units="deg"/>
+          <inkml:channel name="OE" type="integer" max="90" units="deg"/>
+        </inkml:traceFormat>
+        <inkml:channelProperties>
+          <inkml:channelProperty channel="X" name="resolution" value="1000" units="1/cm"/>
+          <inkml:channelProperty channel="Y" name="resolution" value="1000" units="1/cm"/>
+          <inkml:channelProperty channel="F" name="resolution" value="0" units="1/dev"/>
+          <inkml:channelProperty channel="OA" name="resolution" value="1000" units="1/deg"/>
+          <inkml:channelProperty channel="OE" name="resolution" value="1000" units="1/deg"/>
+        </inkml:channelProperties>
+      </inkml:inkSource>
+      <inkml:timestamp xml:id="ts0" timeString="2021-01-22T20:00:54.821"/>
+    </inkml:context>
+    <inkml:brush xml:id="br0">
+      <inkml:brushProperty name="width" value="0.05" units="cm"/>
+      <inkml:brushProperty name="height" value="0.05" units="cm"/>
+      <inkml:brushProperty name="color" value="#004F8B"/>
+    </inkml:brush>
+  </inkml:definitions>
+  <inkml:trace contextRef="#ctx0" brushRef="#br0">261 1 16384 0 0,'-11'5'1249'0'0,"-3"-1"-730"0"0,-12 6-488 0 0,10 1 233 0 0,1-1-1 0 0,0 2 0 0 0,0 0 1 0 0,1 1-1 0 0,1 0 0 0 0,0 1 1 0 0,0 1-1 0 0,2 0 0 0 0,0 0 0 0 0,1 1 1 0 0,0 0-1 0 0,1 1 0 0 0,1 0 1 0 0,1 1-1 0 0,0 0 0 0 0,2 0 0 0 0,0 0 1 0 0,0 1-1 0 0,2-1 0 0 0,1 1 1 0 0,0 0-1 0 0,1 26 0 0 0,1-38-176 0 0,1-1-1 0 0,0 1 1 0 0,0-1-1 0 0,1 1 1 0 0,0-1-1 0 0,0 0 1 0 0,0 0 0 0 0,1 0-1 0 0,-1 0 1 0 0,2 0-1 0 0,4 7 1 0 0,-6-10-18 0 0,0-1 0 0 0,0 1 0 0 0,0-1 0 0 0,1 0 1 0 0,-1 0-1 0 0,1 0 0 0 0,0 0 0 0 0,-1 0 0 0 0,1 0 0 0 0,0-1 1 0 0,0 1-1 0 0,0-1 0 0 0,0 0 0 0 0,0 0 0 0 0,0 0 1 0 0,1 0-1 0 0,-1-1 0 0 0,0 1 0 0 0,0-1 0 0 0,1 0 0 0 0,-1 0 1 0 0,0 0-1 0 0,1 0 0 0 0,3-1 0 0 0,1-1-14 0 0,0-1 0 0 0,-1 1 0 0 0,1-1 0 0 0,-1-1 0 0 0,0 1 0 0 0,0-1 0 0 0,0-1 0 0 0,0 1-1 0 0,-1-1 1 0 0,0 0 0 0 0,7-8 0 0 0,1-1 59 0 0,0-1-1 0 0,-1 0 1 0 0,14-24-1 0 0,-16 22 39 0 0,0-1-1 0 0,-2 0 0 0 0,0-1 0 0 0,-1 1 0 0 0,-1-1 0 0 0,-1-1 0 0 0,0 0 0 0 0,-2 1 0 0 0,4-35 0 0 0,-5 15-1156 0 0,-1 21-1310 0 0,-1 1 0 0 0,0-1-1 0 0,-4-33 1 0 0</inkml:trace>
+</inkml:ink>
+</file>
+
+<file path=ppt/ink/ink36.xml><?xml version="1.0" encoding="utf-8"?>
+<inkml:ink xmlns:inkml="http://www.w3.org/2003/InkML">
+  <inkml:definitions>
+    <inkml:context xml:id="ctx0">
+      <inkml:inkSource xml:id="inkSrc0">
+        <inkml:traceFormat>
+          <inkml:channel name="X" type="integer" min="-2.14748E9" max="2.14748E9" units="cm"/>
+          <inkml:channel name="Y" type="integer" min="-2.14748E9" max="2.14748E9" units="cm"/>
+          <inkml:channel name="F" type="integer" max="32767" units="dev"/>
+          <inkml:channel name="OA" type="integer" max="360" units="deg"/>
+          <inkml:channel name="OE" type="integer" max="90" units="deg"/>
+        </inkml:traceFormat>
+        <inkml:channelProperties>
+          <inkml:channelProperty channel="X" name="resolution" value="1000" units="1/cm"/>
+          <inkml:channelProperty channel="Y" name="resolution" value="1000" units="1/cm"/>
+          <inkml:channelProperty channel="F" name="resolution" value="0" units="1/dev"/>
+          <inkml:channelProperty channel="OA" name="resolution" value="1000" units="1/deg"/>
+          <inkml:channelProperty channel="OE" name="resolution" value="1000" units="1/deg"/>
+        </inkml:channelProperties>
+      </inkml:inkSource>
+      <inkml:timestamp xml:id="ts0" timeString="2021-01-22T20:00:55.667"/>
+    </inkml:context>
+    <inkml:brush xml:id="br0">
+      <inkml:brushProperty name="width" value="0.05" units="cm"/>
+      <inkml:brushProperty name="height" value="0.05" units="cm"/>
+      <inkml:brushProperty name="color" value="#004F8B"/>
+    </inkml:brush>
+  </inkml:definitions>
+  <inkml:trace contextRef="#ctx0" brushRef="#br0">5 295 5064 0 0,'-2'10'347'0'0,"2"-9"31"0"0,-1 1 0 0 0,1-1 1 0 0,0 0-1 0 0,-1 1 0 0 0,1-1 1 0 0,0 0-1 0 0,0 0 0 0 0,0 1 1 0 0,0-1-1 0 0,0 1 0 0 0,0-1 0 0 0,0 0 1 0 0,0 0-1 0 0,0 1 0 0 0,1-1 1 0 0,-1 0-1 0 0,1 1 0 0 0,1 2 2690 0 0,12-10-1565 0 0,-9 1-1124 0 0,0-1-1 0 0,0 0 0 0 0,0 0 1 0 0,-1 0-1 0 0,0 0 0 0 0,4-11 0 0 0,12-23 1246 0 0,39-58 0 0 0,-38 65-1082 0 0,7-10 100 0 0,-15 25-377 0 0,-10 13-191 0 0,1 0 0 0 0,0-1 0 0 0,0 1 0 0 0,1 1 0 0 0,0-1 0 0 0,10-7 0 0 0,-15 12-70 0 0,0 0 0 0 0,0 0 0 0 0,1 0-1 0 0,-1 0 1 0 0,0 0 0 0 0,1 0 0 0 0,-1 0 0 0 0,0 0 0 0 0,1 0 0 0 0,-1 0 0 0 0,0 0 0 0 0,0 0-1 0 0,1 0 1 0 0,-1 0 0 0 0,0 0 0 0 0,0 0 0 0 0,1 0 0 0 0,-1 1 0 0 0,0-1 0 0 0,0 0 0 0 0,1 0-1 0 0,-1 0 1 0 0,0 0 0 0 0,0 1 0 0 0,0-1 0 0 0,1 0 0 0 0,-1 0 0 0 0,0 1 0 0 0,0-1 0 0 0,0 0-1 0 0,0 0 1 0 0,1 1 0 0 0,-1-1 0 0 0,0 0 0 0 0,0 1 0 0 0,1 2-3 0 0,1 0 1 0 0,-1 1-1 0 0,0-1 1 0 0,0 1-1 0 0,0-1 0 0 0,-1 1 1 0 0,1-1-1 0 0,-1 1 1 0 0,0 3-1 0 0,-2 37-1 0 0,0-26 10 0 0,-6 35 45 0 0,5-41-46 0 0,1 0 0 0 0,0 0 0 0 0,1 0 0 0 0,1 0-1 0 0,0 0 1 0 0,1 14 0 0 0,5-12-19 0 0,-6-13 9 0 0,0-1-1 0 0,0 0 1 0 0,1 0 0 0 0,-1 0 0 0 0,0 1 0 0 0,1-1 0 0 0,-1 0 0 0 0,0 0 0 0 0,1 0 0 0 0,-1 0 0 0 0,0 0 0 0 0,1 0 0 0 0,-1 1 0 0 0,0-1 0 0 0,1 0 0 0 0,-1 0 0 0 0,1 0 0 0 0,-1 0 0 0 0,0 0 0 0 0,1 0 0 0 0,-1-1-1 0 0,0 1 1 0 0,1 0 0 0 0,-1 0 0 0 0,0 0 0 0 0,1 0 0 0 0,-1 0 0 0 0,0 0 0 0 0,1-1 0 0 0,-1 1 0 0 0,0 0 0 0 0,1-1 0 0 0,10-6-18 0 0,6-10 32 0 0,-1 0 0 0 0,-1-2 0 0 0,14-20 0 0 0,-7 9 27 0 0,4-7 188 0 0,-14 19 97 0 0,1 1 0 0 0,18-20 0 0 0,-10 19 4 0 0,-19 19-310 0 0,-1 1 0 0 0,1-1-1 0 0,-1 1 1 0 0,0 0 0 0 0,0-1-1 0 0,1 1 1 0 0,0 3 0 0 0,0 2-10 0 0,0-1 0 0 0,-1 1 0 0 0,0 0 0 0 0,0 0 1 0 0,0 0-1 0 0,-1 0 0 0 0,0 0 0 0 0,-2 11 0 0 0,1-4-17 0 0,-3 39-18 0 0,2-35-379 0 0,0 0 1 0 0,1 1-1 0 0,1-1 0 0 0,1 1 0 0 0,5 32 1 0 0,-6-50 68 0 0,0 0 0 0 0,1-1 0 0 0,-1 1 1 0 0,0 0-1 0 0,0-1 0 0 0,0 1 0 0 0,1-1 1 0 0,-1 1-1 0 0,0 0 0 0 0,1-1 0 0 0,-1 1 1 0 0,0-1-1 0 0,1 1 0 0 0,-1-1 0 0 0,1 1 0 0 0,-1-1 1 0 0,1 1-1 0 0,-1-1 0 0 0,1 0 0 0 0,-1 1 1 0 0,1-1-1 0 0,0 1 0 0 0</inkml:trace>
+</inkml:ink>
+</file>
+
+<file path=ppt/ink/ink37.xml><?xml version="1.0" encoding="utf-8"?>
+<inkml:ink xmlns:inkml="http://www.w3.org/2003/InkML">
+  <inkml:definitions>
+    <inkml:context xml:id="ctx0">
+      <inkml:inkSource xml:id="inkSrc0">
+        <inkml:traceFormat>
+          <inkml:channel name="X" type="integer" min="-2.14748E9" max="2.14748E9" units="cm"/>
+          <inkml:channel name="Y" type="integer" min="-2.14748E9" max="2.14748E9" units="cm"/>
+          <inkml:channel name="F" type="integer" max="32767" units="dev"/>
+          <inkml:channel name="OA" type="integer" max="360" units="deg"/>
+          <inkml:channel name="OE" type="integer" max="90" units="deg"/>
+        </inkml:traceFormat>
+        <inkml:channelProperties>
+          <inkml:channelProperty channel="X" name="resolution" value="1000" units="1/cm"/>
+          <inkml:channelProperty channel="Y" name="resolution" value="1000" units="1/cm"/>
+          <inkml:channelProperty channel="F" name="resolution" value="0" units="1/dev"/>
+          <inkml:channelProperty channel="OA" name="resolution" value="1000" units="1/deg"/>
+          <inkml:channelProperty channel="OE" name="resolution" value="1000" units="1/deg"/>
+        </inkml:channelProperties>
+      </inkml:inkSource>
+      <inkml:timestamp xml:id="ts0" timeString="2021-01-22T20:00:56.023"/>
+    </inkml:context>
+    <inkml:brush xml:id="br0">
+      <inkml:brushProperty name="width" value="0.05" units="cm"/>
+      <inkml:brushProperty name="height" value="0.05" units="cm"/>
+      <inkml:brushProperty name="color" value="#004F8B"/>
+    </inkml:brush>
+  </inkml:definitions>
+  <inkml:trace contextRef="#ctx0" brushRef="#br0">76 302 11056 0 0,'0'0'852'0'0,"-5"13"-342"0"0,-2 7 1756 0 0,-12 43 964 0 0,-4 33-2525 0 0,7-16-557 0 0,10-13-2198 0 0,6-52-3995 0 0</inkml:trace>
+  <inkml:trace contextRef="#ctx0" brushRef="#br0" timeOffset="1">218 1 9216 0 0,'0'0'896'0'0,"-7"0"-800"0"0,2 3-96 0 0,-3 1 608 0 0,5 6 96 0 0,-4 1 16 0 0</inkml:trace>
+</inkml:ink>
+</file>
+
+<file path=ppt/ink/ink38.xml><?xml version="1.0" encoding="utf-8"?>
+<inkml:ink xmlns:inkml="http://www.w3.org/2003/InkML">
+  <inkml:definitions>
+    <inkml:context xml:id="ctx0">
+      <inkml:inkSource xml:id="inkSrc0">
+        <inkml:traceFormat>
+          <inkml:channel name="X" type="integer" min="-2.14748E9" max="2.14748E9" units="cm"/>
+          <inkml:channel name="Y" type="integer" min="-2.14748E9" max="2.14748E9" units="cm"/>
+          <inkml:channel name="F" type="integer" max="32767" units="dev"/>
+          <inkml:channel name="OA" type="integer" max="360" units="deg"/>
+          <inkml:channel name="OE" type="integer" max="90" units="deg"/>
+        </inkml:traceFormat>
+        <inkml:channelProperties>
+          <inkml:channelProperty channel="X" name="resolution" value="1000" units="1/cm"/>
+          <inkml:channelProperty channel="Y" name="resolution" value="1000" units="1/cm"/>
+          <inkml:channelProperty channel="F" name="resolution" value="0" units="1/dev"/>
+          <inkml:channelProperty channel="OA" name="resolution" value="1000" units="1/deg"/>
+          <inkml:channelProperty channel="OE" name="resolution" value="1000" units="1/deg"/>
+        </inkml:channelProperties>
+      </inkml:inkSource>
+      <inkml:timestamp xml:id="ts0" timeString="2021-01-22T20:00:56.351"/>
+    </inkml:context>
+    <inkml:brush xml:id="br0">
+      <inkml:brushProperty name="width" value="0.05" units="cm"/>
+      <inkml:brushProperty name="height" value="0.05" units="cm"/>
+      <inkml:brushProperty name="color" value="#004F8B"/>
+    </inkml:brush>
+  </inkml:definitions>
+  <inkml:trace contextRef="#ctx0" brushRef="#br0">6 313 6448 0 0,'-1'-1'6110'0'0,"-2"-9"-3760"0"0,2 0-1542 0 0,1 0 0 0 0,0 0 1 0 0,0 0-1 0 0,1-1 0 0 0,3-15 1 0 0,-2 10-256 0 0,35-166 3251 0 0,-36 174-3692 0 0,-1 7-86 0 0,0-1 1 0 0,0 1 0 0 0,0-1 0 0 0,0 1 0 0 0,1-1 0 0 0,-1 1 0 0 0,0-1 0 0 0,1 1 0 0 0,0-1 0 0 0,0-1 0 0 0,3 29 49 0 0,-5 10-76 0 0,3 58 0 0 0,-1-78 0 0 0,0 0 0 0 0,2 0 0 0 0,7 26 0 0 0,-8-36 25 0 0,-1-1 54 0 0,0 0 1 0 0,1 0-1 0 0,0-1 0 0 0,4 9 1 0 0,-5-12-72 0 0,-1-1 0 0 0,0 1 0 0 0,1-1 0 0 0,-1 1 0 0 0,0-1 0 0 0,1 1 0 0 0,-1-1 0 0 0,1 1 0 0 0,-1-1 0 0 0,1 1 0 0 0,-1-1 0 0 0,1 0 1 0 0,-1 1-1 0 0,1-1 0 0 0,0 0 0 0 0,-1 0 0 0 0,1 1 0 0 0,-1-1 0 0 0,1 0 0 0 0,0 0 0 0 0,-1 0 0 0 0,1 0 0 0 0,0 0 0 0 0,-1 0 0 0 0,1 0 0 0 0,0 0 0 0 0,-1 0 0 0 0,1 0 0 0 0,-1 0 0 0 0,1 0 0 0 0,0 0 0 0 0,-1 0 1 0 0,1-1-1 0 0,0 1 0 0 0,-1 0 0 0 0,1 0 0 0 0,-1-1 0 0 0,1 1 0 0 0,-1 0 0 0 0,1-1 0 0 0,-1 1 0 0 0,1-1 0 0 0,-1 1 0 0 0,1-1 0 0 0,-1 1 0 0 0,1-1 0 0 0,-1 0 0 0 0,13-13 233 0 0,-1-1 0 0 0,16-25 0 0 0,-8 10-276 0 0,33-57-2763 0 0,-44 74 1508 0 0</inkml:trace>
+</inkml:ink>
+</file>
+
+<file path=ppt/ink/ink39.xml><?xml version="1.0" encoding="utf-8"?>
+<inkml:ink xmlns:inkml="http://www.w3.org/2003/InkML">
+  <inkml:definitions>
+    <inkml:context xml:id="ctx0">
+      <inkml:inkSource xml:id="inkSrc0">
+        <inkml:traceFormat>
+          <inkml:channel name="X" type="integer" min="-2.14748E9" max="2.14748E9" units="cm"/>
+          <inkml:channel name="Y" type="integer" min="-2.14748E9" max="2.14748E9" units="cm"/>
+          <inkml:channel name="F" type="integer" max="32767" units="dev"/>
+          <inkml:channel name="OA" type="integer" max="360" units="deg"/>
+          <inkml:channel name="OE" type="integer" max="90" units="deg"/>
+        </inkml:traceFormat>
+        <inkml:channelProperties>
+          <inkml:channelProperty channel="X" name="resolution" value="1000" units="1/cm"/>
+          <inkml:channelProperty channel="Y" name="resolution" value="1000" units="1/cm"/>
+          <inkml:channelProperty channel="F" name="resolution" value="0" units="1/dev"/>
+          <inkml:channelProperty channel="OA" name="resolution" value="1000" units="1/deg"/>
+          <inkml:channelProperty channel="OE" name="resolution" value="1000" units="1/deg"/>
+        </inkml:channelProperties>
+      </inkml:inkSource>
+      <inkml:timestamp xml:id="ts0" timeString="2021-01-22T20:00:56.756"/>
+    </inkml:context>
+    <inkml:brush xml:id="br0">
+      <inkml:brushProperty name="width" value="0.05" units="cm"/>
+      <inkml:brushProperty name="height" value="0.05" units="cm"/>
+      <inkml:brushProperty name="color" value="#004F8B"/>
+    </inkml:brush>
+  </inkml:definitions>
+  <inkml:trace contextRef="#ctx0" brushRef="#br0">102 20 8752 0 0,'-13'0'1233'0'0,"10"0"-458"0"0,0 0 1 0 0,0 0-1 0 0,0 0 1 0 0,0 0-1 0 0,0 0 0 0 0,-5 2 1 0 0,7-1-647 0 0,-1-1-1 0 0,1 1 1 0 0,0 0 0 0 0,-1 0 0 0 0,1 0 0 0 0,0 0-1 0 0,-1 0 1 0 0,1 0 0 0 0,0 1 0 0 0,0-1 0 0 0,0 0-1 0 0,0 0 1 0 0,0 1 0 0 0,-1 2 0 0 0,-6 12 5 0 0,1 0 0 0 0,1 0 0 0 0,1 1 0 0 0,0-1 0 0 0,2 1 0 0 0,-1 1 0 0 0,2-1 0 0 0,0 20 0 0 0,1-30-9 0 0,1-1 0 0 0,0 1-1 0 0,0 0 1 0 0,1-1-1 0 0,0 1 1 0 0,0 0-1 0 0,1-1 1 0 0,0 1 0 0 0,0-1-1 0 0,0 0 1 0 0,1 1-1 0 0,0-1 1 0 0,5 8-1 0 0,-7-12-83 0 0,0-1 0 0 0,0 0 0 0 0,0 0-1 0 0,1 0 1 0 0,-1 0 0 0 0,0 0 0 0 0,0 0-1 0 0,1 0 1 0 0,-1-1 0 0 0,0 1 0 0 0,1 0-1 0 0,-1-1 1 0 0,1 1 0 0 0,-1-1-1 0 0,1 1 1 0 0,-1-1 0 0 0,1 0 0 0 0,2 1-1 0 0,-1-2 11 0 0,-1 1 0 0 0,1 0-1 0 0,0-1 1 0 0,-1 1-1 0 0,1-1 1 0 0,-1 0 0 0 0,1 0-1 0 0,-1 0 1 0 0,1 0 0 0 0,2-2-1 0 0,1-1 66 0 0,0 0-1 0 0,0-1 1 0 0,-1 1 0 0 0,0-1-1 0 0,1-1 1 0 0,7-10-1 0 0,-6 5 49 0 0,-1-1-1 0 0,0 1 1 0 0,7-20 0 0 0,1-2 161 0 0,56-124 2187 0 0,-68 153-2379 0 0,-2 3-115 0 0,0 1 1 0 0,0-1 0 0 0,0 1-1 0 0,1-1 1 0 0,-1 0-1 0 0,0 1 1 0 0,0-1-1 0 0,1 1 1 0 0,-1-1-1 0 0,0 1 1 0 0,1 0-1 0 0,-1-1 1 0 0,0 1-1 0 0,1-1 1 0 0,-1 1-1 0 0,1 0 1 0 0,-1-1-1 0 0,1 1 1 0 0,-1 0-1 0 0,0-1 1 0 0,1 1-1 0 0,0 0 1 0 0,-1-1-1 0 0,1 1 1 0 0,-1 0-1 0 0,1 0 1 0 0,-1 0-1 0 0,1 0 1 0 0,0 0-1 0 0,-1 15 100 0 0,-7 88-44 0 0,6-91-100 0 0,-2 51 73 0 0,3-56-138 0 0,1 1 0 0 0,0-1 0 0 0,0 0 0 0 0,1 1 0 0 0,-1-1 0 0 0,5 10 0 0 0,-6-17-8 0 0,1 1-1 0 0,-1 0 1 0 0,0-1-1 0 0,1 1 1 0 0,-1 0 0 0 0,1-1-1 0 0,-1 1 1 0 0,0-1-1 0 0,1 1 1 0 0,0-1-1 0 0,-1 1 1 0 0,1-1 0 0 0,-1 1-1 0 0,1-1 1 0 0,-1 1-1 0 0,1-1 1 0 0,0 0-1 0 0,-1 1 1 0 0,1-1 0 0 0,0 0-1 0 0,-1 0 1 0 0,1 0-1 0 0,0 1 1 0 0,0-1-1 0 0,-1 0 1 0 0,1 0 0 0 0,0 0-1 0 0,0 0 1 0 0,-1 0-1 0 0,1 0 1 0 0,0 0-1 0 0,1-1 1 0 0,11-3-1588 0 0</inkml:trace>
+</inkml:ink>
+</file>
+
+<file path=ppt/ink/ink4.xml><?xml version="1.0" encoding="utf-8"?>
+<inkml:ink xmlns:inkml="http://www.w3.org/2003/InkML">
+  <inkml:definitions>
+    <inkml:context xml:id="ctx0">
+      <inkml:inkSource xml:id="inkSrc0">
+        <inkml:traceFormat>
+          <inkml:channel name="X" type="integer" min="-2.14748E9" max="2.14748E9" units="cm"/>
+          <inkml:channel name="Y" type="integer" min="-2.14748E9" max="2.14748E9" units="cm"/>
+          <inkml:channel name="F" type="integer" max="32767" units="dev"/>
+          <inkml:channel name="OA" type="integer" max="360" units="deg"/>
+          <inkml:channel name="OE" type="integer" max="90" units="deg"/>
+        </inkml:traceFormat>
+        <inkml:channelProperties>
+          <inkml:channelProperty channel="X" name="resolution" value="1000" units="1/cm"/>
+          <inkml:channelProperty channel="Y" name="resolution" value="1000" units="1/cm"/>
+          <inkml:channelProperty channel="F" name="resolution" value="0" units="1/dev"/>
+          <inkml:channelProperty channel="OA" name="resolution" value="1000" units="1/deg"/>
+          <inkml:channelProperty channel="OE" name="resolution" value="1000" units="1/deg"/>
+        </inkml:channelProperties>
+      </inkml:inkSource>
+      <inkml:timestamp xml:id="ts0" timeString="2021-01-22T20:00:38.626"/>
+    </inkml:context>
+    <inkml:brush xml:id="br0">
+      <inkml:brushProperty name="width" value="0.05" units="cm"/>
+      <inkml:brushProperty name="height" value="0.05" units="cm"/>
+      <inkml:brushProperty name="color" value="#004F8B"/>
+    </inkml:brush>
+  </inkml:definitions>
+  <inkml:trace contextRef="#ctx0" brushRef="#br0">4 81 7832 0 0,'-4'0'13943'0'0,"11"-3"-11905"0"0,35-12 689 0 0,-28 10-2300 0 0,-1 0 0 0 0,22-4 1 0 0,32-9 329 0 0,-49 12-718 0 0,1 1 0 0 0,37-5 0 0 0,-48 10-193 0 0,-5 0-459 0 0,1 0 0 0 0,-1-1 0 0 0,0 1 0 0 0,0-1-1 0 0,6-1 1 0 0</inkml:trace>
+</inkml:ink>
+</file>
+
+<file path=ppt/ink/ink40.xml><?xml version="1.0" encoding="utf-8"?>
+<inkml:ink xmlns:inkml="http://www.w3.org/2003/InkML">
+  <inkml:definitions>
+    <inkml:context xml:id="ctx0">
+      <inkml:inkSource xml:id="inkSrc0">
+        <inkml:traceFormat>
+          <inkml:channel name="X" type="integer" min="-2.14748E9" max="2.14748E9" units="cm"/>
+          <inkml:channel name="Y" type="integer" min="-2.14748E9" max="2.14748E9" units="cm"/>
+          <inkml:channel name="F" type="integer" max="32767" units="dev"/>
+          <inkml:channel name="OA" type="integer" max="360" units="deg"/>
+          <inkml:channel name="OE" type="integer" max="90" units="deg"/>
+        </inkml:traceFormat>
+        <inkml:channelProperties>
+          <inkml:channelProperty channel="X" name="resolution" value="1000" units="1/cm"/>
+          <inkml:channelProperty channel="Y" name="resolution" value="1000" units="1/cm"/>
+          <inkml:channelProperty channel="F" name="resolution" value="0" units="1/dev"/>
+          <inkml:channelProperty channel="OA" name="resolution" value="1000" units="1/deg"/>
+          <inkml:channelProperty channel="OE" name="resolution" value="1000" units="1/deg"/>
+        </inkml:channelProperties>
+      </inkml:inkSource>
+      <inkml:timestamp xml:id="ts0" timeString="2021-01-22T20:00:57.177"/>
+    </inkml:context>
+    <inkml:brush xml:id="br0">
+      <inkml:brushProperty name="width" value="0.05" units="cm"/>
+      <inkml:brushProperty name="height" value="0.05" units="cm"/>
+      <inkml:brushProperty name="color" value="#004F8B"/>
+    </inkml:brush>
+  </inkml:definitions>
+  <inkml:trace contextRef="#ctx0" brushRef="#br0">7 84 6448 0 0,'3'-50'1074'0'0,"-3"40"420"0"0,1-13 11022 0 0,-2 36-11193 0 0,-4 68-323 0 0,1-19-589 0 0,6 97 0 0 0,-1-127-363 0 0,1 23-29 0 0,2-1 0 0 0,3 1 0 0 0,19 77 0 0 0,-25-129-306 0 0,9 26-148 0 0,-2-12-7046 0 0</inkml:trace>
+</inkml:ink>
+</file>
+
+<file path=ppt/ink/ink41.xml><?xml version="1.0" encoding="utf-8"?>
+<inkml:ink xmlns:inkml="http://www.w3.org/2003/InkML">
+  <inkml:definitions>
+    <inkml:context xml:id="ctx0">
+      <inkml:inkSource xml:id="inkSrc0">
+        <inkml:traceFormat>
+          <inkml:channel name="X" type="integer" min="-2.14748E9" max="2.14748E9" units="cm"/>
+          <inkml:channel name="Y" type="integer" min="-2.14748E9" max="2.14748E9" units="cm"/>
+          <inkml:channel name="F" type="integer" max="32767" units="dev"/>
+          <inkml:channel name="OA" type="integer" max="360" units="deg"/>
+          <inkml:channel name="OE" type="integer" max="90" units="deg"/>
+        </inkml:traceFormat>
+        <inkml:channelProperties>
+          <inkml:channelProperty channel="X" name="resolution" value="1000" units="1/cm"/>
+          <inkml:channelProperty channel="Y" name="resolution" value="1000" units="1/cm"/>
+          <inkml:channelProperty channel="F" name="resolution" value="0" units="1/dev"/>
+          <inkml:channelProperty channel="OA" name="resolution" value="1000" units="1/deg"/>
+          <inkml:channelProperty channel="OE" name="resolution" value="1000" units="1/deg"/>
+        </inkml:channelProperties>
+      </inkml:inkSource>
+      <inkml:timestamp xml:id="ts0" timeString="2021-01-22T20:00:57.618"/>
+    </inkml:context>
+    <inkml:brush xml:id="br0">
+      <inkml:brushProperty name="width" value="0.05" units="cm"/>
+      <inkml:brushProperty name="height" value="0.05" units="cm"/>
+      <inkml:brushProperty name="color" value="#004F8B"/>
+    </inkml:brush>
+  </inkml:definitions>
+  <inkml:trace contextRef="#ctx0" brushRef="#br0">9 88 13824 0 0,'-8'0'8121'0'0,"14"2"-6843"0"0,0 1-1110 0 0,-1-1 0 0 0,1-1 0 0 0,-1 1 0 0 0,1-1-1 0 0,0 0 1 0 0,0 0 0 0 0,-1 0 0 0 0,1-1 0 0 0,0 0-1 0 0,9-1 1 0 0,8-2-31 0 0,32-8 0 0 0,-11 1-105 0 0,-20 7-1664 0 0,42-1-1 0 0,-46 4-6397 0 0</inkml:trace>
+  <inkml:trace contextRef="#ctx0" brushRef="#br0" timeOffset="1">392 218 11056 0 0,'0'0'852'0'0,"4"-6"-528"0"0,22-32 6758 0 0,-5-5-3863 0 0,-18 35-3034 0 0,0 1 1 0 0,-1-1-1 0 0,0 1 0 0 0,0-1 1 0 0,-1 0-1 0 0,0 0 0 0 0,0 0 0 0 0,-1 0 1 0 0,-1-15-1 0 0,1 21-169 0 0,0 1 0 0 0,0-1 0 0 0,0 1 0 0 0,0-1 1 0 0,-1 1-1 0 0,1-1 0 0 0,-1 1 0 0 0,1-1 0 0 0,-1 1 0 0 0,1-1 0 0 0,-1 1 0 0 0,0-1 1 0 0,0 1-1 0 0,0 0 0 0 0,0 0 0 0 0,0-1 0 0 0,0 1 0 0 0,0 0 0 0 0,0 0 0 0 0,0 0 1 0 0,0 0-1 0 0,-1 0 0 0 0,1 0 0 0 0,0 0 0 0 0,-1 1 0 0 0,1-1 0 0 0,0 0 0 0 0,-1 1 1 0 0,1-1-1 0 0,-1 1 0 0 0,0-1 0 0 0,1 1 0 0 0,-1 0 0 0 0,1 0 0 0 0,-1 0 0 0 0,1 0 1 0 0,-1 0-1 0 0,1 0 0 0 0,-1 0 0 0 0,0 0 0 0 0,1 1 0 0 0,-3-1 0 0 0,0 2 75 0 0,-1-1-1 0 0,0 1 1 0 0,1 0-1 0 0,-1 0 1 0 0,1 1 0 0 0,-1-1-1 0 0,1 1 1 0 0,0 0-1 0 0,0 0 1 0 0,0 0-1 0 0,1 1 1 0 0,-5 4 0 0 0,3-1-16 0 0,-1 1 1 0 0,1 1 0 0 0,1-1 0 0 0,-1 1 0 0 0,2-1 0 0 0,-1 1 0 0 0,1 0 0 0 0,0 1 0 0 0,1-1 0 0 0,0 0 0 0 0,1 1 0 0 0,0-1 0 0 0,0 1-1 0 0,1 0 1 0 0,0-1 0 0 0,0 1 0 0 0,3 11 0 0 0,-1-16-200 0 0,0 0 0 0 0,0-1-1 0 0,0 1 1 0 0,0-1 0 0 0,1 0-1 0 0,-1 1 1 0 0,1-1 0 0 0,0-1 0 0 0,0 1-1 0 0,1 0 1 0 0,-1-1 0 0 0,1 1-1 0 0,0-1 1 0 0,0 0 0 0 0,0 0-1 0 0,0-1 1 0 0,7 4 0 0 0,-2-2-645 0 0,1 0 1 0 0,0 0-1 0 0,0-1 0 0 0,0 0 1 0 0,1-1-1 0 0,-1 0 0 0 0,13 1 1 0 0,0-3-7509 0 0</inkml:trace>
+</inkml:ink>
+</file>
+
+<file path=ppt/ink/ink42.xml><?xml version="1.0" encoding="utf-8"?>
+<inkml:ink xmlns:inkml="http://www.w3.org/2003/InkML">
+  <inkml:definitions>
+    <inkml:context xml:id="ctx0">
+      <inkml:inkSource xml:id="inkSrc0">
+        <inkml:traceFormat>
+          <inkml:channel name="X" type="integer" min="-2.14748E9" max="2.14748E9" units="cm"/>
+          <inkml:channel name="Y" type="integer" min="-2.14748E9" max="2.14748E9" units="cm"/>
+          <inkml:channel name="F" type="integer" max="32767" units="dev"/>
+          <inkml:channel name="OA" type="integer" max="360" units="deg"/>
+          <inkml:channel name="OE" type="integer" max="90" units="deg"/>
+        </inkml:traceFormat>
+        <inkml:channelProperties>
+          <inkml:channelProperty channel="X" name="resolution" value="1000" units="1/cm"/>
+          <inkml:channelProperty channel="Y" name="resolution" value="1000" units="1/cm"/>
+          <inkml:channelProperty channel="F" name="resolution" value="0" units="1/dev"/>
+          <inkml:channelProperty channel="OA" name="resolution" value="1000" units="1/deg"/>
+          <inkml:channelProperty channel="OE" name="resolution" value="1000" units="1/deg"/>
+        </inkml:channelProperties>
+      </inkml:inkSource>
+      <inkml:timestamp xml:id="ts0" timeString="2021-01-22T20:01:40.423"/>
+    </inkml:context>
+    <inkml:brush xml:id="br0">
+      <inkml:brushProperty name="width" value="0.05" units="cm"/>
+      <inkml:brushProperty name="height" value="0.05" units="cm"/>
+      <inkml:brushProperty name="color" value="#004F8B"/>
+    </inkml:brush>
+  </inkml:definitions>
+  <inkml:trace contextRef="#ctx0" brushRef="#br0">109 0 7832 0 0,'-51'1'2823'0'0,"1"0"4097"0"0,49-1-6815 0 0,1 0 0 0 0,0 0-1 0 0,0 0 1 0 0,-1 0 0 0 0,1 0-1 0 0,0 0 1 0 0,0 0-1 0 0,-1 0 1 0 0,1 0 0 0 0,0 0-1 0 0,0 0 1 0 0,-1 0 0 0 0,1 1-1 0 0,0-1 1 0 0,0 0-1 0 0,0 0 1 0 0,-1 0 0 0 0,1 0-1 0 0,0 0 1 0 0,0 0 0 0 0,0 0-1 0 0,-1 1 1 0 0,1-1-1 0 0,0 0 1 0 0,0 0 0 0 0,0 0-1 0 0,0 1 1 0 0,-1-1 0 0 0,1 0-1 0 0,0 0 1 0 0,0 0-1 0 0,0 1 1 0 0,0-1 0 0 0,0 0-1 0 0,0 0 1 0 0,0 0 0 0 0,0 1-1 0 0,0-1 1 0 0,0 0-1 0 0,0 1 1 0 0,3 8 1397 0 0,-3-8-782 0 0,13 12 504 0 0,-5-8-1078 0 0,-1-1 1 0 0,1 0-1 0 0,0-1 0 0 0,0 1 0 0 0,0-2 0 0 0,0 1 0 0 0,1-1 1 0 0,-1 0-1 0 0,1-1 0 0 0,16 1 0 0 0,-8-1-45 0 0,23 3-1 0 0,2 2 35 0 0,25 3 56 0 0,-22-1-91 0 0,113 8 33 0 0,163-5 0 0 0,-17 3-43 0 0,-211-8-52 0 0,207 4 81 0 0,-189-8-22 0 0,343-10 554 0 0,-384 4-513 0 0,586-18 412 0 0,-498 20-422 0 0,154 4 419 0 0,100 5 325 0 0,-398-7-827 0 0,154-5 539 0 0,-166 4-573 0 0,7 1 53 0 0,-1 0 0 0 0,1-1 0 0 0,0-1 0 0 0,-1 1 0 0 0,9-4 0 0 0,-17 5-49 0 0,1-1 0 0 0,-1 1 1 0 0,0 0-1 0 0,1-1 1 0 0,-1 1-1 0 0,0 0 0 0 0,0-1 1 0 0,0 1-1 0 0,0 0 1 0 0,1-1-1 0 0,-1 1 0 0 0,0-1 1 0 0,0 1-1 0 0,0 0 1 0 0,0-1-1 0 0,0 1 0 0 0,0-1 1 0 0,0 1-1 0 0,0 0 1 0 0,0-1-1 0 0,0 1 0 0 0,0-1 1 0 0,0 1-1 0 0,0 0 1 0 0,0-1-1 0 0,0 1 0 0 0,-1-1 1 0 0,1 1-1 0 0,0 0 1 0 0,0-1-1 0 0,0 1 0 0 0,-1 0 1 0 0,1-1-1 0 0,0 1 1 0 0,0 0-1 0 0,-1-1 0 0 0,1 1 1 0 0,0 0-1 0 0,-1-1 1 0 0,0 1 32 0 0,-4-5-22 0 0,0 3-82 0 0,3 3-383 0 0,0 0 1 0 0,1 0-1 0 0,-1 0 0 0 0,1 0 0 0 0,-1 0 0 0 0,1 0 0 0 0,-1 1 0 0 0,1-1 0 0 0,0 1 0 0 0,-2 1 0 0 0</inkml:trace>
+</inkml:ink>
+</file>
+
+<file path=ppt/ink/ink43.xml><?xml version="1.0" encoding="utf-8"?>
+<inkml:ink xmlns:inkml="http://www.w3.org/2003/InkML">
+  <inkml:definitions>
+    <inkml:context xml:id="ctx0">
+      <inkml:inkSource xml:id="inkSrc0">
+        <inkml:traceFormat>
+          <inkml:channel name="X" type="integer" min="-2.14748E9" max="2.14748E9" units="cm"/>
+          <inkml:channel name="Y" type="integer" min="-2.14748E9" max="2.14748E9" units="cm"/>
+          <inkml:channel name="F" type="integer" max="32767" units="dev"/>
+          <inkml:channel name="OA" type="integer" max="360" units="deg"/>
+          <inkml:channel name="OE" type="integer" max="90" units="deg"/>
+        </inkml:traceFormat>
+        <inkml:channelProperties>
+          <inkml:channelProperty channel="X" name="resolution" value="1000" units="1/cm"/>
+          <inkml:channelProperty channel="Y" name="resolution" value="1000" units="1/cm"/>
+          <inkml:channelProperty channel="F" name="resolution" value="0" units="1/dev"/>
+          <inkml:channelProperty channel="OA" name="resolution" value="1000" units="1/deg"/>
+          <inkml:channelProperty channel="OE" name="resolution" value="1000" units="1/deg"/>
+        </inkml:channelProperties>
+      </inkml:inkSource>
+      <inkml:timestamp xml:id="ts0" timeString="2021-01-22T20:02:10.219"/>
+    </inkml:context>
+    <inkml:brush xml:id="br0">
+      <inkml:brushProperty name="width" value="0.05" units="cm"/>
+      <inkml:brushProperty name="height" value="0.05" units="cm"/>
+      <inkml:brushProperty name="color" value="#004F8B"/>
+    </inkml:brush>
+  </inkml:definitions>
+  <inkml:trace contextRef="#ctx0" brushRef="#br0">133 280 2760 0 0,'0'0'125'0'0,"-2"0"-3"0"0,-21 5 284 0 0,19-5 159 0 0,0 1 0 0 0,0-1 1 0 0,-1 0-1 0 0,1 0 0 0 0,0 0 0 0 0,-1-1 0 0 0,1 0 0 0 0,0 1 0 0 0,0-1 0 0 0,0-1 0 0 0,-4-1 0 0 0,-7 1 508 0 0,14 2-1039 0 0,0 0-1 0 0,1 0 1 0 0,-1 0 0 0 0,0 0 0 0 0,0 0 0 0 0,1-1 0 0 0,-1 1 0 0 0,0 0 0 0 0,0 0 0 0 0,1 0 0 0 0,-1-1 0 0 0,0 1-1 0 0,1 0 1 0 0,-1-1 0 0 0,0 1 0 0 0,1 0 0 0 0,-1-1 0 0 0,0 1 0 0 0,1-1 0 0 0,-1 1 0 0 0,1-1 0 0 0,-1 0-1 0 0,1 1 1 0 0,-1-1 0 0 0,1 1 0 0 0,-1-1 0 0 0,1 0 0 0 0,0 1 0 0 0,-1-1 0 0 0,1 0 0 0 0,0-1 0 0 0,-19-27 13405 0 0,23 27-11184 0 0,0 1-3006 0 0,22-11 1390 0 0,-22 9-522 0 0,1 0 1 0 0,-1 1-1 0 0,1 0 1 0 0,0 0 0 0 0,10-2-1 0 0,-7 2-40 0 0,-6 2-29 0 0,0-1 1 0 0,-1 1 0 0 0,1 0-1 0 0,0-1 1 0 0,0 1-1 0 0,0 0 1 0 0,0 0 0 0 0,0 0-1 0 0,0 0 1 0 0,0 1-1 0 0,-1-1 1 0 0,1 0 0 0 0,0 1-1 0 0,0-1 1 0 0,0 1-1 0 0,0 0 1 0 0,-1-1 0 0 0,3 3-1 0 0,-2-2-64 0 0,0 0 0 0 0,0-1 0 0 0,0 1-1 0 0,0 0 1 0 0,0-1 0 0 0,0 1 0 0 0,0-1 0 0 0,0 0 0 0 0,4 1 0 0 0,15 3 72 0 0,-11-1 28 0 0,0 1 1 0 0,0-1 0 0 0,0-1-1 0 0,0 0 1 0 0,22 1 0 0 0,81 5-333 0 0,-104-8 353 0 0,1-1 0 0 0,0 0 0 0 0,0 0 0 0 0,0 0 0 0 0,-1-2 0 0 0,1 1 0 0 0,-1-1 0 0 0,1 0 0 0 0,13-8 0 0 0,-1 1-49 0 0,1 1 0 0 0,0 1 0 0 0,27-6-1 0 0,73-9 53 0 0,-90 16-86 0 0,22-2 31 0 0,18-3 221 0 0,-25 2-103 0 0,-13 7-285 0 0,53 1 1 0 0,-16 1 116 0 0,36 1-3 0 0,-42 1 0 0 0,58-10 254 0 0,-31 0-340 0 0,-38 5 69 0 0,33-1 18 0 0,73-3 63 0 0,-24 15-20 0 0,-54-2-24 0 0,297 1 499 0 0,-319-6-482 0 0,22-6 163 0 0,-77 6-179 0 0,1-1 1 0 0,0-1-1 0 0,-1 1 1 0 0,0-1-1 0 0,1 0 1 0 0,-1 0-1 0 0,0-1 1 0 0,10-5-1 0 0,-15 7-17 0 0,1 0 0 0 0,-1 0-1 0 0,0 0 1 0 0,0 0-1 0 0,0 0 1 0 0,0 0-1 0 0,0 0 1 0 0,0-1 0 0 0,0 1-1 0 0,-1 0 1 0 0,1-1-1 0 0,0 1 1 0 0,-1 0 0 0 0,1-1-1 0 0,-1 1 1 0 0,1-1-1 0 0,-1-2 1 0 0,2-1-2 0 0,-2 1-2 0 0,-1 3-51 0 0,0-1 1 0 0,0 1-1 0 0,0 0 0 0 0,0-1 1 0 0,0 1-1 0 0,0 0 0 0 0,-1 0 0 0 0,1 0 1 0 0,0 0-1 0 0,-1 0 0 0 0,1 0 1 0 0,0 0-1 0 0,-1 0 0 0 0,1 1 1 0 0,-1-1-1 0 0,1 1 0 0 0,-1-1 1 0 0,-2 0-1 0 0,3 1-2 0 0,-27-8-2728 0 0,16 6 1474 0 0</inkml:trace>
+</inkml:ink>
+</file>
+
+<file path=ppt/ink/ink44.xml><?xml version="1.0" encoding="utf-8"?>
+<inkml:ink xmlns:inkml="http://www.w3.org/2003/InkML">
+  <inkml:definitions>
+    <inkml:context xml:id="ctx0">
+      <inkml:inkSource xml:id="inkSrc0">
+        <inkml:traceFormat>
+          <inkml:channel name="X" type="integer" min="-2.14748E9" max="2.14748E9" units="cm"/>
+          <inkml:channel name="Y" type="integer" min="-2.14748E9" max="2.14748E9" units="cm"/>
+          <inkml:channel name="F" type="integer" max="32767" units="dev"/>
+          <inkml:channel name="OA" type="integer" max="360" units="deg"/>
+          <inkml:channel name="OE" type="integer" max="90" units="deg"/>
+        </inkml:traceFormat>
+        <inkml:channelProperties>
+          <inkml:channelProperty channel="X" name="resolution" value="1000" units="1/cm"/>
+          <inkml:channelProperty channel="Y" name="resolution" value="1000" units="1/cm"/>
+          <inkml:channelProperty channel="F" name="resolution" value="0" units="1/dev"/>
+          <inkml:channelProperty channel="OA" name="resolution" value="1000" units="1/deg"/>
+          <inkml:channelProperty channel="OE" name="resolution" value="1000" units="1/deg"/>
+        </inkml:channelProperties>
+      </inkml:inkSource>
+      <inkml:timestamp xml:id="ts0" timeString="2021-01-22T20:02:14.992"/>
+    </inkml:context>
+    <inkml:brush xml:id="br0">
+      <inkml:brushProperty name="width" value="0.05" units="cm"/>
+      <inkml:brushProperty name="height" value="0.05" units="cm"/>
+      <inkml:brushProperty name="color" value="#004F8B"/>
+    </inkml:brush>
+  </inkml:definitions>
+  <inkml:trace contextRef="#ctx0" brushRef="#br0">1 146 3224 0 0,'0'0'10229'0'0,"0"-12"-6443"0"0,1 7-3512 0 0,0 1-1 0 0,0 0 0 0 0,1 0 0 0 0,0 0 1 0 0,0 0-1 0 0,0 0 0 0 0,0 0 0 0 0,0 0 0 0 0,1 1 1 0 0,0-1-1 0 0,0 1 0 0 0,6-7 0 0 0,-6 8-78 0 0,-1-1-1 0 0,1 0 0 0 0,0 0 0 0 0,-1 0 0 0 0,3-5 1 0 0,-5 7 15 0 0,20-1 786 0 0,23 3-59 0 0,-34-2-784 0 0,-1 1-1 0 0,1 0 1 0 0,0 1 0 0 0,10 2-1 0 0,-11-2 10 0 0,1 0-1 0 0,-1 0 1 0 0,14-1-1 0 0,-14 0-80 0 0,89-3 193 0 0,55 3-468 0 0,-9 5 659 0 0,-8-7-587 0 0,-43-1-37 0 0,100 11 958 0 0,-161-8-729 0 0,46-4 0 0 0,-44 1-1 0 0,41 2-1 0 0,141 13 121 0 0,-81-13 16 0 0,-42-2-66 0 0,24 3 46 0 0,86-5-166 0 0,-55 0-23 0 0,-61 5 83 0 0,157-2 323 0 0,-68 2-834 0 0,64-3 718 0 0,-130-2-206 0 0,115 11 0 0 0,-106 0-522 0 0,119 11 853 0 0,-197-13-323 0 0,48-2-1 0 0,-25-2-86 0 0,119 13 31 0 0,-1 1 0 0 0,25-2-12 0 0,59 2 27 0 0,-211-14 3 0 0,-3-1-11 0 0,103 11 0 0 0,-129-7 1 0 0,0-2 0 0 0,34-1 0 0 0,-17-1 10 0 0,140-12 56 0 0,-36 1-62 0 0,95-6 45 0 0,-117 8 14 0 0,541-42-75 0 0,-275 19 442 0 0,-267 27-368 0 0,148 12-1 0 0,-222-8-492 0 0,-38 1-373 0 0,-1 0-1 0 0,1 1 1 0 0,0 0-1 0 0,15 2 1 0 0</inkml:trace>
+</inkml:ink>
+</file>
+
+<file path=ppt/ink/ink5.xml><?xml version="1.0" encoding="utf-8"?>
+<inkml:ink xmlns:inkml="http://www.w3.org/2003/InkML">
+  <inkml:definitions>
+    <inkml:context xml:id="ctx0">
+      <inkml:inkSource xml:id="inkSrc0">
+        <inkml:traceFormat>
+          <inkml:channel name="X" type="integer" min="-2.14748E9" max="2.14748E9" units="cm"/>
+          <inkml:channel name="Y" type="integer" min="-2.14748E9" max="2.14748E9" units="cm"/>
+          <inkml:channel name="F" type="integer" max="32767" units="dev"/>
+          <inkml:channel name="OA" type="integer" max="360" units="deg"/>
+          <inkml:channel name="OE" type="integer" max="90" units="deg"/>
+        </inkml:traceFormat>
+        <inkml:channelProperties>
+          <inkml:channelProperty channel="X" name="resolution" value="1000" units="1/cm"/>
+          <inkml:channelProperty channel="Y" name="resolution" value="1000" units="1/cm"/>
+          <inkml:channelProperty channel="F" name="resolution" value="0" units="1/dev"/>
+          <inkml:channelProperty channel="OA" name="resolution" value="1000" units="1/deg"/>
+          <inkml:channelProperty channel="OE" name="resolution" value="1000" units="1/deg"/>
+        </inkml:channelProperties>
+      </inkml:inkSource>
+      <inkml:timestamp xml:id="ts0" timeString="2021-01-22T20:00:39.343"/>
+    </inkml:context>
+    <inkml:brush xml:id="br0">
+      <inkml:brushProperty name="width" value="0.05" units="cm"/>
+      <inkml:brushProperty name="height" value="0.05" units="cm"/>
+      <inkml:brushProperty name="color" value="#004F8B"/>
+    </inkml:brush>
+  </inkml:definitions>
+  <inkml:trace contextRef="#ctx0" brushRef="#br0">13 1 17423 0 0,'0'0'1574'0'0,"0"1"-1292"0"0,-3 3 1417 0 0,-5 15 1392 0 0,7-12-2758 0 0,1 0 1 0 0,-1-1 0 0 0,1 1 0 0 0,0 0-1 0 0,3 11 1 0 0,-1 9 84 0 0,3 124 356 0 0,3 289 194 0 0,-5-153-208 0 0,4-54-408 0 0,8-7-262 0 0,-5-89 85 0 0,-10-111-157 0 0,0-17-19 0 0,0-1 0 0 0,1 1 1 0 0,2 11-1 0 0,4 11-5 0 0,23 119-60 0 0,-27-122 66 0 0,-4 54 0 0 0,1-9 0 0 0,-6 109 114 0 0,-15-1 108 0 0,-1 2-67 0 0,-1 104 645 0 0,15-98 189 0 0,8-187-661 0 0,69-7-302 0 0,-48 3 30 0 0,0 0-1 0 0,28 3 1 0 0,14 2-576 0 0,18 2-985 0 0,25 9-3448 0 0,-82-11 3386 0 0</inkml:trace>
+</inkml:ink>
+</file>
+
+<file path=ppt/ink/ink6.xml><?xml version="1.0" encoding="utf-8"?>
+<inkml:ink xmlns:inkml="http://www.w3.org/2003/InkML">
+  <inkml:definitions>
+    <inkml:context xml:id="ctx0">
+      <inkml:inkSource xml:id="inkSrc0">
+        <inkml:traceFormat>
+          <inkml:channel name="X" type="integer" min="-2.14748E9" max="2.14748E9" units="cm"/>
+          <inkml:channel name="Y" type="integer" min="-2.14748E9" max="2.14748E9" units="cm"/>
+          <inkml:channel name="F" type="integer" max="32767" units="dev"/>
+          <inkml:channel name="OA" type="integer" max="360" units="deg"/>
+          <inkml:channel name="OE" type="integer" max="90" units="deg"/>
+        </inkml:traceFormat>
+        <inkml:channelProperties>
+          <inkml:channelProperty channel="X" name="resolution" value="1000" units="1/cm"/>
+          <inkml:channelProperty channel="Y" name="resolution" value="1000" units="1/cm"/>
+          <inkml:channelProperty channel="F" name="resolution" value="0" units="1/dev"/>
+          <inkml:channelProperty channel="OA" name="resolution" value="1000" units="1/deg"/>
+          <inkml:channelProperty channel="OE" name="resolution" value="1000" units="1/deg"/>
+        </inkml:channelProperties>
+      </inkml:inkSource>
+      <inkml:timestamp xml:id="ts0" timeString="2021-01-22T20:00:43.329"/>
+    </inkml:context>
+    <inkml:brush xml:id="br0">
+      <inkml:brushProperty name="width" value="0.05" units="cm"/>
+      <inkml:brushProperty name="height" value="0.05" units="cm"/>
+      <inkml:brushProperty name="color" value="#004F8B"/>
+    </inkml:brush>
+  </inkml:definitions>
+  <inkml:trace contextRef="#ctx0" brushRef="#br0">14 53 8496 0 0,'-14'3'14747'0'0,"19"0"-14574"0"0,0 0 0 0 0,-1 0-1 0 0,1-1 1 0 0,0 1 0 0 0,0-1-1 0 0,1 0 1 0 0,-1 0 0 0 0,0-1-1 0 0,1 1 1 0 0,-1-1 0 0 0,1-1-1 0 0,6 1 1 0 0,11 0 141 0 0,38-4 0 0 0,-40 1-135 0 0,51-4 161 0 0,65-3 56 0 0,137 7 489 0 0,-136-4-180 0 0,55 1 609 0 0,-106 12-839 0 0,-83-6-452 0 0,-3-1-12 0 0,1 1 0 0 0,0-1 0 0 0,-1 0-1 0 0,1 0 1 0 0,0 0 0 0 0,-1 0 0 0 0,1 0 0 0 0,0 0-1 0 0,-1-1 1 0 0,1 1 0 0 0,-1 0 0 0 0,4-2 0 0 0,-4 1 43 0 0,0-1-137 0 0,0 0-1 0 0,0 0 0 0 0,0 0 0 0 0,0 0 0 0 0,-1 0 0 0 0,1 0 0 0 0,-1-1 0 0 0,1 1 1 0 0,-1 0-1 0 0,0 0 0 0 0,0 0 0 0 0,0-1 0 0 0,0 1 0 0 0,0 0 0 0 0,-1 0 0 0 0,1 0 1 0 0,-1 0-1 0 0,1 0 0 0 0,-1-1 0 0 0,-1-1 0 0 0,-6-2-2004 0 0,6 5 543 0 0</inkml:trace>
+</inkml:ink>
+</file>
+
+<file path=ppt/ink/ink7.xml><?xml version="1.0" encoding="utf-8"?>
+<inkml:ink xmlns:inkml="http://www.w3.org/2003/InkML">
+  <inkml:definitions>
+    <inkml:context xml:id="ctx0">
+      <inkml:inkSource xml:id="inkSrc0">
+        <inkml:traceFormat>
+          <inkml:channel name="X" type="integer" min="-2.14748E9" max="2.14748E9" units="cm"/>
+          <inkml:channel name="Y" type="integer" min="-2.14748E9" max="2.14748E9" units="cm"/>
+          <inkml:channel name="F" type="integer" max="32767" units="dev"/>
+          <inkml:channel name="OA" type="integer" max="360" units="deg"/>
+          <inkml:channel name="OE" type="integer" max="90" units="deg"/>
+        </inkml:traceFormat>
+        <inkml:channelProperties>
+          <inkml:channelProperty channel="X" name="resolution" value="1000" units="1/cm"/>
+          <inkml:channelProperty channel="Y" name="resolution" value="1000" units="1/cm"/>
+          <inkml:channelProperty channel="F" name="resolution" value="0" units="1/dev"/>
+          <inkml:channelProperty channel="OA" name="resolution" value="1000" units="1/deg"/>
+          <inkml:channelProperty channel="OE" name="resolution" value="1000" units="1/deg"/>
+        </inkml:channelProperties>
+      </inkml:inkSource>
+      <inkml:timestamp xml:id="ts0" timeString="2021-01-22T20:00:45.408"/>
+    </inkml:context>
+    <inkml:brush xml:id="br0">
+      <inkml:brushProperty name="width" value="0.05" units="cm"/>
+      <inkml:brushProperty name="height" value="0.05" units="cm"/>
+      <inkml:brushProperty name="color" value="#004F8B"/>
+    </inkml:brush>
+  </inkml:definitions>
+  <inkml:trace contextRef="#ctx0" brushRef="#br0">1 8 3680 0 0,'0'0'13591'0'0,"14"-7"-11031"0"0,102 12 991 0 0,38-1-1733 0 0,41 2-604 0 0,-141-1-930 0 0,83 5 489 0 0,17-18 262 0 0,-127 6-859 0 0,186-11 1221 0 0,-175 11-1261 0 0,-16 0-67 0 0,-12 1-37 0 0,0 0-1 0 0,0 1 0 0 0,16 2 1 0 0,18 4-43 0 0,42 7 715 0 0,-81-12-305 0 0,9 3-259 0 0,-9-3-372 0 0</inkml:trace>
+</inkml:ink>
+</file>
+
+<file path=ppt/ink/ink8.xml><?xml version="1.0" encoding="utf-8"?>
+<inkml:ink xmlns:inkml="http://www.w3.org/2003/InkML">
+  <inkml:definitions>
+    <inkml:context xml:id="ctx0">
+      <inkml:inkSource xml:id="inkSrc0">
+        <inkml:traceFormat>
+          <inkml:channel name="X" type="integer" min="-2.14748E9" max="2.14748E9" units="cm"/>
+          <inkml:channel name="Y" type="integer" min="-2.14748E9" max="2.14748E9" units="cm"/>
+          <inkml:channel name="F" type="integer" max="32767" units="dev"/>
+          <inkml:channel name="OA" type="integer" max="360" units="deg"/>
+          <inkml:channel name="OE" type="integer" max="90" units="deg"/>
+        </inkml:traceFormat>
+        <inkml:channelProperties>
+          <inkml:channelProperty channel="X" name="resolution" value="1000" units="1/cm"/>
+          <inkml:channelProperty channel="Y" name="resolution" value="1000" units="1/cm"/>
+          <inkml:channelProperty channel="F" name="resolution" value="0" units="1/dev"/>
+          <inkml:channelProperty channel="OA" name="resolution" value="1000" units="1/deg"/>
+          <inkml:channelProperty channel="OE" name="resolution" value="1000" units="1/deg"/>
+        </inkml:channelProperties>
+      </inkml:inkSource>
+      <inkml:timestamp xml:id="ts0" timeString="2021-01-22T20:00:52.602"/>
+    </inkml:context>
+    <inkml:brush xml:id="br0">
+      <inkml:brushProperty name="width" value="0.05" units="cm"/>
+      <inkml:brushProperty name="height" value="0.05" units="cm"/>
+      <inkml:brushProperty name="color" value="#004F8B"/>
+    </inkml:brush>
+  </inkml:definitions>
+  <inkml:trace contextRef="#ctx0" brushRef="#br0">112 68 3968 0 0,'0'0'183'0'0,"-15"-3"433"0"0,13 2-420 0 0,1 0 247 0 0,-1 0 1 0 0,1-1 0 0 0,-1 1 0 0 0,1 0 0 0 0,-1 0 0 0 0,0 1 0 0 0,0-1 0 0 0,1 0 0 0 0,-1 0 0 0 0,0 1 0 0 0,0-1 0 0 0,0 1 0 0 0,0 0 0 0 0,0 0-1 0 0,0-1 1 0 0,0 1 0 0 0,0 0 0 0 0,1 1 0 0 0,-1-1 0 0 0,0 0 0 0 0,0 0 0 0 0,0 1 0 0 0,-4 1 0 0 0,-10 2 1316 0 0,-8 4 6468 0 0,16-5-6466 0 0,11-2-1683 0 0,-1 0 1 0 0,1 0-1 0 0,0 0 0 0 0,-1-1 1 0 0,1 1-1 0 0,0 0 0 0 0,0-1 0 0 0,0 0 1 0 0,4 0-1 0 0,31-2 250 0 0,-11 0-206 0 0,4 3-1 0 0,-14-1-60 0 0,0 0-1 0 0,31-4 1 0 0,-25 1-18 0 0,0 1-1 0 0,24 2 1 0 0,-47 0-43 0 0,209 5 11 0 0,62-8 107 0 0,-92-1-38 0 0,157-19 238 0 0,-213 18-598 0 0,-44 3 400 0 0,60-8 209 0 0,80-2 170 0 0,-93 13-429 0 0,125 17 0 0 0,26 5 101 0 0,-216-22 35 0 0,-1-4 0 0 0,96-15-1 0 0,-139 14-147 0 0,0-1 0 0 0,30-12 0 0 0,-32 11-13 0 0,-15 5 13 0 0,-5 13-1766 0 0,-1-6-1045 0 0</inkml:trace>
+</inkml:ink>
+</file>
+
+<file path=ppt/ink/ink9.xml><?xml version="1.0" encoding="utf-8"?>
+<inkml:ink xmlns:inkml="http://www.w3.org/2003/InkML">
+  <inkml:definitions>
+    <inkml:context xml:id="ctx0">
+      <inkml:inkSource xml:id="inkSrc0">
+        <inkml:traceFormat>
+          <inkml:channel name="X" type="integer" min="-2.14748E9" max="2.14748E9" units="cm"/>
+          <inkml:channel name="Y" type="integer" min="-2.14748E9" max="2.14748E9" units="cm"/>
+          <inkml:channel name="F" type="integer" max="32767" units="dev"/>
+          <inkml:channel name="OA" type="integer" max="360" units="deg"/>
+          <inkml:channel name="OE" type="integer" max="90" units="deg"/>
+        </inkml:traceFormat>
+        <inkml:channelProperties>
+          <inkml:channelProperty channel="X" name="resolution" value="1000" units="1/cm"/>
+          <inkml:channelProperty channel="Y" name="resolution" value="1000" units="1/cm"/>
+          <inkml:channelProperty channel="F" name="resolution" value="0" units="1/dev"/>
+          <inkml:channelProperty channel="OA" name="resolution" value="1000" units="1/deg"/>
+          <inkml:channelProperty channel="OE" name="resolution" value="1000" units="1/deg"/>
+        </inkml:channelProperties>
+      </inkml:inkSource>
+      <inkml:timestamp xml:id="ts0" timeString="2021-01-22T20:00:46.315"/>
+    </inkml:context>
+    <inkml:brush xml:id="br0">
+      <inkml:brushProperty name="width" value="0.05" units="cm"/>
+      <inkml:brushProperty name="height" value="0.05" units="cm"/>
+      <inkml:brushProperty name="color" value="#004F8B"/>
+    </inkml:brush>
+  </inkml:definitions>
+  <inkml:trace contextRef="#ctx0" brushRef="#br0">0 87 15232 0 0,'0'0'1378'0'0,"9"-4"558"0"0,28-18 1725 0 0,-32 18-3432 0 0,1 0 0 0 0,0 1 0 0 0,0 0 0 0 0,1 0 0 0 0,-1 0 0 0 0,11-2 0 0 0,42-7 520 0 0,150-10 251 0 0,-194 21-772 0 0,1 1 0 0 0,-1 1-1 0 0,28 4 1 0 0,-41-4-207 0 0,1 0-1 0 0,-1 0 1 0 0,0 0 0 0 0,0 0-1 0 0,1 0 1 0 0,-1 1 0 0 0,0-1-1 0 0,0 1 1 0 0,0-1 0 0 0,-1 1-1 0 0,1 0 1 0 0,0 0 0 0 0,0 0-1 0 0,-1 0 1 0 0,1 0 0 0 0,-1 0-1 0 0,0 0 1 0 0,0 0 0 0 0,0 0-1 0 0,1 3 1 0 0,2 6 35 0 0,0 1-1 0 0,4 21 1 0 0,-8-31-48 0 0,9 49 158 0 0,2 84-1 0 0,-10 54 140 0 0,-2-94-173 0 0,1-68-94 0 0,6 346 599 0 0,-4-335-527 0 0,2 0 0 0 0,1-1 0 0 0,2 0-1 0 0,1 0 1 0 0,2-1 0 0 0,2 0 0 0 0,1-1 0 0 0,21 39 0 0 0,-17-42-3 0 0,23 30 0 0 0,-32-51-66 0 0,1 0 1 0 0,0-1 0 0 0,1 0 0 0 0,0 0-1 0 0,22 15 1 0 0,-28-22-8 0 0,0-1 0 0 0,-1 1 0 0 0,1 0 0 0 0,-1 1 0 0 0,0-1 0 0 0,0 1 0 0 0,0-1-1 0 0,3 6 1 0 0,-6-8-24 0 0,0-1 0 0 0,0 1 0 0 0,0-1 0 0 0,0 1 0 0 0,0 0 0 0 0,0-1 0 0 0,0 1 0 0 0,0-1 0 0 0,0 1 0 0 0,0 0 0 0 0,-1-1 0 0 0,1 1-1 0 0,0-1 1 0 0,-1 1 0 0 0,1-1 0 0 0,0 1 0 0 0,-1-1 0 0 0,1 1 0 0 0,-1-1 0 0 0,1 1 0 0 0,0-1 0 0 0,-1 1 0 0 0,1-1 0 0 0,-1 0 0 0 0,1 1-1 0 0,-2 0 1 0 0,-15 7 262 0 0,-162 65 564 0 0,120-41-1002 0 0,20-9 83 0 0,5-4-206 0 0,23-13 2 0 0,0 1 0 0 0,0-2 0 0 0,0 1 0 0 0,-17 4 0 0 0,24-9 34 0 0,-11 3-2023 0 0,4-2-4124 0 0,-1-2-2546 0 0</inkml:trace>
+</inkml:ink>
 </file>
 
 <file path=ppt/notesMasters/notesMaster1.xml><?xml version="1.0" encoding="utf-8"?>
@@ -837,7 +2248,7 @@
           <a:p>
             <a:fld id="{3A2BF66F-FEB0-48C1-A8B9-A73F54BB1A08}" type="datetimeFigureOut">
               <a:rPr lang="en-US" smtClean="0"/>
-              <a:t>1/21/2021</a:t>
+              <a:t>1/22/2021</a:t>
             </a:fld>
             <a:endParaRPr lang="en-US"/>
           </a:p>
@@ -1037,7 +2448,7 @@
           <a:p>
             <a:fld id="{3A2BF66F-FEB0-48C1-A8B9-A73F54BB1A08}" type="datetimeFigureOut">
               <a:rPr lang="en-US" smtClean="0"/>
-              <a:t>1/21/2021</a:t>
+              <a:t>1/22/2021</a:t>
             </a:fld>
             <a:endParaRPr lang="en-US"/>
           </a:p>
@@ -1247,7 +2658,7 @@
           <a:p>
             <a:fld id="{3A2BF66F-FEB0-48C1-A8B9-A73F54BB1A08}" type="datetimeFigureOut">
               <a:rPr lang="en-US" smtClean="0"/>
-              <a:t>1/21/2021</a:t>
+              <a:t>1/22/2021</a:t>
             </a:fld>
             <a:endParaRPr lang="en-US"/>
           </a:p>
@@ -1447,7 +2858,7 @@
           <a:p>
             <a:fld id="{3A2BF66F-FEB0-48C1-A8B9-A73F54BB1A08}" type="datetimeFigureOut">
               <a:rPr lang="en-US" smtClean="0"/>
-              <a:t>1/21/2021</a:t>
+              <a:t>1/22/2021</a:t>
             </a:fld>
             <a:endParaRPr lang="en-US"/>
           </a:p>
@@ -1724,7 +3135,7 @@
           <a:p>
             <a:fld id="{3A2BF66F-FEB0-48C1-A8B9-A73F54BB1A08}" type="datetimeFigureOut">
               <a:rPr lang="en-US" smtClean="0"/>
-              <a:t>1/21/2021</a:t>
+              <a:t>1/22/2021</a:t>
             </a:fld>
             <a:endParaRPr lang="en-US"/>
           </a:p>
@@ -1991,7 +3402,7 @@
           <a:p>
             <a:fld id="{3A2BF66F-FEB0-48C1-A8B9-A73F54BB1A08}" type="datetimeFigureOut">
               <a:rPr lang="en-US" smtClean="0"/>
-              <a:t>1/21/2021</a:t>
+              <a:t>1/22/2021</a:t>
             </a:fld>
             <a:endParaRPr lang="en-US"/>
           </a:p>
@@ -2405,7 +3816,7 @@
           <a:p>
             <a:fld id="{3A2BF66F-FEB0-48C1-A8B9-A73F54BB1A08}" type="datetimeFigureOut">
               <a:rPr lang="en-US" smtClean="0"/>
-              <a:t>1/21/2021</a:t>
+              <a:t>1/22/2021</a:t>
             </a:fld>
             <a:endParaRPr lang="en-US"/>
           </a:p>
@@ -2548,7 +3959,7 @@
           <a:p>
             <a:fld id="{3A2BF66F-FEB0-48C1-A8B9-A73F54BB1A08}" type="datetimeFigureOut">
               <a:rPr lang="en-US" smtClean="0"/>
-              <a:t>1/21/2021</a:t>
+              <a:t>1/22/2021</a:t>
             </a:fld>
             <a:endParaRPr lang="en-US"/>
           </a:p>
@@ -2663,7 +4074,7 @@
           <a:p>
             <a:fld id="{3A2BF66F-FEB0-48C1-A8B9-A73F54BB1A08}" type="datetimeFigureOut">
               <a:rPr lang="en-US" smtClean="0"/>
-              <a:t>1/21/2021</a:t>
+              <a:t>1/22/2021</a:t>
             </a:fld>
             <a:endParaRPr lang="en-US"/>
           </a:p>
@@ -2975,7 +4386,7 @@
           <a:p>
             <a:fld id="{3A2BF66F-FEB0-48C1-A8B9-A73F54BB1A08}" type="datetimeFigureOut">
               <a:rPr lang="en-US" smtClean="0"/>
-              <a:t>1/21/2021</a:t>
+              <a:t>1/22/2021</a:t>
             </a:fld>
             <a:endParaRPr lang="en-US"/>
           </a:p>
@@ -3265,7 +4676,7 @@
           <a:p>
             <a:fld id="{3A2BF66F-FEB0-48C1-A8B9-A73F54BB1A08}" type="datetimeFigureOut">
               <a:rPr lang="en-US" smtClean="0"/>
-              <a:t>1/21/2021</a:t>
+              <a:t>1/22/2021</a:t>
             </a:fld>
             <a:endParaRPr lang="en-US"/>
           </a:p>
@@ -3508,7 +4919,7 @@
           <a:p>
             <a:fld id="{3A2BF66F-FEB0-48C1-A8B9-A73F54BB1A08}" type="datetimeFigureOut">
               <a:rPr lang="en-US" smtClean="0"/>
-              <a:t>1/21/2021</a:t>
+              <a:t>1/22/2021</a:t>
             </a:fld>
             <a:endParaRPr lang="en-US"/>
           </a:p>
@@ -4206,6 +5617,2274 @@
           </a:p>
         </p:txBody>
       </p:sp>
+      <mc:AlternateContent xmlns:mc="http://schemas.openxmlformats.org/markup-compatibility/2006">
+        <mc:Choice xmlns:p14="http://schemas.microsoft.com/office/powerpoint/2010/main" Requires="p14">
+          <p:contentPart p14:bwMode="auto" r:id="rId2">
+            <p14:nvContentPartPr>
+              <p14:cNvPr id="4" name="Ink 3">
+                <a:extLst>
+                  <a:ext uri="{FF2B5EF4-FFF2-40B4-BE49-F238E27FC236}">
+                    <a16:creationId xmlns:a16="http://schemas.microsoft.com/office/drawing/2014/main" id="{9F487590-E1B4-4DFD-803C-AB7E335C6F70}"/>
+                  </a:ext>
+                </a:extLst>
+              </p14:cNvPr>
+              <p14:cNvContentPartPr/>
+              <p14:nvPr/>
+            </p14:nvContentPartPr>
+            <p14:xfrm>
+              <a:off x="869329" y="1766419"/>
+              <a:ext cx="616680" cy="36000"/>
+            </p14:xfrm>
+          </p:contentPart>
+        </mc:Choice>
+        <mc:Fallback>
+          <p:pic>
+            <p:nvPicPr>
+              <p:cNvPr id="4" name="Ink 3">
+                <a:extLst>
+                  <a:ext uri="{FF2B5EF4-FFF2-40B4-BE49-F238E27FC236}">
+                    <a16:creationId xmlns:a16="http://schemas.microsoft.com/office/drawing/2014/main" id="{9F487590-E1B4-4DFD-803C-AB7E335C6F70}"/>
+                  </a:ext>
+                </a:extLst>
+              </p:cNvPr>
+              <p:cNvPicPr/>
+              <p:nvPr/>
+            </p:nvPicPr>
+            <p:blipFill>
+              <a:blip r:embed="rId3"/>
+              <a:stretch>
+                <a:fillRect/>
+              </a:stretch>
+            </p:blipFill>
+            <p:spPr>
+              <a:xfrm>
+                <a:off x="860329" y="1757779"/>
+                <a:ext cx="634320" cy="53640"/>
+              </a:xfrm>
+              <a:prstGeom prst="rect">
+                <a:avLst/>
+              </a:prstGeom>
+            </p:spPr>
+          </p:pic>
+        </mc:Fallback>
+      </mc:AlternateContent>
+      <mc:AlternateContent xmlns:mc="http://schemas.openxmlformats.org/markup-compatibility/2006">
+        <mc:Choice xmlns:p14="http://schemas.microsoft.com/office/powerpoint/2010/main" Requires="p14">
+          <p:contentPart p14:bwMode="auto" r:id="rId4">
+            <p14:nvContentPartPr>
+              <p14:cNvPr id="5" name="Ink 4">
+                <a:extLst>
+                  <a:ext uri="{FF2B5EF4-FFF2-40B4-BE49-F238E27FC236}">
+                    <a16:creationId xmlns:a16="http://schemas.microsoft.com/office/drawing/2014/main" id="{7E9F9E14-FA1F-4889-B2DE-097CD7CA65EA}"/>
+                  </a:ext>
+                </a:extLst>
+              </p14:cNvPr>
+              <p14:cNvContentPartPr/>
+              <p14:nvPr/>
+            </p14:nvContentPartPr>
+            <p14:xfrm>
+              <a:off x="853849" y="2173939"/>
+              <a:ext cx="913680" cy="48600"/>
+            </p14:xfrm>
+          </p:contentPart>
+        </mc:Choice>
+        <mc:Fallback>
+          <p:pic>
+            <p:nvPicPr>
+              <p:cNvPr id="5" name="Ink 4">
+                <a:extLst>
+                  <a:ext uri="{FF2B5EF4-FFF2-40B4-BE49-F238E27FC236}">
+                    <a16:creationId xmlns:a16="http://schemas.microsoft.com/office/drawing/2014/main" id="{7E9F9E14-FA1F-4889-B2DE-097CD7CA65EA}"/>
+                  </a:ext>
+                </a:extLst>
+              </p:cNvPr>
+              <p:cNvPicPr/>
+              <p:nvPr/>
+            </p:nvPicPr>
+            <p:blipFill>
+              <a:blip r:embed="rId5"/>
+              <a:stretch>
+                <a:fillRect/>
+              </a:stretch>
+            </p:blipFill>
+            <p:spPr>
+              <a:xfrm>
+                <a:off x="844849" y="2165299"/>
+                <a:ext cx="931320" cy="66240"/>
+              </a:xfrm>
+              <a:prstGeom prst="rect">
+                <a:avLst/>
+              </a:prstGeom>
+            </p:spPr>
+          </p:pic>
+        </mc:Fallback>
+      </mc:AlternateContent>
+      <mc:AlternateContent xmlns:mc="http://schemas.openxmlformats.org/markup-compatibility/2006">
+        <mc:Choice xmlns:p14="http://schemas.microsoft.com/office/powerpoint/2010/main" Requires="p14">
+          <p:contentPart p14:bwMode="auto" r:id="rId6">
+            <p14:nvContentPartPr>
+              <p14:cNvPr id="6" name="Ink 5">
+                <a:extLst>
+                  <a:ext uri="{FF2B5EF4-FFF2-40B4-BE49-F238E27FC236}">
+                    <a16:creationId xmlns:a16="http://schemas.microsoft.com/office/drawing/2014/main" id="{C1E39373-3D84-4466-B39A-70E857035F29}"/>
+                  </a:ext>
+                </a:extLst>
+              </p14:cNvPr>
+              <p14:cNvContentPartPr/>
+              <p14:nvPr/>
+            </p14:nvContentPartPr>
+            <p14:xfrm>
+              <a:off x="1874089" y="2600179"/>
+              <a:ext cx="1129320" cy="79560"/>
+            </p14:xfrm>
+          </p:contentPart>
+        </mc:Choice>
+        <mc:Fallback>
+          <p:pic>
+            <p:nvPicPr>
+              <p:cNvPr id="6" name="Ink 5">
+                <a:extLst>
+                  <a:ext uri="{FF2B5EF4-FFF2-40B4-BE49-F238E27FC236}">
+                    <a16:creationId xmlns:a16="http://schemas.microsoft.com/office/drawing/2014/main" id="{C1E39373-3D84-4466-B39A-70E857035F29}"/>
+                  </a:ext>
+                </a:extLst>
+              </p:cNvPr>
+              <p:cNvPicPr/>
+              <p:nvPr/>
+            </p:nvPicPr>
+            <p:blipFill>
+              <a:blip r:embed="rId7"/>
+              <a:stretch>
+                <a:fillRect/>
+              </a:stretch>
+            </p:blipFill>
+            <p:spPr>
+              <a:xfrm>
+                <a:off x="1865089" y="2591539"/>
+                <a:ext cx="1146960" cy="97200"/>
+              </a:xfrm>
+              <a:prstGeom prst="rect">
+                <a:avLst/>
+              </a:prstGeom>
+            </p:spPr>
+          </p:pic>
+        </mc:Fallback>
+      </mc:AlternateContent>
+      <p:grpSp>
+        <p:nvGrpSpPr>
+          <p:cNvPr id="9" name="Group 8">
+            <a:extLst>
+              <a:ext uri="{FF2B5EF4-FFF2-40B4-BE49-F238E27FC236}">
+                <a16:creationId xmlns:a16="http://schemas.microsoft.com/office/drawing/2014/main" id="{9B6766C3-8EF1-4376-B3D9-A537DCD68D85}"/>
+              </a:ext>
+            </a:extLst>
+          </p:cNvPr>
+          <p:cNvGrpSpPr/>
+          <p:nvPr/>
+        </p:nvGrpSpPr>
+        <p:grpSpPr>
+          <a:xfrm>
+            <a:off x="642169" y="2829859"/>
+            <a:ext cx="162360" cy="1148760"/>
+            <a:chOff x="642169" y="2829859"/>
+            <a:chExt cx="162360" cy="1148760"/>
+          </a:xfrm>
+        </p:grpSpPr>
+        <mc:AlternateContent xmlns:mc="http://schemas.openxmlformats.org/markup-compatibility/2006">
+          <mc:Choice xmlns:p14="http://schemas.microsoft.com/office/powerpoint/2010/main" Requires="p14">
+            <p:contentPart p14:bwMode="auto" r:id="rId8">
+              <p14:nvContentPartPr>
+                <p14:cNvPr id="7" name="Ink 6">
+                  <a:extLst>
+                    <a:ext uri="{FF2B5EF4-FFF2-40B4-BE49-F238E27FC236}">
+                      <a16:creationId xmlns:a16="http://schemas.microsoft.com/office/drawing/2014/main" id="{D9C5B397-9E10-4663-98B6-CA22A8705B0F}"/>
+                    </a:ext>
+                  </a:extLst>
+                </p14:cNvPr>
+                <p14:cNvContentPartPr/>
+                <p14:nvPr/>
+              </p14:nvContentPartPr>
+              <p14:xfrm>
+                <a:off x="659809" y="2829859"/>
+                <a:ext cx="109800" cy="29160"/>
+              </p14:xfrm>
+            </p:contentPart>
+          </mc:Choice>
+          <mc:Fallback>
+            <p:pic>
+              <p:nvPicPr>
+                <p:cNvPr id="7" name="Ink 6">
+                  <a:extLst>
+                    <a:ext uri="{FF2B5EF4-FFF2-40B4-BE49-F238E27FC236}">
+                      <a16:creationId xmlns:a16="http://schemas.microsoft.com/office/drawing/2014/main" id="{D9C5B397-9E10-4663-98B6-CA22A8705B0F}"/>
+                    </a:ext>
+                  </a:extLst>
+                </p:cNvPr>
+                <p:cNvPicPr/>
+                <p:nvPr/>
+              </p:nvPicPr>
+              <p:blipFill>
+                <a:blip r:embed="rId9"/>
+                <a:stretch>
+                  <a:fillRect/>
+                </a:stretch>
+              </p:blipFill>
+              <p:spPr>
+                <a:xfrm>
+                  <a:off x="650809" y="2821219"/>
+                  <a:ext cx="127440" cy="46800"/>
+                </a:xfrm>
+                <a:prstGeom prst="rect">
+                  <a:avLst/>
+                </a:prstGeom>
+              </p:spPr>
+            </p:pic>
+          </mc:Fallback>
+        </mc:AlternateContent>
+        <mc:AlternateContent xmlns:mc="http://schemas.openxmlformats.org/markup-compatibility/2006">
+          <mc:Choice xmlns:p14="http://schemas.microsoft.com/office/powerpoint/2010/main" Requires="p14">
+            <p:contentPart p14:bwMode="auto" r:id="rId10">
+              <p14:nvContentPartPr>
+                <p14:cNvPr id="8" name="Ink 7">
+                  <a:extLst>
+                    <a:ext uri="{FF2B5EF4-FFF2-40B4-BE49-F238E27FC236}">
+                      <a16:creationId xmlns:a16="http://schemas.microsoft.com/office/drawing/2014/main" id="{D7A8FE33-C52A-4B40-9C04-83282B312BD8}"/>
+                    </a:ext>
+                  </a:extLst>
+                </p14:cNvPr>
+                <p14:cNvContentPartPr/>
+                <p14:nvPr/>
+              </p14:nvContentPartPr>
+              <p14:xfrm>
+                <a:off x="642169" y="2878459"/>
+                <a:ext cx="162360" cy="1100160"/>
+              </p14:xfrm>
+            </p:contentPart>
+          </mc:Choice>
+          <mc:Fallback>
+            <p:pic>
+              <p:nvPicPr>
+                <p:cNvPr id="8" name="Ink 7">
+                  <a:extLst>
+                    <a:ext uri="{FF2B5EF4-FFF2-40B4-BE49-F238E27FC236}">
+                      <a16:creationId xmlns:a16="http://schemas.microsoft.com/office/drawing/2014/main" id="{D7A8FE33-C52A-4B40-9C04-83282B312BD8}"/>
+                    </a:ext>
+                  </a:extLst>
+                </p:cNvPr>
+                <p:cNvPicPr/>
+                <p:nvPr/>
+              </p:nvPicPr>
+              <p:blipFill>
+                <a:blip r:embed="rId11"/>
+                <a:stretch>
+                  <a:fillRect/>
+                </a:stretch>
+              </p:blipFill>
+              <p:spPr>
+                <a:xfrm>
+                  <a:off x="633169" y="2869819"/>
+                  <a:ext cx="180000" cy="1117800"/>
+                </a:xfrm>
+                <a:prstGeom prst="rect">
+                  <a:avLst/>
+                </a:prstGeom>
+              </p:spPr>
+            </p:pic>
+          </mc:Fallback>
+        </mc:AlternateContent>
+      </p:grpSp>
+      <mc:AlternateContent xmlns:mc="http://schemas.openxmlformats.org/markup-compatibility/2006">
+        <mc:Choice xmlns:p14="http://schemas.microsoft.com/office/powerpoint/2010/main" Requires="p14">
+          <p:contentPart p14:bwMode="auto" r:id="rId12">
+            <p14:nvContentPartPr>
+              <p14:cNvPr id="10" name="Ink 9">
+                <a:extLst>
+                  <a:ext uri="{FF2B5EF4-FFF2-40B4-BE49-F238E27FC236}">
+                    <a16:creationId xmlns:a16="http://schemas.microsoft.com/office/drawing/2014/main" id="{B3F65BA3-2D46-46E8-BC1E-E54CF0F6A6A1}"/>
+                  </a:ext>
+                </a:extLst>
+              </p14:cNvPr>
+              <p14:cNvContentPartPr/>
+              <p14:nvPr/>
+            </p14:nvContentPartPr>
+            <p14:xfrm>
+              <a:off x="2357569" y="3318739"/>
+              <a:ext cx="402120" cy="29880"/>
+            </p14:xfrm>
+          </p:contentPart>
+        </mc:Choice>
+        <mc:Fallback>
+          <p:pic>
+            <p:nvPicPr>
+              <p:cNvPr id="10" name="Ink 9">
+                <a:extLst>
+                  <a:ext uri="{FF2B5EF4-FFF2-40B4-BE49-F238E27FC236}">
+                    <a16:creationId xmlns:a16="http://schemas.microsoft.com/office/drawing/2014/main" id="{B3F65BA3-2D46-46E8-BC1E-E54CF0F6A6A1}"/>
+                  </a:ext>
+                </a:extLst>
+              </p:cNvPr>
+              <p:cNvPicPr/>
+              <p:nvPr/>
+            </p:nvPicPr>
+            <p:blipFill>
+              <a:blip r:embed="rId13"/>
+              <a:stretch>
+                <a:fillRect/>
+              </a:stretch>
+            </p:blipFill>
+            <p:spPr>
+              <a:xfrm>
+                <a:off x="2348569" y="3309739"/>
+                <a:ext cx="419760" cy="47520"/>
+              </a:xfrm>
+              <a:prstGeom prst="rect">
+                <a:avLst/>
+              </a:prstGeom>
+            </p:spPr>
+          </p:pic>
+        </mc:Fallback>
+      </mc:AlternateContent>
+      <mc:AlternateContent xmlns:mc="http://schemas.openxmlformats.org/markup-compatibility/2006">
+        <mc:Choice xmlns:p14="http://schemas.microsoft.com/office/powerpoint/2010/main" Requires="p14">
+          <p:contentPart p14:bwMode="auto" r:id="rId14">
+            <p14:nvContentPartPr>
+              <p14:cNvPr id="11" name="Ink 10">
+                <a:extLst>
+                  <a:ext uri="{FF2B5EF4-FFF2-40B4-BE49-F238E27FC236}">
+                    <a16:creationId xmlns:a16="http://schemas.microsoft.com/office/drawing/2014/main" id="{6135DDEF-ABFE-4FFE-B99F-BA9FD3177E23}"/>
+                  </a:ext>
+                </a:extLst>
+              </p14:cNvPr>
+              <p14:cNvContentPartPr/>
+              <p14:nvPr/>
+            </p14:nvContentPartPr>
+            <p14:xfrm>
+              <a:off x="2114569" y="3669739"/>
+              <a:ext cx="480600" cy="11160"/>
+            </p14:xfrm>
+          </p:contentPart>
+        </mc:Choice>
+        <mc:Fallback>
+          <p:pic>
+            <p:nvPicPr>
+              <p:cNvPr id="11" name="Ink 10">
+                <a:extLst>
+                  <a:ext uri="{FF2B5EF4-FFF2-40B4-BE49-F238E27FC236}">
+                    <a16:creationId xmlns:a16="http://schemas.microsoft.com/office/drawing/2014/main" id="{6135DDEF-ABFE-4FFE-B99F-BA9FD3177E23}"/>
+                  </a:ext>
+                </a:extLst>
+              </p:cNvPr>
+              <p:cNvPicPr/>
+              <p:nvPr/>
+            </p:nvPicPr>
+            <p:blipFill>
+              <a:blip r:embed="rId15"/>
+              <a:stretch>
+                <a:fillRect/>
+              </a:stretch>
+            </p:blipFill>
+            <p:spPr>
+              <a:xfrm>
+                <a:off x="2105929" y="3661099"/>
+                <a:ext cx="498240" cy="28800"/>
+              </a:xfrm>
+              <a:prstGeom prst="rect">
+                <a:avLst/>
+              </a:prstGeom>
+            </p:spPr>
+          </p:pic>
+        </mc:Fallback>
+      </mc:AlternateContent>
+      <mc:AlternateContent xmlns:mc="http://schemas.openxmlformats.org/markup-compatibility/2006">
+        <mc:Choice xmlns:p14="http://schemas.microsoft.com/office/powerpoint/2010/main" Requires="p14">
+          <p:contentPart p14:bwMode="auto" r:id="rId16">
+            <p14:nvContentPartPr>
+              <p14:cNvPr id="21" name="Ink 20">
+                <a:extLst>
+                  <a:ext uri="{FF2B5EF4-FFF2-40B4-BE49-F238E27FC236}">
+                    <a16:creationId xmlns:a16="http://schemas.microsoft.com/office/drawing/2014/main" id="{0C6061BC-2685-4DA6-9626-E165DF20BDB9}"/>
+                  </a:ext>
+                </a:extLst>
+              </p14:cNvPr>
+              <p14:cNvContentPartPr/>
+              <p14:nvPr/>
+            </p14:nvContentPartPr>
+            <p14:xfrm>
+              <a:off x="4150369" y="3987259"/>
+              <a:ext cx="1038960" cy="28080"/>
+            </p14:xfrm>
+          </p:contentPart>
+        </mc:Choice>
+        <mc:Fallback>
+          <p:pic>
+            <p:nvPicPr>
+              <p:cNvPr id="21" name="Ink 20">
+                <a:extLst>
+                  <a:ext uri="{FF2B5EF4-FFF2-40B4-BE49-F238E27FC236}">
+                    <a16:creationId xmlns:a16="http://schemas.microsoft.com/office/drawing/2014/main" id="{0C6061BC-2685-4DA6-9626-E165DF20BDB9}"/>
+                  </a:ext>
+                </a:extLst>
+              </p:cNvPr>
+              <p:cNvPicPr/>
+              <p:nvPr/>
+            </p:nvPicPr>
+            <p:blipFill>
+              <a:blip r:embed="rId17"/>
+              <a:stretch>
+                <a:fillRect/>
+              </a:stretch>
+            </p:blipFill>
+            <p:spPr>
+              <a:xfrm>
+                <a:off x="4141369" y="3978259"/>
+                <a:ext cx="1056600" cy="45720"/>
+              </a:xfrm>
+              <a:prstGeom prst="rect">
+                <a:avLst/>
+              </a:prstGeom>
+            </p:spPr>
+          </p:pic>
+        </mc:Fallback>
+      </mc:AlternateContent>
+      <p:grpSp>
+        <p:nvGrpSpPr>
+          <p:cNvPr id="32" name="Group 31">
+            <a:extLst>
+              <a:ext uri="{FF2B5EF4-FFF2-40B4-BE49-F238E27FC236}">
+                <a16:creationId xmlns:a16="http://schemas.microsoft.com/office/drawing/2014/main" id="{2108A0DF-50A1-4383-A10A-969228E31594}"/>
+              </a:ext>
+            </a:extLst>
+          </p:cNvPr>
+          <p:cNvGrpSpPr/>
+          <p:nvPr/>
+        </p:nvGrpSpPr>
+        <p:grpSpPr>
+          <a:xfrm>
+            <a:off x="3893329" y="3021739"/>
+            <a:ext cx="1546200" cy="632160"/>
+            <a:chOff x="3893329" y="3021739"/>
+            <a:chExt cx="1546200" cy="632160"/>
+          </a:xfrm>
+        </p:grpSpPr>
+        <mc:AlternateContent xmlns:mc="http://schemas.openxmlformats.org/markup-compatibility/2006">
+          <mc:Choice xmlns:p14="http://schemas.microsoft.com/office/powerpoint/2010/main" Requires="p14">
+            <p:contentPart p14:bwMode="auto" r:id="rId18">
+              <p14:nvContentPartPr>
+                <p14:cNvPr id="12" name="Ink 11">
+                  <a:extLst>
+                    <a:ext uri="{FF2B5EF4-FFF2-40B4-BE49-F238E27FC236}">
+                      <a16:creationId xmlns:a16="http://schemas.microsoft.com/office/drawing/2014/main" id="{5936EB74-0891-4C89-911C-F5DD924B1936}"/>
+                    </a:ext>
+                  </a:extLst>
+                </p14:cNvPr>
+                <p14:cNvContentPartPr/>
+                <p14:nvPr/>
+              </p14:nvContentPartPr>
+              <p14:xfrm>
+                <a:off x="3893329" y="3021739"/>
+                <a:ext cx="288000" cy="632160"/>
+              </p14:xfrm>
+            </p:contentPart>
+          </mc:Choice>
+          <mc:Fallback>
+            <p:pic>
+              <p:nvPicPr>
+                <p:cNvPr id="12" name="Ink 11">
+                  <a:extLst>
+                    <a:ext uri="{FF2B5EF4-FFF2-40B4-BE49-F238E27FC236}">
+                      <a16:creationId xmlns:a16="http://schemas.microsoft.com/office/drawing/2014/main" id="{5936EB74-0891-4C89-911C-F5DD924B1936}"/>
+                    </a:ext>
+                  </a:extLst>
+                </p:cNvPr>
+                <p:cNvPicPr/>
+                <p:nvPr/>
+              </p:nvPicPr>
+              <p:blipFill>
+                <a:blip r:embed="rId19"/>
+                <a:stretch>
+                  <a:fillRect/>
+                </a:stretch>
+              </p:blipFill>
+              <p:spPr>
+                <a:xfrm>
+                  <a:off x="3884329" y="3013099"/>
+                  <a:ext cx="305640" cy="649800"/>
+                </a:xfrm>
+                <a:prstGeom prst="rect">
+                  <a:avLst/>
+                </a:prstGeom>
+              </p:spPr>
+            </p:pic>
+          </mc:Fallback>
+        </mc:AlternateContent>
+        <mc:AlternateContent xmlns:mc="http://schemas.openxmlformats.org/markup-compatibility/2006">
+          <mc:Choice xmlns:p14="http://schemas.microsoft.com/office/powerpoint/2010/main" Requires="p14">
+            <p:contentPart p14:bwMode="auto" r:id="rId20">
+              <p14:nvContentPartPr>
+                <p14:cNvPr id="13" name="Ink 12">
+                  <a:extLst>
+                    <a:ext uri="{FF2B5EF4-FFF2-40B4-BE49-F238E27FC236}">
+                      <a16:creationId xmlns:a16="http://schemas.microsoft.com/office/drawing/2014/main" id="{656C3909-F679-4F1D-A40C-A78A949F53AA}"/>
+                    </a:ext>
+                  </a:extLst>
+                </p14:cNvPr>
+                <p14:cNvContentPartPr/>
+                <p14:nvPr/>
+              </p14:nvContentPartPr>
+              <p14:xfrm>
+                <a:off x="4099969" y="3211459"/>
+                <a:ext cx="249480" cy="114120"/>
+              </p14:xfrm>
+            </p:contentPart>
+          </mc:Choice>
+          <mc:Fallback>
+            <p:pic>
+              <p:nvPicPr>
+                <p:cNvPr id="13" name="Ink 12">
+                  <a:extLst>
+                    <a:ext uri="{FF2B5EF4-FFF2-40B4-BE49-F238E27FC236}">
+                      <a16:creationId xmlns:a16="http://schemas.microsoft.com/office/drawing/2014/main" id="{656C3909-F679-4F1D-A40C-A78A949F53AA}"/>
+                    </a:ext>
+                  </a:extLst>
+                </p:cNvPr>
+                <p:cNvPicPr/>
+                <p:nvPr/>
+              </p:nvPicPr>
+              <p:blipFill>
+                <a:blip r:embed="rId21"/>
+                <a:stretch>
+                  <a:fillRect/>
+                </a:stretch>
+              </p:blipFill>
+              <p:spPr>
+                <a:xfrm>
+                  <a:off x="4091329" y="3202459"/>
+                  <a:ext cx="267120" cy="131760"/>
+                </a:xfrm>
+                <a:prstGeom prst="rect">
+                  <a:avLst/>
+                </a:prstGeom>
+              </p:spPr>
+            </p:pic>
+          </mc:Fallback>
+        </mc:AlternateContent>
+        <mc:AlternateContent xmlns:mc="http://schemas.openxmlformats.org/markup-compatibility/2006">
+          <mc:Choice xmlns:p14="http://schemas.microsoft.com/office/powerpoint/2010/main" Requires="p14">
+            <p:contentPart p14:bwMode="auto" r:id="rId22">
+              <p14:nvContentPartPr>
+                <p14:cNvPr id="14" name="Ink 13">
+                  <a:extLst>
+                    <a:ext uri="{FF2B5EF4-FFF2-40B4-BE49-F238E27FC236}">
+                      <a16:creationId xmlns:a16="http://schemas.microsoft.com/office/drawing/2014/main" id="{BD4A8024-0745-4E23-A2EE-F96D22E0E556}"/>
+                    </a:ext>
+                  </a:extLst>
+                </p14:cNvPr>
+                <p14:cNvContentPartPr/>
+                <p14:nvPr/>
+              </p14:nvContentPartPr>
+              <p14:xfrm>
+                <a:off x="4485889" y="3053779"/>
+                <a:ext cx="174600" cy="216360"/>
+              </p14:xfrm>
+            </p:contentPart>
+          </mc:Choice>
+          <mc:Fallback>
+            <p:pic>
+              <p:nvPicPr>
+                <p:cNvPr id="14" name="Ink 13">
+                  <a:extLst>
+                    <a:ext uri="{FF2B5EF4-FFF2-40B4-BE49-F238E27FC236}">
+                      <a16:creationId xmlns:a16="http://schemas.microsoft.com/office/drawing/2014/main" id="{BD4A8024-0745-4E23-A2EE-F96D22E0E556}"/>
+                    </a:ext>
+                  </a:extLst>
+                </p:cNvPr>
+                <p:cNvPicPr/>
+                <p:nvPr/>
+              </p:nvPicPr>
+              <p:blipFill>
+                <a:blip r:embed="rId23"/>
+                <a:stretch>
+                  <a:fillRect/>
+                </a:stretch>
+              </p:blipFill>
+              <p:spPr>
+                <a:xfrm>
+                  <a:off x="4476889" y="3044779"/>
+                  <a:ext cx="192240" cy="234000"/>
+                </a:xfrm>
+                <a:prstGeom prst="rect">
+                  <a:avLst/>
+                </a:prstGeom>
+              </p:spPr>
+            </p:pic>
+          </mc:Fallback>
+        </mc:AlternateContent>
+        <mc:AlternateContent xmlns:mc="http://schemas.openxmlformats.org/markup-compatibility/2006">
+          <mc:Choice xmlns:p14="http://schemas.microsoft.com/office/powerpoint/2010/main" Requires="p14">
+            <p:contentPart p14:bwMode="auto" r:id="rId24">
+              <p14:nvContentPartPr>
+                <p14:cNvPr id="15" name="Ink 14">
+                  <a:extLst>
+                    <a:ext uri="{FF2B5EF4-FFF2-40B4-BE49-F238E27FC236}">
+                      <a16:creationId xmlns:a16="http://schemas.microsoft.com/office/drawing/2014/main" id="{E692AB15-811E-40D2-A0BF-7457C1B9EED2}"/>
+                    </a:ext>
+                  </a:extLst>
+                </p14:cNvPr>
+                <p14:cNvContentPartPr/>
+                <p14:nvPr/>
+              </p14:nvContentPartPr>
+              <p14:xfrm>
+                <a:off x="4738969" y="3055939"/>
+                <a:ext cx="87120" cy="203760"/>
+              </p14:xfrm>
+            </p:contentPart>
+          </mc:Choice>
+          <mc:Fallback>
+            <p:pic>
+              <p:nvPicPr>
+                <p:cNvPr id="15" name="Ink 14">
+                  <a:extLst>
+                    <a:ext uri="{FF2B5EF4-FFF2-40B4-BE49-F238E27FC236}">
+                      <a16:creationId xmlns:a16="http://schemas.microsoft.com/office/drawing/2014/main" id="{E692AB15-811E-40D2-A0BF-7457C1B9EED2}"/>
+                    </a:ext>
+                  </a:extLst>
+                </p:cNvPr>
+                <p:cNvPicPr/>
+                <p:nvPr/>
+              </p:nvPicPr>
+              <p:blipFill>
+                <a:blip r:embed="rId25"/>
+                <a:stretch>
+                  <a:fillRect/>
+                </a:stretch>
+              </p:blipFill>
+              <p:spPr>
+                <a:xfrm>
+                  <a:off x="4729969" y="3047299"/>
+                  <a:ext cx="104760" cy="221400"/>
+                </a:xfrm>
+                <a:prstGeom prst="rect">
+                  <a:avLst/>
+                </a:prstGeom>
+              </p:spPr>
+            </p:pic>
+          </mc:Fallback>
+        </mc:AlternateContent>
+        <mc:AlternateContent xmlns:mc="http://schemas.openxmlformats.org/markup-compatibility/2006">
+          <mc:Choice xmlns:p14="http://schemas.microsoft.com/office/powerpoint/2010/main" Requires="p14">
+            <p:contentPart p14:bwMode="auto" r:id="rId26">
+              <p14:nvContentPartPr>
+                <p14:cNvPr id="16" name="Ink 15">
+                  <a:extLst>
+                    <a:ext uri="{FF2B5EF4-FFF2-40B4-BE49-F238E27FC236}">
+                      <a16:creationId xmlns:a16="http://schemas.microsoft.com/office/drawing/2014/main" id="{17F72AE5-8F32-4093-ADC0-23BF0B3AA971}"/>
+                    </a:ext>
+                  </a:extLst>
+                </p14:cNvPr>
+                <p14:cNvContentPartPr/>
+                <p14:nvPr/>
+              </p14:nvContentPartPr>
+              <p14:xfrm>
+                <a:off x="4943449" y="3039739"/>
+                <a:ext cx="129600" cy="217080"/>
+              </p14:xfrm>
+            </p:contentPart>
+          </mc:Choice>
+          <mc:Fallback>
+            <p:pic>
+              <p:nvPicPr>
+                <p:cNvPr id="16" name="Ink 15">
+                  <a:extLst>
+                    <a:ext uri="{FF2B5EF4-FFF2-40B4-BE49-F238E27FC236}">
+                      <a16:creationId xmlns:a16="http://schemas.microsoft.com/office/drawing/2014/main" id="{17F72AE5-8F32-4093-ADC0-23BF0B3AA971}"/>
+                    </a:ext>
+                  </a:extLst>
+                </p:cNvPr>
+                <p:cNvPicPr/>
+                <p:nvPr/>
+              </p:nvPicPr>
+              <p:blipFill>
+                <a:blip r:embed="rId27"/>
+                <a:stretch>
+                  <a:fillRect/>
+                </a:stretch>
+              </p:blipFill>
+              <p:spPr>
+                <a:xfrm>
+                  <a:off x="4934809" y="3030739"/>
+                  <a:ext cx="147240" cy="234720"/>
+                </a:xfrm>
+                <a:prstGeom prst="rect">
+                  <a:avLst/>
+                </a:prstGeom>
+              </p:spPr>
+            </p:pic>
+          </mc:Fallback>
+        </mc:AlternateContent>
+        <mc:AlternateContent xmlns:mc="http://schemas.openxmlformats.org/markup-compatibility/2006">
+          <mc:Choice xmlns:p14="http://schemas.microsoft.com/office/powerpoint/2010/main" Requires="p14">
+            <p:contentPart p14:bwMode="auto" r:id="rId28">
+              <p14:nvContentPartPr>
+                <p14:cNvPr id="17" name="Ink 16">
+                  <a:extLst>
+                    <a:ext uri="{FF2B5EF4-FFF2-40B4-BE49-F238E27FC236}">
+                      <a16:creationId xmlns:a16="http://schemas.microsoft.com/office/drawing/2014/main" id="{4E47C915-3B15-4588-8B5F-EBA7F9287A43}"/>
+                    </a:ext>
+                  </a:extLst>
+                </p14:cNvPr>
+                <p14:cNvContentPartPr/>
+                <p14:nvPr/>
+              </p14:nvContentPartPr>
+              <p14:xfrm>
+                <a:off x="5125609" y="3138019"/>
+                <a:ext cx="70920" cy="78480"/>
+              </p14:xfrm>
+            </p:contentPart>
+          </mc:Choice>
+          <mc:Fallback>
+            <p:pic>
+              <p:nvPicPr>
+                <p:cNvPr id="17" name="Ink 16">
+                  <a:extLst>
+                    <a:ext uri="{FF2B5EF4-FFF2-40B4-BE49-F238E27FC236}">
+                      <a16:creationId xmlns:a16="http://schemas.microsoft.com/office/drawing/2014/main" id="{4E47C915-3B15-4588-8B5F-EBA7F9287A43}"/>
+                    </a:ext>
+                  </a:extLst>
+                </p:cNvPr>
+                <p:cNvPicPr/>
+                <p:nvPr/>
+              </p:nvPicPr>
+              <p:blipFill>
+                <a:blip r:embed="rId29"/>
+                <a:stretch>
+                  <a:fillRect/>
+                </a:stretch>
+              </p:blipFill>
+              <p:spPr>
+                <a:xfrm>
+                  <a:off x="5116609" y="3129379"/>
+                  <a:ext cx="88560" cy="96120"/>
+                </a:xfrm>
+                <a:prstGeom prst="rect">
+                  <a:avLst/>
+                </a:prstGeom>
+              </p:spPr>
+            </p:pic>
+          </mc:Fallback>
+        </mc:AlternateContent>
+        <mc:AlternateContent xmlns:mc="http://schemas.openxmlformats.org/markup-compatibility/2006">
+          <mc:Choice xmlns:p14="http://schemas.microsoft.com/office/powerpoint/2010/main" Requires="p14">
+            <p:contentPart p14:bwMode="auto" r:id="rId30">
+              <p14:nvContentPartPr>
+                <p14:cNvPr id="18" name="Ink 17">
+                  <a:extLst>
+                    <a:ext uri="{FF2B5EF4-FFF2-40B4-BE49-F238E27FC236}">
+                      <a16:creationId xmlns:a16="http://schemas.microsoft.com/office/drawing/2014/main" id="{222CC974-31C2-4789-9AB9-E24BF0DCEDFA}"/>
+                    </a:ext>
+                  </a:extLst>
+                </p14:cNvPr>
+                <p14:cNvContentPartPr/>
+                <p14:nvPr/>
+              </p14:nvContentPartPr>
+              <p14:xfrm>
+                <a:off x="5212369" y="3144499"/>
+                <a:ext cx="99720" cy="80280"/>
+              </p14:xfrm>
+            </p:contentPart>
+          </mc:Choice>
+          <mc:Fallback>
+            <p:pic>
+              <p:nvPicPr>
+                <p:cNvPr id="18" name="Ink 17">
+                  <a:extLst>
+                    <a:ext uri="{FF2B5EF4-FFF2-40B4-BE49-F238E27FC236}">
+                      <a16:creationId xmlns:a16="http://schemas.microsoft.com/office/drawing/2014/main" id="{222CC974-31C2-4789-9AB9-E24BF0DCEDFA}"/>
+                    </a:ext>
+                  </a:extLst>
+                </p:cNvPr>
+                <p:cNvPicPr/>
+                <p:nvPr/>
+              </p:nvPicPr>
+              <p:blipFill>
+                <a:blip r:embed="rId31"/>
+                <a:stretch>
+                  <a:fillRect/>
+                </a:stretch>
+              </p:blipFill>
+              <p:spPr>
+                <a:xfrm>
+                  <a:off x="5203729" y="3135859"/>
+                  <a:ext cx="117360" cy="97920"/>
+                </a:xfrm>
+                <a:prstGeom prst="rect">
+                  <a:avLst/>
+                </a:prstGeom>
+              </p:spPr>
+            </p:pic>
+          </mc:Fallback>
+        </mc:AlternateContent>
+        <mc:AlternateContent xmlns:mc="http://schemas.openxmlformats.org/markup-compatibility/2006">
+          <mc:Choice xmlns:p14="http://schemas.microsoft.com/office/powerpoint/2010/main" Requires="p14">
+            <p:contentPart p14:bwMode="auto" r:id="rId32">
+              <p14:nvContentPartPr>
+                <p14:cNvPr id="19" name="Ink 18">
+                  <a:extLst>
+                    <a:ext uri="{FF2B5EF4-FFF2-40B4-BE49-F238E27FC236}">
+                      <a16:creationId xmlns:a16="http://schemas.microsoft.com/office/drawing/2014/main" id="{0873FC52-6C18-495A-90AB-0A4C553A22E3}"/>
+                    </a:ext>
+                  </a:extLst>
+                </p14:cNvPr>
+                <p14:cNvContentPartPr/>
+                <p14:nvPr/>
+              </p14:nvContentPartPr>
+              <p14:xfrm>
+                <a:off x="5355289" y="3131179"/>
+                <a:ext cx="84240" cy="99360"/>
+              </p14:xfrm>
+            </p:contentPart>
+          </mc:Choice>
+          <mc:Fallback>
+            <p:pic>
+              <p:nvPicPr>
+                <p:cNvPr id="19" name="Ink 18">
+                  <a:extLst>
+                    <a:ext uri="{FF2B5EF4-FFF2-40B4-BE49-F238E27FC236}">
+                      <a16:creationId xmlns:a16="http://schemas.microsoft.com/office/drawing/2014/main" id="{0873FC52-6C18-495A-90AB-0A4C553A22E3}"/>
+                    </a:ext>
+                  </a:extLst>
+                </p:cNvPr>
+                <p:cNvPicPr/>
+                <p:nvPr/>
+              </p:nvPicPr>
+              <p:blipFill>
+                <a:blip r:embed="rId33"/>
+                <a:stretch>
+                  <a:fillRect/>
+                </a:stretch>
+              </p:blipFill>
+              <p:spPr>
+                <a:xfrm>
+                  <a:off x="5346649" y="3122179"/>
+                  <a:ext cx="101880" cy="117000"/>
+                </a:xfrm>
+                <a:prstGeom prst="rect">
+                  <a:avLst/>
+                </a:prstGeom>
+              </p:spPr>
+            </p:pic>
+          </mc:Fallback>
+        </mc:AlternateContent>
+        <mc:AlternateContent xmlns:mc="http://schemas.openxmlformats.org/markup-compatibility/2006">
+          <mc:Choice xmlns:p14="http://schemas.microsoft.com/office/powerpoint/2010/main" Requires="p14">
+            <p:contentPart p14:bwMode="auto" r:id="rId34">
+              <p14:nvContentPartPr>
+                <p14:cNvPr id="31" name="Ink 30">
+                  <a:extLst>
+                    <a:ext uri="{FF2B5EF4-FFF2-40B4-BE49-F238E27FC236}">
+                      <a16:creationId xmlns:a16="http://schemas.microsoft.com/office/drawing/2014/main" id="{C24BA578-0D4C-44A9-A82A-4C5F65109FF3}"/>
+                    </a:ext>
+                  </a:extLst>
+                </p14:cNvPr>
+                <p14:cNvContentPartPr/>
+                <p14:nvPr/>
+              </p14:nvContentPartPr>
+              <p14:xfrm>
+                <a:off x="4451329" y="3371659"/>
+                <a:ext cx="970560" cy="45360"/>
+              </p14:xfrm>
+            </p:contentPart>
+          </mc:Choice>
+          <mc:Fallback>
+            <p:pic>
+              <p:nvPicPr>
+                <p:cNvPr id="31" name="Ink 30">
+                  <a:extLst>
+                    <a:ext uri="{FF2B5EF4-FFF2-40B4-BE49-F238E27FC236}">
+                      <a16:creationId xmlns:a16="http://schemas.microsoft.com/office/drawing/2014/main" id="{C24BA578-0D4C-44A9-A82A-4C5F65109FF3}"/>
+                    </a:ext>
+                  </a:extLst>
+                </p:cNvPr>
+                <p:cNvPicPr/>
+                <p:nvPr/>
+              </p:nvPicPr>
+              <p:blipFill>
+                <a:blip r:embed="rId35"/>
+                <a:stretch>
+                  <a:fillRect/>
+                </a:stretch>
+              </p:blipFill>
+              <p:spPr>
+                <a:xfrm>
+                  <a:off x="4442329" y="3363019"/>
+                  <a:ext cx="988200" cy="63000"/>
+                </a:xfrm>
+                <a:prstGeom prst="rect">
+                  <a:avLst/>
+                </a:prstGeom>
+              </p:spPr>
+            </p:pic>
+          </mc:Fallback>
+        </mc:AlternateContent>
+      </p:grpSp>
+      <mc:AlternateContent xmlns:mc="http://schemas.openxmlformats.org/markup-compatibility/2006">
+        <mc:Choice xmlns:p14="http://schemas.microsoft.com/office/powerpoint/2010/main" Requires="p14">
+          <p:contentPart p14:bwMode="auto" r:id="rId36">
+            <p14:nvContentPartPr>
+              <p14:cNvPr id="33" name="Ink 32">
+                <a:extLst>
+                  <a:ext uri="{FF2B5EF4-FFF2-40B4-BE49-F238E27FC236}">
+                    <a16:creationId xmlns:a16="http://schemas.microsoft.com/office/drawing/2014/main" id="{37A71DBC-14D7-478C-BB90-C4681D30FAE4}"/>
+                  </a:ext>
+                </a:extLst>
+              </p14:cNvPr>
+              <p14:cNvContentPartPr/>
+              <p14:nvPr/>
+            </p14:nvContentPartPr>
+            <p14:xfrm>
+              <a:off x="4625569" y="4110019"/>
+              <a:ext cx="233640" cy="317160"/>
+            </p14:xfrm>
+          </p:contentPart>
+        </mc:Choice>
+        <mc:Fallback>
+          <p:pic>
+            <p:nvPicPr>
+              <p:cNvPr id="33" name="Ink 32">
+                <a:extLst>
+                  <a:ext uri="{FF2B5EF4-FFF2-40B4-BE49-F238E27FC236}">
+                    <a16:creationId xmlns:a16="http://schemas.microsoft.com/office/drawing/2014/main" id="{37A71DBC-14D7-478C-BB90-C4681D30FAE4}"/>
+                  </a:ext>
+                </a:extLst>
+              </p:cNvPr>
+              <p:cNvPicPr/>
+              <p:nvPr/>
+            </p:nvPicPr>
+            <p:blipFill>
+              <a:blip r:embed="rId37"/>
+              <a:stretch>
+                <a:fillRect/>
+              </a:stretch>
+            </p:blipFill>
+            <p:spPr>
+              <a:xfrm>
+                <a:off x="4616929" y="4101379"/>
+                <a:ext cx="251280" cy="334800"/>
+              </a:xfrm>
+              <a:prstGeom prst="rect">
+                <a:avLst/>
+              </a:prstGeom>
+            </p:spPr>
+          </p:pic>
+        </mc:Fallback>
+      </mc:AlternateContent>
+      <p:grpSp>
+        <p:nvGrpSpPr>
+          <p:cNvPr id="43" name="Group 42">
+            <a:extLst>
+              <a:ext uri="{FF2B5EF4-FFF2-40B4-BE49-F238E27FC236}">
+                <a16:creationId xmlns:a16="http://schemas.microsoft.com/office/drawing/2014/main" id="{B0D56C2F-68CC-4CC2-BA1E-234AD2588EFD}"/>
+              </a:ext>
+            </a:extLst>
+          </p:cNvPr>
+          <p:cNvGrpSpPr/>
+          <p:nvPr/>
+        </p:nvGrpSpPr>
+        <p:grpSpPr>
+          <a:xfrm>
+            <a:off x="6663889" y="3954499"/>
+            <a:ext cx="546120" cy="294120"/>
+            <a:chOff x="6663889" y="3954499"/>
+            <a:chExt cx="546120" cy="294120"/>
+          </a:xfrm>
+        </p:grpSpPr>
+        <mc:AlternateContent xmlns:mc="http://schemas.openxmlformats.org/markup-compatibility/2006">
+          <mc:Choice xmlns:p14="http://schemas.microsoft.com/office/powerpoint/2010/main" Requires="p14">
+            <p:contentPart p14:bwMode="auto" r:id="rId38">
+              <p14:nvContentPartPr>
+                <p14:cNvPr id="40" name="Ink 39">
+                  <a:extLst>
+                    <a:ext uri="{FF2B5EF4-FFF2-40B4-BE49-F238E27FC236}">
+                      <a16:creationId xmlns:a16="http://schemas.microsoft.com/office/drawing/2014/main" id="{C7427334-13E3-4ED2-807E-1469A32F800E}"/>
+                    </a:ext>
+                  </a:extLst>
+                </p14:cNvPr>
+                <p14:cNvContentPartPr/>
+                <p14:nvPr/>
+              </p14:nvContentPartPr>
+              <p14:xfrm>
+                <a:off x="6663889" y="3954499"/>
+                <a:ext cx="73440" cy="294120"/>
+              </p14:xfrm>
+            </p:contentPart>
+          </mc:Choice>
+          <mc:Fallback>
+            <p:pic>
+              <p:nvPicPr>
+                <p:cNvPr id="40" name="Ink 39">
+                  <a:extLst>
+                    <a:ext uri="{FF2B5EF4-FFF2-40B4-BE49-F238E27FC236}">
+                      <a16:creationId xmlns:a16="http://schemas.microsoft.com/office/drawing/2014/main" id="{C7427334-13E3-4ED2-807E-1469A32F800E}"/>
+                    </a:ext>
+                  </a:extLst>
+                </p:cNvPr>
+                <p:cNvPicPr/>
+                <p:nvPr/>
+              </p:nvPicPr>
+              <p:blipFill>
+                <a:blip r:embed="rId39"/>
+                <a:stretch>
+                  <a:fillRect/>
+                </a:stretch>
+              </p:blipFill>
+              <p:spPr>
+                <a:xfrm>
+                  <a:off x="6655249" y="3945859"/>
+                  <a:ext cx="91080" cy="311760"/>
+                </a:xfrm>
+                <a:prstGeom prst="rect">
+                  <a:avLst/>
+                </a:prstGeom>
+              </p:spPr>
+            </p:pic>
+          </mc:Fallback>
+        </mc:AlternateContent>
+        <mc:AlternateContent xmlns:mc="http://schemas.openxmlformats.org/markup-compatibility/2006">
+          <mc:Choice xmlns:p14="http://schemas.microsoft.com/office/powerpoint/2010/main" Requires="p14">
+            <p:contentPart p14:bwMode="auto" r:id="rId40">
+              <p14:nvContentPartPr>
+                <p14:cNvPr id="41" name="Ink 40">
+                  <a:extLst>
+                    <a:ext uri="{FF2B5EF4-FFF2-40B4-BE49-F238E27FC236}">
+                      <a16:creationId xmlns:a16="http://schemas.microsoft.com/office/drawing/2014/main" id="{691700A7-E316-4F39-A40D-783E7DBC4BAC}"/>
+                    </a:ext>
+                  </a:extLst>
+                </p14:cNvPr>
+                <p14:cNvContentPartPr/>
+                <p14:nvPr/>
+              </p14:nvContentPartPr>
+              <p14:xfrm>
+                <a:off x="6797089" y="4105339"/>
+                <a:ext cx="77400" cy="40680"/>
+              </p14:xfrm>
+            </p:contentPart>
+          </mc:Choice>
+          <mc:Fallback>
+            <p:pic>
+              <p:nvPicPr>
+                <p:cNvPr id="41" name="Ink 40">
+                  <a:extLst>
+                    <a:ext uri="{FF2B5EF4-FFF2-40B4-BE49-F238E27FC236}">
+                      <a16:creationId xmlns:a16="http://schemas.microsoft.com/office/drawing/2014/main" id="{691700A7-E316-4F39-A40D-783E7DBC4BAC}"/>
+                    </a:ext>
+                  </a:extLst>
+                </p:cNvPr>
+                <p:cNvPicPr/>
+                <p:nvPr/>
+              </p:nvPicPr>
+              <p:blipFill>
+                <a:blip r:embed="rId41"/>
+                <a:stretch>
+                  <a:fillRect/>
+                </a:stretch>
+              </p:blipFill>
+              <p:spPr>
+                <a:xfrm>
+                  <a:off x="6788449" y="4096339"/>
+                  <a:ext cx="95040" cy="58320"/>
+                </a:xfrm>
+                <a:prstGeom prst="rect">
+                  <a:avLst/>
+                </a:prstGeom>
+              </p:spPr>
+            </p:pic>
+          </mc:Fallback>
+        </mc:AlternateContent>
+        <mc:AlternateContent xmlns:mc="http://schemas.openxmlformats.org/markup-compatibility/2006">
+          <mc:Choice xmlns:p14="http://schemas.microsoft.com/office/powerpoint/2010/main" Requires="p14">
+            <p:contentPart p14:bwMode="auto" r:id="rId42">
+              <p14:nvContentPartPr>
+                <p14:cNvPr id="42" name="Ink 41">
+                  <a:extLst>
+                    <a:ext uri="{FF2B5EF4-FFF2-40B4-BE49-F238E27FC236}">
+                      <a16:creationId xmlns:a16="http://schemas.microsoft.com/office/drawing/2014/main" id="{E418A1DE-B895-4648-BED3-BBCB73F7CAF4}"/>
+                    </a:ext>
+                  </a:extLst>
+                </p14:cNvPr>
+                <p14:cNvContentPartPr/>
+                <p14:nvPr/>
+              </p14:nvContentPartPr>
+              <p14:xfrm>
+                <a:off x="6991849" y="4003459"/>
+                <a:ext cx="218160" cy="206640"/>
+              </p14:xfrm>
+            </p:contentPart>
+          </mc:Choice>
+          <mc:Fallback>
+            <p:pic>
+              <p:nvPicPr>
+                <p:cNvPr id="42" name="Ink 41">
+                  <a:extLst>
+                    <a:ext uri="{FF2B5EF4-FFF2-40B4-BE49-F238E27FC236}">
+                      <a16:creationId xmlns:a16="http://schemas.microsoft.com/office/drawing/2014/main" id="{E418A1DE-B895-4648-BED3-BBCB73F7CAF4}"/>
+                    </a:ext>
+                  </a:extLst>
+                </p:cNvPr>
+                <p:cNvPicPr/>
+                <p:nvPr/>
+              </p:nvPicPr>
+              <p:blipFill>
+                <a:blip r:embed="rId43"/>
+                <a:stretch>
+                  <a:fillRect/>
+                </a:stretch>
+              </p:blipFill>
+              <p:spPr>
+                <a:xfrm>
+                  <a:off x="6983209" y="3994459"/>
+                  <a:ext cx="235800" cy="224280"/>
+                </a:xfrm>
+                <a:prstGeom prst="rect">
+                  <a:avLst/>
+                </a:prstGeom>
+              </p:spPr>
+            </p:pic>
+          </mc:Fallback>
+        </mc:AlternateContent>
+      </p:grpSp>
+      <p:grpSp>
+        <p:nvGrpSpPr>
+          <p:cNvPr id="56" name="Group 55">
+            <a:extLst>
+              <a:ext uri="{FF2B5EF4-FFF2-40B4-BE49-F238E27FC236}">
+                <a16:creationId xmlns:a16="http://schemas.microsoft.com/office/drawing/2014/main" id="{7663C4E7-FCDE-45D6-8036-C847F750DA39}"/>
+              </a:ext>
+            </a:extLst>
+          </p:cNvPr>
+          <p:cNvGrpSpPr/>
+          <p:nvPr/>
+        </p:nvGrpSpPr>
+        <p:grpSpPr>
+          <a:xfrm>
+            <a:off x="5288329" y="4491259"/>
+            <a:ext cx="592560" cy="261360"/>
+            <a:chOff x="5288329" y="4491259"/>
+            <a:chExt cx="592560" cy="261360"/>
+          </a:xfrm>
+        </p:grpSpPr>
+        <mc:AlternateContent xmlns:mc="http://schemas.openxmlformats.org/markup-compatibility/2006">
+          <mc:Choice xmlns:p14="http://schemas.microsoft.com/office/powerpoint/2010/main" Requires="p14">
+            <p:contentPart p14:bwMode="auto" r:id="rId44">
+              <p14:nvContentPartPr>
+                <p14:cNvPr id="52" name="Ink 51">
+                  <a:extLst>
+                    <a:ext uri="{FF2B5EF4-FFF2-40B4-BE49-F238E27FC236}">
+                      <a16:creationId xmlns:a16="http://schemas.microsoft.com/office/drawing/2014/main" id="{DCF3F77F-0D5B-4560-B3EB-D11FDEC40E7D}"/>
+                    </a:ext>
+                  </a:extLst>
+                </p14:cNvPr>
+                <p14:cNvContentPartPr/>
+                <p14:nvPr/>
+              </p14:nvContentPartPr>
+              <p14:xfrm>
+                <a:off x="5288329" y="4491259"/>
+                <a:ext cx="133920" cy="261360"/>
+              </p14:xfrm>
+            </p:contentPart>
+          </mc:Choice>
+          <mc:Fallback>
+            <p:pic>
+              <p:nvPicPr>
+                <p:cNvPr id="52" name="Ink 51">
+                  <a:extLst>
+                    <a:ext uri="{FF2B5EF4-FFF2-40B4-BE49-F238E27FC236}">
+                      <a16:creationId xmlns:a16="http://schemas.microsoft.com/office/drawing/2014/main" id="{DCF3F77F-0D5B-4560-B3EB-D11FDEC40E7D}"/>
+                    </a:ext>
+                  </a:extLst>
+                </p:cNvPr>
+                <p:cNvPicPr/>
+                <p:nvPr/>
+              </p:nvPicPr>
+              <p:blipFill>
+                <a:blip r:embed="rId45"/>
+                <a:stretch>
+                  <a:fillRect/>
+                </a:stretch>
+              </p:blipFill>
+              <p:spPr>
+                <a:xfrm>
+                  <a:off x="5279329" y="4482619"/>
+                  <a:ext cx="151560" cy="279000"/>
+                </a:xfrm>
+                <a:prstGeom prst="rect">
+                  <a:avLst/>
+                </a:prstGeom>
+              </p:spPr>
+            </p:pic>
+          </mc:Fallback>
+        </mc:AlternateContent>
+        <mc:AlternateContent xmlns:mc="http://schemas.openxmlformats.org/markup-compatibility/2006">
+          <mc:Choice xmlns:p14="http://schemas.microsoft.com/office/powerpoint/2010/main" Requires="p14">
+            <p:contentPart p14:bwMode="auto" r:id="rId46">
+              <p14:nvContentPartPr>
+                <p14:cNvPr id="53" name="Ink 52">
+                  <a:extLst>
+                    <a:ext uri="{FF2B5EF4-FFF2-40B4-BE49-F238E27FC236}">
+                      <a16:creationId xmlns:a16="http://schemas.microsoft.com/office/drawing/2014/main" id="{42827CA4-55BF-4FFC-A60A-A24C90C5FC16}"/>
+                    </a:ext>
+                  </a:extLst>
+                </p14:cNvPr>
+                <p14:cNvContentPartPr/>
+                <p14:nvPr/>
+              </p14:nvContentPartPr>
+              <p14:xfrm>
+                <a:off x="5492449" y="4509979"/>
+                <a:ext cx="116280" cy="234360"/>
+              </p14:xfrm>
+            </p:contentPart>
+          </mc:Choice>
+          <mc:Fallback>
+            <p:pic>
+              <p:nvPicPr>
+                <p:cNvPr id="53" name="Ink 52">
+                  <a:extLst>
+                    <a:ext uri="{FF2B5EF4-FFF2-40B4-BE49-F238E27FC236}">
+                      <a16:creationId xmlns:a16="http://schemas.microsoft.com/office/drawing/2014/main" id="{42827CA4-55BF-4FFC-A60A-A24C90C5FC16}"/>
+                    </a:ext>
+                  </a:extLst>
+                </p:cNvPr>
+                <p:cNvPicPr/>
+                <p:nvPr/>
+              </p:nvPicPr>
+              <p:blipFill>
+                <a:blip r:embed="rId47"/>
+                <a:stretch>
+                  <a:fillRect/>
+                </a:stretch>
+              </p:blipFill>
+              <p:spPr>
+                <a:xfrm>
+                  <a:off x="5483809" y="4500979"/>
+                  <a:ext cx="133920" cy="252000"/>
+                </a:xfrm>
+                <a:prstGeom prst="rect">
+                  <a:avLst/>
+                </a:prstGeom>
+              </p:spPr>
+            </p:pic>
+          </mc:Fallback>
+        </mc:AlternateContent>
+        <mc:AlternateContent xmlns:mc="http://schemas.openxmlformats.org/markup-compatibility/2006">
+          <mc:Choice xmlns:p14="http://schemas.microsoft.com/office/powerpoint/2010/main" Requires="p14">
+            <p:contentPart p14:bwMode="auto" r:id="rId48">
+              <p14:nvContentPartPr>
+                <p14:cNvPr id="54" name="Ink 53">
+                  <a:extLst>
+                    <a:ext uri="{FF2B5EF4-FFF2-40B4-BE49-F238E27FC236}">
+                      <a16:creationId xmlns:a16="http://schemas.microsoft.com/office/drawing/2014/main" id="{BED12466-70F1-4360-AC65-858D591ABB2E}"/>
+                    </a:ext>
+                  </a:extLst>
+                </p14:cNvPr>
+                <p14:cNvContentPartPr/>
+                <p14:nvPr/>
+              </p14:nvContentPartPr>
+              <p14:xfrm>
+                <a:off x="5484889" y="4672699"/>
+                <a:ext cx="150840" cy="32040"/>
+              </p14:xfrm>
+            </p:contentPart>
+          </mc:Choice>
+          <mc:Fallback>
+            <p:pic>
+              <p:nvPicPr>
+                <p:cNvPr id="54" name="Ink 53">
+                  <a:extLst>
+                    <a:ext uri="{FF2B5EF4-FFF2-40B4-BE49-F238E27FC236}">
+                      <a16:creationId xmlns:a16="http://schemas.microsoft.com/office/drawing/2014/main" id="{BED12466-70F1-4360-AC65-858D591ABB2E}"/>
+                    </a:ext>
+                  </a:extLst>
+                </p:cNvPr>
+                <p:cNvPicPr/>
+                <p:nvPr/>
+              </p:nvPicPr>
+              <p:blipFill>
+                <a:blip r:embed="rId49"/>
+                <a:stretch>
+                  <a:fillRect/>
+                </a:stretch>
+              </p:blipFill>
+              <p:spPr>
+                <a:xfrm>
+                  <a:off x="5475889" y="4664059"/>
+                  <a:ext cx="168480" cy="49680"/>
+                </a:xfrm>
+                <a:prstGeom prst="rect">
+                  <a:avLst/>
+                </a:prstGeom>
+              </p:spPr>
+            </p:pic>
+          </mc:Fallback>
+        </mc:AlternateContent>
+        <mc:AlternateContent xmlns:mc="http://schemas.openxmlformats.org/markup-compatibility/2006">
+          <mc:Choice xmlns:p14="http://schemas.microsoft.com/office/powerpoint/2010/main" Requires="p14">
+            <p:contentPart p14:bwMode="auto" r:id="rId50">
+              <p14:nvContentPartPr>
+                <p14:cNvPr id="55" name="Ink 54">
+                  <a:extLst>
+                    <a:ext uri="{FF2B5EF4-FFF2-40B4-BE49-F238E27FC236}">
+                      <a16:creationId xmlns:a16="http://schemas.microsoft.com/office/drawing/2014/main" id="{73712ABD-84A0-4E65-9A05-EDF90C508281}"/>
+                    </a:ext>
+                  </a:extLst>
+                </p14:cNvPr>
+                <p14:cNvContentPartPr/>
+                <p14:nvPr/>
+              </p14:nvContentPartPr>
+              <p14:xfrm>
+                <a:off x="5738689" y="4507099"/>
+                <a:ext cx="142200" cy="245520"/>
+              </p14:xfrm>
+            </p:contentPart>
+          </mc:Choice>
+          <mc:Fallback>
+            <p:pic>
+              <p:nvPicPr>
+                <p:cNvPr id="55" name="Ink 54">
+                  <a:extLst>
+                    <a:ext uri="{FF2B5EF4-FFF2-40B4-BE49-F238E27FC236}">
+                      <a16:creationId xmlns:a16="http://schemas.microsoft.com/office/drawing/2014/main" id="{73712ABD-84A0-4E65-9A05-EDF90C508281}"/>
+                    </a:ext>
+                  </a:extLst>
+                </p:cNvPr>
+                <p:cNvPicPr/>
+                <p:nvPr/>
+              </p:nvPicPr>
+              <p:blipFill>
+                <a:blip r:embed="rId51"/>
+                <a:stretch>
+                  <a:fillRect/>
+                </a:stretch>
+              </p:blipFill>
+              <p:spPr>
+                <a:xfrm>
+                  <a:off x="5729689" y="4498459"/>
+                  <a:ext cx="159840" cy="263160"/>
+                </a:xfrm>
+                <a:prstGeom prst="rect">
+                  <a:avLst/>
+                </a:prstGeom>
+              </p:spPr>
+            </p:pic>
+          </mc:Fallback>
+        </mc:AlternateContent>
+      </p:grpSp>
+      <p:grpSp>
+        <p:nvGrpSpPr>
+          <p:cNvPr id="59" name="Group 58">
+            <a:extLst>
+              <a:ext uri="{FF2B5EF4-FFF2-40B4-BE49-F238E27FC236}">
+                <a16:creationId xmlns:a16="http://schemas.microsoft.com/office/drawing/2014/main" id="{259D3241-6F95-48BC-A1A9-E48E78EF02D8}"/>
+              </a:ext>
+            </a:extLst>
+          </p:cNvPr>
+          <p:cNvGrpSpPr/>
+          <p:nvPr/>
+        </p:nvGrpSpPr>
+        <p:grpSpPr>
+          <a:xfrm>
+            <a:off x="4108969" y="3966019"/>
+            <a:ext cx="2227320" cy="357120"/>
+            <a:chOff x="4108969" y="3966019"/>
+            <a:chExt cx="2227320" cy="357120"/>
+          </a:xfrm>
+        </p:grpSpPr>
+        <mc:AlternateContent xmlns:mc="http://schemas.openxmlformats.org/markup-compatibility/2006">
+          <mc:Choice xmlns:p14="http://schemas.microsoft.com/office/powerpoint/2010/main" Requires="p14">
+            <p:contentPart p14:bwMode="auto" r:id="rId52">
+              <p14:nvContentPartPr>
+                <p14:cNvPr id="45" name="Ink 44">
+                  <a:extLst>
+                    <a:ext uri="{FF2B5EF4-FFF2-40B4-BE49-F238E27FC236}">
+                      <a16:creationId xmlns:a16="http://schemas.microsoft.com/office/drawing/2014/main" id="{6CFA0D0B-29AE-4A2C-A3B4-C5A710710AD4}"/>
+                    </a:ext>
+                  </a:extLst>
+                </p14:cNvPr>
+                <p14:cNvContentPartPr/>
+                <p14:nvPr/>
+              </p14:nvContentPartPr>
+              <p14:xfrm>
+                <a:off x="5196889" y="4081579"/>
+                <a:ext cx="119160" cy="213120"/>
+              </p14:xfrm>
+            </p:contentPart>
+          </mc:Choice>
+          <mc:Fallback>
+            <p:pic>
+              <p:nvPicPr>
+                <p:cNvPr id="45" name="Ink 44">
+                  <a:extLst>
+                    <a:ext uri="{FF2B5EF4-FFF2-40B4-BE49-F238E27FC236}">
+                      <a16:creationId xmlns:a16="http://schemas.microsoft.com/office/drawing/2014/main" id="{6CFA0D0B-29AE-4A2C-A3B4-C5A710710AD4}"/>
+                    </a:ext>
+                  </a:extLst>
+                </p:cNvPr>
+                <p:cNvPicPr/>
+                <p:nvPr/>
+              </p:nvPicPr>
+              <p:blipFill>
+                <a:blip r:embed="rId53"/>
+                <a:stretch>
+                  <a:fillRect/>
+                </a:stretch>
+              </p:blipFill>
+              <p:spPr>
+                <a:xfrm>
+                  <a:off x="5188249" y="4072939"/>
+                  <a:ext cx="136800" cy="230760"/>
+                </a:xfrm>
+                <a:prstGeom prst="rect">
+                  <a:avLst/>
+                </a:prstGeom>
+              </p:spPr>
+            </p:pic>
+          </mc:Fallback>
+        </mc:AlternateContent>
+        <mc:AlternateContent xmlns:mc="http://schemas.openxmlformats.org/markup-compatibility/2006">
+          <mc:Choice xmlns:p14="http://schemas.microsoft.com/office/powerpoint/2010/main" Requires="p14">
+            <p:contentPart p14:bwMode="auto" r:id="rId54">
+              <p14:nvContentPartPr>
+                <p14:cNvPr id="46" name="Ink 45">
+                  <a:extLst>
+                    <a:ext uri="{FF2B5EF4-FFF2-40B4-BE49-F238E27FC236}">
+                      <a16:creationId xmlns:a16="http://schemas.microsoft.com/office/drawing/2014/main" id="{0DC41454-1953-4CBD-8FBD-DFB26BF83530}"/>
+                    </a:ext>
+                  </a:extLst>
+                </p14:cNvPr>
+                <p14:cNvContentPartPr/>
+                <p14:nvPr/>
+              </p14:nvContentPartPr>
+              <p14:xfrm>
+                <a:off x="5344129" y="4150339"/>
+                <a:ext cx="113040" cy="120240"/>
+              </p14:xfrm>
+            </p:contentPart>
+          </mc:Choice>
+          <mc:Fallback>
+            <p:pic>
+              <p:nvPicPr>
+                <p:cNvPr id="46" name="Ink 45">
+                  <a:extLst>
+                    <a:ext uri="{FF2B5EF4-FFF2-40B4-BE49-F238E27FC236}">
+                      <a16:creationId xmlns:a16="http://schemas.microsoft.com/office/drawing/2014/main" id="{0DC41454-1953-4CBD-8FBD-DFB26BF83530}"/>
+                    </a:ext>
+                  </a:extLst>
+                </p:cNvPr>
+                <p:cNvPicPr/>
+                <p:nvPr/>
+              </p:nvPicPr>
+              <p:blipFill>
+                <a:blip r:embed="rId55"/>
+                <a:stretch>
+                  <a:fillRect/>
+                </a:stretch>
+              </p:blipFill>
+              <p:spPr>
+                <a:xfrm>
+                  <a:off x="5335129" y="4141699"/>
+                  <a:ext cx="130680" cy="137880"/>
+                </a:xfrm>
+                <a:prstGeom prst="rect">
+                  <a:avLst/>
+                </a:prstGeom>
+              </p:spPr>
+            </p:pic>
+          </mc:Fallback>
+        </mc:AlternateContent>
+        <mc:AlternateContent xmlns:mc="http://schemas.openxmlformats.org/markup-compatibility/2006">
+          <mc:Choice xmlns:p14="http://schemas.microsoft.com/office/powerpoint/2010/main" Requires="p14">
+            <p:contentPart p14:bwMode="auto" r:id="rId56">
+              <p14:nvContentPartPr>
+                <p14:cNvPr id="47" name="Ink 46">
+                  <a:extLst>
+                    <a:ext uri="{FF2B5EF4-FFF2-40B4-BE49-F238E27FC236}">
+                      <a16:creationId xmlns:a16="http://schemas.microsoft.com/office/drawing/2014/main" id="{57078705-A4EB-4650-8A67-646895D6D1E8}"/>
+                    </a:ext>
+                  </a:extLst>
+                </p14:cNvPr>
+                <p14:cNvContentPartPr/>
+                <p14:nvPr/>
+              </p14:nvContentPartPr>
+              <p14:xfrm>
+                <a:off x="5537449" y="4024339"/>
+                <a:ext cx="198720" cy="282240"/>
+              </p14:xfrm>
+            </p:contentPart>
+          </mc:Choice>
+          <mc:Fallback>
+            <p:pic>
+              <p:nvPicPr>
+                <p:cNvPr id="47" name="Ink 46">
+                  <a:extLst>
+                    <a:ext uri="{FF2B5EF4-FFF2-40B4-BE49-F238E27FC236}">
+                      <a16:creationId xmlns:a16="http://schemas.microsoft.com/office/drawing/2014/main" id="{57078705-A4EB-4650-8A67-646895D6D1E8}"/>
+                    </a:ext>
+                  </a:extLst>
+                </p:cNvPr>
+                <p:cNvPicPr/>
+                <p:nvPr/>
+              </p:nvPicPr>
+              <p:blipFill>
+                <a:blip r:embed="rId57"/>
+                <a:stretch>
+                  <a:fillRect/>
+                </a:stretch>
+              </p:blipFill>
+              <p:spPr>
+                <a:xfrm>
+                  <a:off x="5528449" y="4015339"/>
+                  <a:ext cx="216360" cy="299880"/>
+                </a:xfrm>
+                <a:prstGeom prst="rect">
+                  <a:avLst/>
+                </a:prstGeom>
+              </p:spPr>
+            </p:pic>
+          </mc:Fallback>
+        </mc:AlternateContent>
+        <mc:AlternateContent xmlns:mc="http://schemas.openxmlformats.org/markup-compatibility/2006">
+          <mc:Choice xmlns:p14="http://schemas.microsoft.com/office/powerpoint/2010/main" Requires="p14">
+            <p:contentPart p14:bwMode="auto" r:id="rId58">
+              <p14:nvContentPartPr>
+                <p14:cNvPr id="48" name="Ink 47">
+                  <a:extLst>
+                    <a:ext uri="{FF2B5EF4-FFF2-40B4-BE49-F238E27FC236}">
+                      <a16:creationId xmlns:a16="http://schemas.microsoft.com/office/drawing/2014/main" id="{014FE0D4-1E90-49A7-B036-5FAF5B4A0EB4}"/>
+                    </a:ext>
+                  </a:extLst>
+                </p14:cNvPr>
+                <p14:cNvContentPartPr/>
+                <p14:nvPr/>
+              </p14:nvContentPartPr>
+              <p14:xfrm>
+                <a:off x="5713129" y="4181659"/>
+                <a:ext cx="105120" cy="16920"/>
+              </p14:xfrm>
+            </p:contentPart>
+          </mc:Choice>
+          <mc:Fallback>
+            <p:pic>
+              <p:nvPicPr>
+                <p:cNvPr id="48" name="Ink 47">
+                  <a:extLst>
+                    <a:ext uri="{FF2B5EF4-FFF2-40B4-BE49-F238E27FC236}">
+                      <a16:creationId xmlns:a16="http://schemas.microsoft.com/office/drawing/2014/main" id="{014FE0D4-1E90-49A7-B036-5FAF5B4A0EB4}"/>
+                    </a:ext>
+                  </a:extLst>
+                </p:cNvPr>
+                <p:cNvPicPr/>
+                <p:nvPr/>
+              </p:nvPicPr>
+              <p:blipFill>
+                <a:blip r:embed="rId59"/>
+                <a:stretch>
+                  <a:fillRect/>
+                </a:stretch>
+              </p:blipFill>
+              <p:spPr>
+                <a:xfrm>
+                  <a:off x="5704129" y="4172659"/>
+                  <a:ext cx="122760" cy="34560"/>
+                </a:xfrm>
+                <a:prstGeom prst="rect">
+                  <a:avLst/>
+                </a:prstGeom>
+              </p:spPr>
+            </p:pic>
+          </mc:Fallback>
+        </mc:AlternateContent>
+        <mc:AlternateContent xmlns:mc="http://schemas.openxmlformats.org/markup-compatibility/2006">
+          <mc:Choice xmlns:p14="http://schemas.microsoft.com/office/powerpoint/2010/main" Requires="p14">
+            <p:contentPart p14:bwMode="auto" r:id="rId60">
+              <p14:nvContentPartPr>
+                <p14:cNvPr id="49" name="Ink 48">
+                  <a:extLst>
+                    <a:ext uri="{FF2B5EF4-FFF2-40B4-BE49-F238E27FC236}">
+                      <a16:creationId xmlns:a16="http://schemas.microsoft.com/office/drawing/2014/main" id="{33958D01-2D37-4789-BD33-33E6CC2E21D9}"/>
+                    </a:ext>
+                  </a:extLst>
+                </p14:cNvPr>
+                <p14:cNvContentPartPr/>
+                <p14:nvPr/>
+              </p14:nvContentPartPr>
+              <p14:xfrm>
+                <a:off x="5879089" y="4153939"/>
+                <a:ext cx="131400" cy="132480"/>
+              </p14:xfrm>
+            </p:contentPart>
+          </mc:Choice>
+          <mc:Fallback>
+            <p:pic>
+              <p:nvPicPr>
+                <p:cNvPr id="49" name="Ink 48">
+                  <a:extLst>
+                    <a:ext uri="{FF2B5EF4-FFF2-40B4-BE49-F238E27FC236}">
+                      <a16:creationId xmlns:a16="http://schemas.microsoft.com/office/drawing/2014/main" id="{33958D01-2D37-4789-BD33-33E6CC2E21D9}"/>
+                    </a:ext>
+                  </a:extLst>
+                </p:cNvPr>
+                <p:cNvPicPr/>
+                <p:nvPr/>
+              </p:nvPicPr>
+              <p:blipFill>
+                <a:blip r:embed="rId61"/>
+                <a:stretch>
+                  <a:fillRect/>
+                </a:stretch>
+              </p:blipFill>
+              <p:spPr>
+                <a:xfrm>
+                  <a:off x="5870449" y="4144939"/>
+                  <a:ext cx="149040" cy="150120"/>
+                </a:xfrm>
+                <a:prstGeom prst="rect">
+                  <a:avLst/>
+                </a:prstGeom>
+              </p:spPr>
+            </p:pic>
+          </mc:Fallback>
+        </mc:AlternateContent>
+        <mc:AlternateContent xmlns:mc="http://schemas.openxmlformats.org/markup-compatibility/2006">
+          <mc:Choice xmlns:p14="http://schemas.microsoft.com/office/powerpoint/2010/main" Requires="p14">
+            <p:contentPart p14:bwMode="auto" r:id="rId62">
+              <p14:nvContentPartPr>
+                <p14:cNvPr id="50" name="Ink 49">
+                  <a:extLst>
+                    <a:ext uri="{FF2B5EF4-FFF2-40B4-BE49-F238E27FC236}">
+                      <a16:creationId xmlns:a16="http://schemas.microsoft.com/office/drawing/2014/main" id="{D5F90244-0876-45F3-B995-AA85455E0227}"/>
+                    </a:ext>
+                  </a:extLst>
+                </p14:cNvPr>
+                <p14:cNvContentPartPr/>
+                <p14:nvPr/>
+              </p14:nvContentPartPr>
+              <p14:xfrm>
+                <a:off x="6059089" y="4174819"/>
+                <a:ext cx="163800" cy="113040"/>
+              </p14:xfrm>
+            </p:contentPart>
+          </mc:Choice>
+          <mc:Fallback>
+            <p:pic>
+              <p:nvPicPr>
+                <p:cNvPr id="50" name="Ink 49">
+                  <a:extLst>
+                    <a:ext uri="{FF2B5EF4-FFF2-40B4-BE49-F238E27FC236}">
+                      <a16:creationId xmlns:a16="http://schemas.microsoft.com/office/drawing/2014/main" id="{D5F90244-0876-45F3-B995-AA85455E0227}"/>
+                    </a:ext>
+                  </a:extLst>
+                </p:cNvPr>
+                <p:cNvPicPr/>
+                <p:nvPr/>
+              </p:nvPicPr>
+              <p:blipFill>
+                <a:blip r:embed="rId63"/>
+                <a:stretch>
+                  <a:fillRect/>
+                </a:stretch>
+              </p:blipFill>
+              <p:spPr>
+                <a:xfrm>
+                  <a:off x="6050089" y="4165819"/>
+                  <a:ext cx="181440" cy="130680"/>
+                </a:xfrm>
+                <a:prstGeom prst="rect">
+                  <a:avLst/>
+                </a:prstGeom>
+              </p:spPr>
+            </p:pic>
+          </mc:Fallback>
+        </mc:AlternateContent>
+        <mc:AlternateContent xmlns:mc="http://schemas.openxmlformats.org/markup-compatibility/2006">
+          <mc:Choice xmlns:p14="http://schemas.microsoft.com/office/powerpoint/2010/main" Requires="p14">
+            <p:contentPart p14:bwMode="auto" r:id="rId64">
+              <p14:nvContentPartPr>
+                <p14:cNvPr id="51" name="Ink 50">
+                  <a:extLst>
+                    <a:ext uri="{FF2B5EF4-FFF2-40B4-BE49-F238E27FC236}">
+                      <a16:creationId xmlns:a16="http://schemas.microsoft.com/office/drawing/2014/main" id="{536116E3-E452-4A79-9080-4D05ECF20568}"/>
+                    </a:ext>
+                  </a:extLst>
+                </p14:cNvPr>
+                <p14:cNvContentPartPr/>
+                <p14:nvPr/>
+              </p14:nvContentPartPr>
+              <p14:xfrm>
+                <a:off x="6281209" y="4160419"/>
+                <a:ext cx="55080" cy="162720"/>
+              </p14:xfrm>
+            </p:contentPart>
+          </mc:Choice>
+          <mc:Fallback>
+            <p:pic>
+              <p:nvPicPr>
+                <p:cNvPr id="51" name="Ink 50">
+                  <a:extLst>
+                    <a:ext uri="{FF2B5EF4-FFF2-40B4-BE49-F238E27FC236}">
+                      <a16:creationId xmlns:a16="http://schemas.microsoft.com/office/drawing/2014/main" id="{536116E3-E452-4A79-9080-4D05ECF20568}"/>
+                    </a:ext>
+                  </a:extLst>
+                </p:cNvPr>
+                <p:cNvPicPr/>
+                <p:nvPr/>
+              </p:nvPicPr>
+              <p:blipFill>
+                <a:blip r:embed="rId65"/>
+                <a:stretch>
+                  <a:fillRect/>
+                </a:stretch>
+              </p:blipFill>
+              <p:spPr>
+                <a:xfrm>
+                  <a:off x="6272209" y="4151419"/>
+                  <a:ext cx="72720" cy="180360"/>
+                </a:xfrm>
+                <a:prstGeom prst="rect">
+                  <a:avLst/>
+                </a:prstGeom>
+              </p:spPr>
+            </p:pic>
+          </mc:Fallback>
+        </mc:AlternateContent>
+        <mc:AlternateContent xmlns:mc="http://schemas.openxmlformats.org/markup-compatibility/2006">
+          <mc:Choice xmlns:p14="http://schemas.microsoft.com/office/powerpoint/2010/main" Requires="p14">
+            <p:contentPart p14:bwMode="auto" r:id="rId66">
+              <p14:nvContentPartPr>
+                <p14:cNvPr id="58" name="Ink 57">
+                  <a:extLst>
+                    <a:ext uri="{FF2B5EF4-FFF2-40B4-BE49-F238E27FC236}">
+                      <a16:creationId xmlns:a16="http://schemas.microsoft.com/office/drawing/2014/main" id="{EEAFDAF8-74C3-483E-90C3-9D44157ED49B}"/>
+                    </a:ext>
+                  </a:extLst>
+                </p14:cNvPr>
+                <p14:cNvContentPartPr/>
+                <p14:nvPr/>
+              </p14:nvContentPartPr>
+              <p14:xfrm>
+                <a:off x="4108969" y="3966019"/>
+                <a:ext cx="1021320" cy="97200"/>
+              </p14:xfrm>
+            </p:contentPart>
+          </mc:Choice>
+          <mc:Fallback>
+            <p:pic>
+              <p:nvPicPr>
+                <p:cNvPr id="58" name="Ink 57">
+                  <a:extLst>
+                    <a:ext uri="{FF2B5EF4-FFF2-40B4-BE49-F238E27FC236}">
+                      <a16:creationId xmlns:a16="http://schemas.microsoft.com/office/drawing/2014/main" id="{EEAFDAF8-74C3-483E-90C3-9D44157ED49B}"/>
+                    </a:ext>
+                  </a:extLst>
+                </p:cNvPr>
+                <p:cNvPicPr/>
+                <p:nvPr/>
+              </p:nvPicPr>
+              <p:blipFill>
+                <a:blip r:embed="rId67"/>
+                <a:stretch>
+                  <a:fillRect/>
+                </a:stretch>
+              </p:blipFill>
+              <p:spPr>
+                <a:xfrm>
+                  <a:off x="4100329" y="3957379"/>
+                  <a:ext cx="1038960" cy="114840"/>
+                </a:xfrm>
+                <a:prstGeom prst="rect">
+                  <a:avLst/>
+                </a:prstGeom>
+              </p:spPr>
+            </p:pic>
+          </mc:Fallback>
+        </mc:AlternateContent>
+      </p:grpSp>
+      <p:grpSp>
+        <p:nvGrpSpPr>
+          <p:cNvPr id="61" name="Group 60">
+            <a:extLst>
+              <a:ext uri="{FF2B5EF4-FFF2-40B4-BE49-F238E27FC236}">
+                <a16:creationId xmlns:a16="http://schemas.microsoft.com/office/drawing/2014/main" id="{9441C38D-549F-4B31-BA8A-ECB31FE93B66}"/>
+              </a:ext>
+            </a:extLst>
+          </p:cNvPr>
+          <p:cNvGrpSpPr/>
+          <p:nvPr/>
+        </p:nvGrpSpPr>
+        <p:grpSpPr>
+          <a:xfrm>
+            <a:off x="1282969" y="4170859"/>
+            <a:ext cx="1415160" cy="413280"/>
+            <a:chOff x="1282969" y="4170859"/>
+            <a:chExt cx="1415160" cy="413280"/>
+          </a:xfrm>
+        </p:grpSpPr>
+        <mc:AlternateContent xmlns:mc="http://schemas.openxmlformats.org/markup-compatibility/2006">
+          <mc:Choice xmlns:p14="http://schemas.microsoft.com/office/powerpoint/2010/main" Requires="p14">
+            <p:contentPart p14:bwMode="auto" r:id="rId68">
+              <p14:nvContentPartPr>
+                <p14:cNvPr id="22" name="Ink 21">
+                  <a:extLst>
+                    <a:ext uri="{FF2B5EF4-FFF2-40B4-BE49-F238E27FC236}">
+                      <a16:creationId xmlns:a16="http://schemas.microsoft.com/office/drawing/2014/main" id="{6C1F7640-F61F-478B-A1AB-C63722315FAE}"/>
+                    </a:ext>
+                  </a:extLst>
+                </p14:cNvPr>
+                <p14:cNvContentPartPr/>
+                <p14:nvPr/>
+              </p14:nvContentPartPr>
+              <p14:xfrm>
+                <a:off x="1397809" y="4203259"/>
+                <a:ext cx="84960" cy="213480"/>
+              </p14:xfrm>
+            </p:contentPart>
+          </mc:Choice>
+          <mc:Fallback>
+            <p:pic>
+              <p:nvPicPr>
+                <p:cNvPr id="22" name="Ink 21">
+                  <a:extLst>
+                    <a:ext uri="{FF2B5EF4-FFF2-40B4-BE49-F238E27FC236}">
+                      <a16:creationId xmlns:a16="http://schemas.microsoft.com/office/drawing/2014/main" id="{6C1F7640-F61F-478B-A1AB-C63722315FAE}"/>
+                    </a:ext>
+                  </a:extLst>
+                </p:cNvPr>
+                <p:cNvPicPr/>
+                <p:nvPr/>
+              </p:nvPicPr>
+              <p:blipFill>
+                <a:blip r:embed="rId69"/>
+                <a:stretch>
+                  <a:fillRect/>
+                </a:stretch>
+              </p:blipFill>
+              <p:spPr>
+                <a:xfrm>
+                  <a:off x="1389169" y="4194259"/>
+                  <a:ext cx="102600" cy="231120"/>
+                </a:xfrm>
+                <a:prstGeom prst="rect">
+                  <a:avLst/>
+                </a:prstGeom>
+              </p:spPr>
+            </p:pic>
+          </mc:Fallback>
+        </mc:AlternateContent>
+        <mc:AlternateContent xmlns:mc="http://schemas.openxmlformats.org/markup-compatibility/2006">
+          <mc:Choice xmlns:p14="http://schemas.microsoft.com/office/powerpoint/2010/main" Requires="p14">
+            <p:contentPart p14:bwMode="auto" r:id="rId70">
+              <p14:nvContentPartPr>
+                <p14:cNvPr id="23" name="Ink 22">
+                  <a:extLst>
+                    <a:ext uri="{FF2B5EF4-FFF2-40B4-BE49-F238E27FC236}">
+                      <a16:creationId xmlns:a16="http://schemas.microsoft.com/office/drawing/2014/main" id="{9C4005BC-558A-4030-ACD3-0F465D97AFF0}"/>
+                    </a:ext>
+                  </a:extLst>
+                </p14:cNvPr>
+                <p14:cNvContentPartPr/>
+                <p14:nvPr/>
+              </p14:nvContentPartPr>
+              <p14:xfrm>
+                <a:off x="1524169" y="4211539"/>
+                <a:ext cx="126000" cy="187920"/>
+              </p14:xfrm>
+            </p:contentPart>
+          </mc:Choice>
+          <mc:Fallback>
+            <p:pic>
+              <p:nvPicPr>
+                <p:cNvPr id="23" name="Ink 22">
+                  <a:extLst>
+                    <a:ext uri="{FF2B5EF4-FFF2-40B4-BE49-F238E27FC236}">
+                      <a16:creationId xmlns:a16="http://schemas.microsoft.com/office/drawing/2014/main" id="{9C4005BC-558A-4030-ACD3-0F465D97AFF0}"/>
+                    </a:ext>
+                  </a:extLst>
+                </p:cNvPr>
+                <p:cNvPicPr/>
+                <p:nvPr/>
+              </p:nvPicPr>
+              <p:blipFill>
+                <a:blip r:embed="rId71"/>
+                <a:stretch>
+                  <a:fillRect/>
+                </a:stretch>
+              </p:blipFill>
+              <p:spPr>
+                <a:xfrm>
+                  <a:off x="1515169" y="4202899"/>
+                  <a:ext cx="143640" cy="205560"/>
+                </a:xfrm>
+                <a:prstGeom prst="rect">
+                  <a:avLst/>
+                </a:prstGeom>
+              </p:spPr>
+            </p:pic>
+          </mc:Fallback>
+        </mc:AlternateContent>
+        <mc:AlternateContent xmlns:mc="http://schemas.openxmlformats.org/markup-compatibility/2006">
+          <mc:Choice xmlns:p14="http://schemas.microsoft.com/office/powerpoint/2010/main" Requires="p14">
+            <p:contentPart p14:bwMode="auto" r:id="rId72">
+              <p14:nvContentPartPr>
+                <p14:cNvPr id="24" name="Ink 23">
+                  <a:extLst>
+                    <a:ext uri="{FF2B5EF4-FFF2-40B4-BE49-F238E27FC236}">
+                      <a16:creationId xmlns:a16="http://schemas.microsoft.com/office/drawing/2014/main" id="{95F9FCB2-C37D-4A50-9C33-08745DA1F0AF}"/>
+                    </a:ext>
+                  </a:extLst>
+                </p14:cNvPr>
+                <p14:cNvContentPartPr/>
+                <p14:nvPr/>
+              </p14:nvContentPartPr>
+              <p14:xfrm>
+                <a:off x="1727929" y="4305499"/>
+                <a:ext cx="175680" cy="119880"/>
+              </p14:xfrm>
+            </p:contentPart>
+          </mc:Choice>
+          <mc:Fallback>
+            <p:pic>
+              <p:nvPicPr>
+                <p:cNvPr id="24" name="Ink 23">
+                  <a:extLst>
+                    <a:ext uri="{FF2B5EF4-FFF2-40B4-BE49-F238E27FC236}">
+                      <a16:creationId xmlns:a16="http://schemas.microsoft.com/office/drawing/2014/main" id="{95F9FCB2-C37D-4A50-9C33-08745DA1F0AF}"/>
+                    </a:ext>
+                  </a:extLst>
+                </p:cNvPr>
+                <p:cNvPicPr/>
+                <p:nvPr/>
+              </p:nvPicPr>
+              <p:blipFill>
+                <a:blip r:embed="rId73"/>
+                <a:stretch>
+                  <a:fillRect/>
+                </a:stretch>
+              </p:blipFill>
+              <p:spPr>
+                <a:xfrm>
+                  <a:off x="1719289" y="4296859"/>
+                  <a:ext cx="193320" cy="137520"/>
+                </a:xfrm>
+                <a:prstGeom prst="rect">
+                  <a:avLst/>
+                </a:prstGeom>
+              </p:spPr>
+            </p:pic>
+          </mc:Fallback>
+        </mc:AlternateContent>
+        <mc:AlternateContent xmlns:mc="http://schemas.openxmlformats.org/markup-compatibility/2006">
+          <mc:Choice xmlns:p14="http://schemas.microsoft.com/office/powerpoint/2010/main" Requires="p14">
+            <p:contentPart p14:bwMode="auto" r:id="rId74">
+              <p14:nvContentPartPr>
+                <p14:cNvPr id="25" name="Ink 24">
+                  <a:extLst>
+                    <a:ext uri="{FF2B5EF4-FFF2-40B4-BE49-F238E27FC236}">
+                      <a16:creationId xmlns:a16="http://schemas.microsoft.com/office/drawing/2014/main" id="{0BB3DF43-A5C7-4151-8A1A-ACC2D676A0BA}"/>
+                    </a:ext>
+                  </a:extLst>
+                </p14:cNvPr>
+                <p14:cNvContentPartPr/>
+                <p14:nvPr/>
+              </p14:nvContentPartPr>
+              <p14:xfrm>
+                <a:off x="1960849" y="4212259"/>
+                <a:ext cx="78840" cy="236520"/>
+              </p14:xfrm>
+            </p:contentPart>
+          </mc:Choice>
+          <mc:Fallback>
+            <p:pic>
+              <p:nvPicPr>
+                <p:cNvPr id="25" name="Ink 24">
+                  <a:extLst>
+                    <a:ext uri="{FF2B5EF4-FFF2-40B4-BE49-F238E27FC236}">
+                      <a16:creationId xmlns:a16="http://schemas.microsoft.com/office/drawing/2014/main" id="{0BB3DF43-A5C7-4151-8A1A-ACC2D676A0BA}"/>
+                    </a:ext>
+                  </a:extLst>
+                </p:cNvPr>
+                <p:cNvPicPr/>
+                <p:nvPr/>
+              </p:nvPicPr>
+              <p:blipFill>
+                <a:blip r:embed="rId75"/>
+                <a:stretch>
+                  <a:fillRect/>
+                </a:stretch>
+              </p:blipFill>
+              <p:spPr>
+                <a:xfrm>
+                  <a:off x="1951849" y="4203619"/>
+                  <a:ext cx="96480" cy="254160"/>
+                </a:xfrm>
+                <a:prstGeom prst="rect">
+                  <a:avLst/>
+                </a:prstGeom>
+              </p:spPr>
+            </p:pic>
+          </mc:Fallback>
+        </mc:AlternateContent>
+        <mc:AlternateContent xmlns:mc="http://schemas.openxmlformats.org/markup-compatibility/2006">
+          <mc:Choice xmlns:p14="http://schemas.microsoft.com/office/powerpoint/2010/main" Requires="p14">
+            <p:contentPart p14:bwMode="auto" r:id="rId76">
+              <p14:nvContentPartPr>
+                <p14:cNvPr id="26" name="Ink 25">
+                  <a:extLst>
+                    <a:ext uri="{FF2B5EF4-FFF2-40B4-BE49-F238E27FC236}">
+                      <a16:creationId xmlns:a16="http://schemas.microsoft.com/office/drawing/2014/main" id="{38E3EABC-87AB-4155-A7A5-51E958E0908D}"/>
+                    </a:ext>
+                  </a:extLst>
+                </p14:cNvPr>
+                <p14:cNvContentPartPr/>
+                <p14:nvPr/>
+              </p14:nvContentPartPr>
+              <p14:xfrm>
+                <a:off x="2040049" y="4311979"/>
+                <a:ext cx="88560" cy="112680"/>
+              </p14:xfrm>
+            </p:contentPart>
+          </mc:Choice>
+          <mc:Fallback>
+            <p:pic>
+              <p:nvPicPr>
+                <p:cNvPr id="26" name="Ink 25">
+                  <a:extLst>
+                    <a:ext uri="{FF2B5EF4-FFF2-40B4-BE49-F238E27FC236}">
+                      <a16:creationId xmlns:a16="http://schemas.microsoft.com/office/drawing/2014/main" id="{38E3EABC-87AB-4155-A7A5-51E958E0908D}"/>
+                    </a:ext>
+                  </a:extLst>
+                </p:cNvPr>
+                <p:cNvPicPr/>
+                <p:nvPr/>
+              </p:nvPicPr>
+              <p:blipFill>
+                <a:blip r:embed="rId77"/>
+                <a:stretch>
+                  <a:fillRect/>
+                </a:stretch>
+              </p:blipFill>
+              <p:spPr>
+                <a:xfrm>
+                  <a:off x="2031409" y="4303339"/>
+                  <a:ext cx="106200" cy="130320"/>
+                </a:xfrm>
+                <a:prstGeom prst="rect">
+                  <a:avLst/>
+                </a:prstGeom>
+              </p:spPr>
+            </p:pic>
+          </mc:Fallback>
+        </mc:AlternateContent>
+        <mc:AlternateContent xmlns:mc="http://schemas.openxmlformats.org/markup-compatibility/2006">
+          <mc:Choice xmlns:p14="http://schemas.microsoft.com/office/powerpoint/2010/main" Requires="p14">
+            <p:contentPart p14:bwMode="auto" r:id="rId78">
+              <p14:nvContentPartPr>
+                <p14:cNvPr id="27" name="Ink 26">
+                  <a:extLst>
+                    <a:ext uri="{FF2B5EF4-FFF2-40B4-BE49-F238E27FC236}">
+                      <a16:creationId xmlns:a16="http://schemas.microsoft.com/office/drawing/2014/main" id="{F4FCE29D-B01D-4464-A88C-7A81E2AE8F16}"/>
+                    </a:ext>
+                  </a:extLst>
+                </p14:cNvPr>
+                <p14:cNvContentPartPr/>
+                <p14:nvPr/>
+              </p14:nvContentPartPr>
+              <p14:xfrm>
+                <a:off x="2145169" y="4311619"/>
+                <a:ext cx="106920" cy="117000"/>
+              </p14:xfrm>
+            </p:contentPart>
+          </mc:Choice>
+          <mc:Fallback>
+            <p:pic>
+              <p:nvPicPr>
+                <p:cNvPr id="27" name="Ink 26">
+                  <a:extLst>
+                    <a:ext uri="{FF2B5EF4-FFF2-40B4-BE49-F238E27FC236}">
+                      <a16:creationId xmlns:a16="http://schemas.microsoft.com/office/drawing/2014/main" id="{F4FCE29D-B01D-4464-A88C-7A81E2AE8F16}"/>
+                    </a:ext>
+                  </a:extLst>
+                </p:cNvPr>
+                <p:cNvPicPr/>
+                <p:nvPr/>
+              </p:nvPicPr>
+              <p:blipFill>
+                <a:blip r:embed="rId79"/>
+                <a:stretch>
+                  <a:fillRect/>
+                </a:stretch>
+              </p:blipFill>
+              <p:spPr>
+                <a:xfrm>
+                  <a:off x="2136529" y="4302979"/>
+                  <a:ext cx="124560" cy="134640"/>
+                </a:xfrm>
+                <a:prstGeom prst="rect">
+                  <a:avLst/>
+                </a:prstGeom>
+              </p:spPr>
+            </p:pic>
+          </mc:Fallback>
+        </mc:AlternateContent>
+        <mc:AlternateContent xmlns:mc="http://schemas.openxmlformats.org/markup-compatibility/2006">
+          <mc:Choice xmlns:p14="http://schemas.microsoft.com/office/powerpoint/2010/main" Requires="p14">
+            <p:contentPart p14:bwMode="auto" r:id="rId80">
+              <p14:nvContentPartPr>
+                <p14:cNvPr id="28" name="Ink 27">
+                  <a:extLst>
+                    <a:ext uri="{FF2B5EF4-FFF2-40B4-BE49-F238E27FC236}">
+                      <a16:creationId xmlns:a16="http://schemas.microsoft.com/office/drawing/2014/main" id="{F23C7562-621E-4FBC-87EB-554BE882587A}"/>
+                    </a:ext>
+                  </a:extLst>
+                </p14:cNvPr>
+                <p14:cNvContentPartPr/>
+                <p14:nvPr/>
+              </p14:nvContentPartPr>
+              <p14:xfrm>
+                <a:off x="2341729" y="4170859"/>
+                <a:ext cx="22320" cy="249840"/>
+              </p14:xfrm>
+            </p:contentPart>
+          </mc:Choice>
+          <mc:Fallback>
+            <p:pic>
+              <p:nvPicPr>
+                <p:cNvPr id="28" name="Ink 27">
+                  <a:extLst>
+                    <a:ext uri="{FF2B5EF4-FFF2-40B4-BE49-F238E27FC236}">
+                      <a16:creationId xmlns:a16="http://schemas.microsoft.com/office/drawing/2014/main" id="{F23C7562-621E-4FBC-87EB-554BE882587A}"/>
+                    </a:ext>
+                  </a:extLst>
+                </p:cNvPr>
+                <p:cNvPicPr/>
+                <p:nvPr/>
+              </p:nvPicPr>
+              <p:blipFill>
+                <a:blip r:embed="rId81"/>
+                <a:stretch>
+                  <a:fillRect/>
+                </a:stretch>
+              </p:blipFill>
+              <p:spPr>
+                <a:xfrm>
+                  <a:off x="2333089" y="4162219"/>
+                  <a:ext cx="39960" cy="267480"/>
+                </a:xfrm>
+                <a:prstGeom prst="rect">
+                  <a:avLst/>
+                </a:prstGeom>
+              </p:spPr>
+            </p:pic>
+          </mc:Fallback>
+        </mc:AlternateContent>
+        <mc:AlternateContent xmlns:mc="http://schemas.openxmlformats.org/markup-compatibility/2006">
+          <mc:Choice xmlns:p14="http://schemas.microsoft.com/office/powerpoint/2010/main" Requires="p14">
+            <p:contentPart p14:bwMode="auto" r:id="rId82">
+              <p14:nvContentPartPr>
+                <p14:cNvPr id="29" name="Ink 28">
+                  <a:extLst>
+                    <a:ext uri="{FF2B5EF4-FFF2-40B4-BE49-F238E27FC236}">
+                      <a16:creationId xmlns:a16="http://schemas.microsoft.com/office/drawing/2014/main" id="{4FB7228F-9394-43CF-8601-C5530200DAAE}"/>
+                    </a:ext>
+                  </a:extLst>
+                </p14:cNvPr>
+                <p14:cNvContentPartPr/>
+                <p14:nvPr/>
+              </p14:nvContentPartPr>
+              <p14:xfrm>
+                <a:off x="2315449" y="4262299"/>
+                <a:ext cx="174960" cy="111960"/>
+              </p14:xfrm>
+            </p:contentPart>
+          </mc:Choice>
+          <mc:Fallback>
+            <p:pic>
+              <p:nvPicPr>
+                <p:cNvPr id="29" name="Ink 28">
+                  <a:extLst>
+                    <a:ext uri="{FF2B5EF4-FFF2-40B4-BE49-F238E27FC236}">
+                      <a16:creationId xmlns:a16="http://schemas.microsoft.com/office/drawing/2014/main" id="{4FB7228F-9394-43CF-8601-C5530200DAAE}"/>
+                    </a:ext>
+                  </a:extLst>
+                </p:cNvPr>
+                <p:cNvPicPr/>
+                <p:nvPr/>
+              </p:nvPicPr>
+              <p:blipFill>
+                <a:blip r:embed="rId83"/>
+                <a:stretch>
+                  <a:fillRect/>
+                </a:stretch>
+              </p:blipFill>
+              <p:spPr>
+                <a:xfrm>
+                  <a:off x="2306809" y="4253659"/>
+                  <a:ext cx="192600" cy="129600"/>
+                </a:xfrm>
+                <a:prstGeom prst="rect">
+                  <a:avLst/>
+                </a:prstGeom>
+              </p:spPr>
+            </p:pic>
+          </mc:Fallback>
+        </mc:AlternateContent>
+        <mc:AlternateContent xmlns:mc="http://schemas.openxmlformats.org/markup-compatibility/2006">
+          <mc:Choice xmlns:p14="http://schemas.microsoft.com/office/powerpoint/2010/main" Requires="p14">
+            <p:contentPart p14:bwMode="auto" r:id="rId84">
+              <p14:nvContentPartPr>
+                <p14:cNvPr id="60" name="Ink 59">
+                  <a:extLst>
+                    <a:ext uri="{FF2B5EF4-FFF2-40B4-BE49-F238E27FC236}">
+                      <a16:creationId xmlns:a16="http://schemas.microsoft.com/office/drawing/2014/main" id="{7DC1C370-5781-499C-9F7D-27716B1FFE88}"/>
+                    </a:ext>
+                  </a:extLst>
+                </p14:cNvPr>
+                <p14:cNvContentPartPr/>
+                <p14:nvPr/>
+              </p14:nvContentPartPr>
+              <p14:xfrm>
+                <a:off x="1282969" y="4529779"/>
+                <a:ext cx="1415160" cy="54360"/>
+              </p14:xfrm>
+            </p:contentPart>
+          </mc:Choice>
+          <mc:Fallback>
+            <p:pic>
+              <p:nvPicPr>
+                <p:cNvPr id="60" name="Ink 59">
+                  <a:extLst>
+                    <a:ext uri="{FF2B5EF4-FFF2-40B4-BE49-F238E27FC236}">
+                      <a16:creationId xmlns:a16="http://schemas.microsoft.com/office/drawing/2014/main" id="{7DC1C370-5781-499C-9F7D-27716B1FFE88}"/>
+                    </a:ext>
+                  </a:extLst>
+                </p:cNvPr>
+                <p:cNvPicPr/>
+                <p:nvPr/>
+              </p:nvPicPr>
+              <p:blipFill>
+                <a:blip r:embed="rId85"/>
+                <a:stretch>
+                  <a:fillRect/>
+                </a:stretch>
+              </p:blipFill>
+              <p:spPr>
+                <a:xfrm>
+                  <a:off x="1274329" y="4520779"/>
+                  <a:ext cx="1432800" cy="72000"/>
+                </a:xfrm>
+                <a:prstGeom prst="rect">
+                  <a:avLst/>
+                </a:prstGeom>
+              </p:spPr>
+            </p:pic>
+          </mc:Fallback>
+        </mc:AlternateContent>
+      </p:grpSp>
     </p:spTree>
     <p:extLst>
       <p:ext uri="{BB962C8B-B14F-4D97-AF65-F5344CB8AC3E}">
@@ -4305,6 +7984,108 @@
           </a:p>
         </p:txBody>
       </p:sp>
+      <mc:AlternateContent xmlns:mc="http://schemas.openxmlformats.org/markup-compatibility/2006">
+        <mc:Choice xmlns:p14="http://schemas.microsoft.com/office/powerpoint/2010/main" Requires="p14">
+          <p:contentPart p14:bwMode="auto" r:id="rId2">
+            <p14:nvContentPartPr>
+              <p14:cNvPr id="4" name="Ink 3">
+                <a:extLst>
+                  <a:ext uri="{FF2B5EF4-FFF2-40B4-BE49-F238E27FC236}">
+                    <a16:creationId xmlns:a16="http://schemas.microsoft.com/office/drawing/2014/main" id="{4494BC12-BADC-47B1-9F27-DDA24BA0DDF1}"/>
+                  </a:ext>
+                </a:extLst>
+              </p14:cNvPr>
+              <p14:cNvContentPartPr/>
+              <p14:nvPr/>
+            </p14:nvContentPartPr>
+            <p14:xfrm>
+              <a:off x="835489" y="2148019"/>
+              <a:ext cx="948960" cy="103320"/>
+            </p14:xfrm>
+          </p:contentPart>
+        </mc:Choice>
+        <mc:Fallback>
+          <p:pic>
+            <p:nvPicPr>
+              <p:cNvPr id="4" name="Ink 3">
+                <a:extLst>
+                  <a:ext uri="{FF2B5EF4-FFF2-40B4-BE49-F238E27FC236}">
+                    <a16:creationId xmlns:a16="http://schemas.microsoft.com/office/drawing/2014/main" id="{4494BC12-BADC-47B1-9F27-DDA24BA0DDF1}"/>
+                  </a:ext>
+                </a:extLst>
+              </p:cNvPr>
+              <p:cNvPicPr/>
+              <p:nvPr/>
+            </p:nvPicPr>
+            <p:blipFill>
+              <a:blip r:embed="rId3"/>
+              <a:stretch>
+                <a:fillRect/>
+              </a:stretch>
+            </p:blipFill>
+            <p:spPr>
+              <a:xfrm>
+                <a:off x="826849" y="2139019"/>
+                <a:ext cx="966600" cy="120960"/>
+              </a:xfrm>
+              <a:prstGeom prst="rect">
+                <a:avLst/>
+              </a:prstGeom>
+            </p:spPr>
+          </p:pic>
+        </mc:Fallback>
+      </mc:AlternateContent>
+      <mc:AlternateContent xmlns:mc="http://schemas.openxmlformats.org/markup-compatibility/2006">
+        <mc:Choice xmlns:p14="http://schemas.microsoft.com/office/powerpoint/2010/main" Requires="p14">
+          <p:contentPart p14:bwMode="auto" r:id="rId4">
+            <p14:nvContentPartPr>
+              <p14:cNvPr id="5" name="Ink 4">
+                <a:extLst>
+                  <a:ext uri="{FF2B5EF4-FFF2-40B4-BE49-F238E27FC236}">
+                    <a16:creationId xmlns:a16="http://schemas.microsoft.com/office/drawing/2014/main" id="{9C852BE0-7095-4895-82BC-9A152C78A148}"/>
+                  </a:ext>
+                </a:extLst>
+              </p14:cNvPr>
+              <p14:cNvContentPartPr/>
+              <p14:nvPr/>
+            </p14:nvContentPartPr>
+            <p14:xfrm>
+              <a:off x="888769" y="1758139"/>
+              <a:ext cx="2621520" cy="52920"/>
+            </p14:xfrm>
+          </p:contentPart>
+        </mc:Choice>
+        <mc:Fallback>
+          <p:pic>
+            <p:nvPicPr>
+              <p:cNvPr id="5" name="Ink 4">
+                <a:extLst>
+                  <a:ext uri="{FF2B5EF4-FFF2-40B4-BE49-F238E27FC236}">
+                    <a16:creationId xmlns:a16="http://schemas.microsoft.com/office/drawing/2014/main" id="{9C852BE0-7095-4895-82BC-9A152C78A148}"/>
+                  </a:ext>
+                </a:extLst>
+              </p:cNvPr>
+              <p:cNvPicPr/>
+              <p:nvPr/>
+            </p:nvPicPr>
+            <p:blipFill>
+              <a:blip r:embed="rId5"/>
+              <a:stretch>
+                <a:fillRect/>
+              </a:stretch>
+            </p:blipFill>
+            <p:spPr>
+              <a:xfrm>
+                <a:off x="880129" y="1749139"/>
+                <a:ext cx="2639160" cy="70560"/>
+              </a:xfrm>
+              <a:prstGeom prst="rect">
+                <a:avLst/>
+              </a:prstGeom>
+            </p:spPr>
+          </p:pic>
+        </mc:Fallback>
+      </mc:AlternateContent>
     </p:spTree>
     <p:extLst>
       <p:ext uri="{BB962C8B-B14F-4D97-AF65-F5344CB8AC3E}">
